--- a/kubeflow 相关文档/k8s架构/k8s&kubeflow.pptx
+++ b/kubeflow 相关文档/k8s架构/k8s&kubeflow.pptx
@@ -5,15 +5,27 @@
     <p:sldMasterId id="2147483648" r:id="rId1"/>
   </p:sldMasterIdLst>
   <p:notesMasterIdLst>
-    <p:notesMasterId r:id="rId8"/>
+    <p:notesMasterId r:id="rId20"/>
   </p:notesMasterIdLst>
   <p:sldIdLst>
     <p:sldId id="256" r:id="rId2"/>
     <p:sldId id="257" r:id="rId3"/>
-    <p:sldId id="258" r:id="rId4"/>
-    <p:sldId id="259" r:id="rId5"/>
-    <p:sldId id="260" r:id="rId6"/>
-    <p:sldId id="261" r:id="rId7"/>
+    <p:sldId id="265" r:id="rId4"/>
+    <p:sldId id="258" r:id="rId5"/>
+    <p:sldId id="264" r:id="rId6"/>
+    <p:sldId id="259" r:id="rId7"/>
+    <p:sldId id="266" r:id="rId8"/>
+    <p:sldId id="267" r:id="rId9"/>
+    <p:sldId id="268" r:id="rId10"/>
+    <p:sldId id="269" r:id="rId11"/>
+    <p:sldId id="270" r:id="rId12"/>
+    <p:sldId id="271" r:id="rId13"/>
+    <p:sldId id="272" r:id="rId14"/>
+    <p:sldId id="273" r:id="rId15"/>
+    <p:sldId id="274" r:id="rId16"/>
+    <p:sldId id="275" r:id="rId17"/>
+    <p:sldId id="260" r:id="rId18"/>
+    <p:sldId id="262" r:id="rId19"/>
   </p:sldIdLst>
   <p:sldSz cx="12192000" cy="6858000"/>
   <p:notesSz cx="6858000" cy="9144000"/>
@@ -112,6 +124,11 @@
       </a:defRPr>
     </a:lvl9pPr>
   </p:defaultTextStyle>
+  <p:extLst>
+    <p:ext uri="{EFAFB233-063F-42B5-8137-9DF3F51BA10A}">
+      <p15:sldGuideLst xmlns:p15="http://schemas.microsoft.com/office/powerpoint/2012/main"/>
+    </p:ext>
+  </p:extLst>
 </p:presentation>
 </file>
 
@@ -197,7 +214,7 @@
           <a:p>
             <a:fld id="{3141F8A4-803D-834E-B1EA-E0B18554EE4C}" type="datetimeFigureOut">
               <a:rPr kumimoji="1" lang="zh-CN" altLang="en-US" smtClean="0"/>
-              <a:t>2022/9/16</a:t>
+              <a:t>2022/9/17</a:t>
             </a:fld>
             <a:endParaRPr kumimoji="1" lang="zh-CN" altLang="en-US"/>
           </a:p>
@@ -603,6 +620,1565 @@
 </p:notes>
 </file>
 
+<file path=ppt/notesSlides/notesSlide10.xml><?xml version="1.0" encoding="utf-8"?>
+<p:notes xmlns:a="http://schemas.openxmlformats.org/drawingml/2006/main" xmlns:r="http://schemas.openxmlformats.org/officeDocument/2006/relationships" xmlns:p="http://schemas.openxmlformats.org/presentationml/2006/main">
+  <p:cSld>
+    <p:spTree>
+      <p:nvGrpSpPr>
+        <p:cNvPr id="1" name=""/>
+        <p:cNvGrpSpPr/>
+        <p:nvPr/>
+      </p:nvGrpSpPr>
+      <p:grpSpPr>
+        <a:xfrm>
+          <a:off x="0" y="0"/>
+          <a:ext cx="0" cy="0"/>
+          <a:chOff x="0" y="0"/>
+          <a:chExt cx="0" cy="0"/>
+        </a:xfrm>
+      </p:grpSpPr>
+      <p:sp>
+        <p:nvSpPr>
+          <p:cNvPr id="2" name="幻灯片图像占位符 1"/>
+          <p:cNvSpPr>
+            <a:spLocks noGrp="1" noRot="1" noChangeAspect="1"/>
+          </p:cNvSpPr>
+          <p:nvPr>
+            <p:ph type="sldImg"/>
+          </p:nvPr>
+        </p:nvSpPr>
+        <p:spPr/>
+      </p:sp>
+      <p:sp>
+        <p:nvSpPr>
+          <p:cNvPr id="3" name="备注占位符 2"/>
+          <p:cNvSpPr>
+            <a:spLocks noGrp="1"/>
+          </p:cNvSpPr>
+          <p:nvPr>
+            <p:ph type="body" idx="1"/>
+          </p:nvPr>
+        </p:nvSpPr>
+        <p:spPr/>
+        <p:txBody>
+          <a:bodyPr/>
+          <a:lstStyle/>
+          <a:p>
+            <a:r>
+              <a:rPr kumimoji="1" lang="en-US" altLang="zh-CN" sz="1200" b="1" dirty="0"/>
+              <a:t>Deployment</a:t>
+            </a:r>
+            <a:r>
+              <a:rPr kumimoji="1" lang="zh-CN" altLang="en-US" sz="1200" b="1" dirty="0"/>
+              <a:t> 在副本集的更上一层</a:t>
+            </a:r>
+            <a:endParaRPr kumimoji="1" lang="en-US" altLang="zh-CN" sz="1200" b="1" dirty="0"/>
+          </a:p>
+          <a:p>
+            <a:r>
+              <a:rPr kumimoji="1" lang="zh-CN" altLang="en-US" sz="1200" b="1" dirty="0"/>
+              <a:t>部署描述的是一次部署动作，当需要升级的时候，将</a:t>
+            </a:r>
+            <a:r>
+              <a:rPr kumimoji="1" lang="en-US" altLang="zh-CN" sz="1200" b="1" dirty="0"/>
+              <a:t>tag</a:t>
+            </a:r>
+            <a:r>
+              <a:rPr kumimoji="1" lang="zh-CN" altLang="en-US" sz="1200" b="1" dirty="0"/>
+              <a:t>从</a:t>
+            </a:r>
+            <a:r>
+              <a:rPr kumimoji="1" lang="en-US" altLang="zh-CN" sz="1200" b="1" dirty="0"/>
+              <a:t>v1-&gt;v2</a:t>
+            </a:r>
+            <a:r>
+              <a:rPr kumimoji="1" lang="zh-CN" altLang="en-US" sz="1200" b="1" dirty="0"/>
+              <a:t> ，</a:t>
+            </a:r>
+            <a:r>
+              <a:rPr kumimoji="1" lang="en-US" altLang="zh-CN" sz="1200" b="1" dirty="0"/>
+              <a:t>Deployment</a:t>
+            </a:r>
+            <a:r>
+              <a:rPr kumimoji="1" lang="zh-CN" altLang="en-US" sz="1200" b="1" dirty="0"/>
+              <a:t>描述的是当</a:t>
+            </a:r>
+            <a:r>
+              <a:rPr kumimoji="1" lang="en-US" altLang="zh-CN" sz="1200" b="1" dirty="0"/>
+              <a:t>tag</a:t>
+            </a:r>
+            <a:r>
+              <a:rPr kumimoji="1" lang="zh-CN" altLang="en-US" sz="1200" b="1" dirty="0"/>
+              <a:t>变更的时候采用什么样的策略来完成升级</a:t>
+            </a:r>
+            <a:endParaRPr kumimoji="1" lang="en-US" altLang="zh-CN" sz="1200" b="1" dirty="0"/>
+          </a:p>
+          <a:p>
+            <a:r>
+              <a:rPr kumimoji="1" lang="zh-CN" altLang="en-US" sz="1200" b="1" dirty="0"/>
+              <a:t>滚动升级</a:t>
+            </a:r>
+            <a:endParaRPr kumimoji="1" lang="zh-CN" altLang="en-US" dirty="0"/>
+          </a:p>
+        </p:txBody>
+      </p:sp>
+      <p:sp>
+        <p:nvSpPr>
+          <p:cNvPr id="4" name="灯片编号占位符 3"/>
+          <p:cNvSpPr>
+            <a:spLocks noGrp="1"/>
+          </p:cNvSpPr>
+          <p:nvPr>
+            <p:ph type="sldNum" sz="quarter" idx="5"/>
+          </p:nvPr>
+        </p:nvSpPr>
+        <p:spPr/>
+        <p:txBody>
+          <a:bodyPr/>
+          <a:lstStyle/>
+          <a:p>
+            <a:fld id="{31EA30B6-CE17-D541-8DE4-B2D16378256D}" type="slidenum">
+              <a:rPr kumimoji="1" lang="zh-CN" altLang="en-US" smtClean="0"/>
+              <a:t>12</a:t>
+            </a:fld>
+            <a:endParaRPr kumimoji="1" lang="zh-CN" altLang="en-US"/>
+          </a:p>
+        </p:txBody>
+      </p:sp>
+    </p:spTree>
+    <p:extLst>
+      <p:ext uri="{BB962C8B-B14F-4D97-AF65-F5344CB8AC3E}">
+        <p14:creationId xmlns:p14="http://schemas.microsoft.com/office/powerpoint/2010/main" val="2760246943"/>
+      </p:ext>
+    </p:extLst>
+  </p:cSld>
+  <p:clrMapOvr>
+    <a:masterClrMapping/>
+  </p:clrMapOvr>
+</p:notes>
+</file>
+
+<file path=ppt/notesSlides/notesSlide11.xml><?xml version="1.0" encoding="utf-8"?>
+<p:notes xmlns:a="http://schemas.openxmlformats.org/drawingml/2006/main" xmlns:r="http://schemas.openxmlformats.org/officeDocument/2006/relationships" xmlns:p="http://schemas.openxmlformats.org/presentationml/2006/main">
+  <p:cSld>
+    <p:spTree>
+      <p:nvGrpSpPr>
+        <p:cNvPr id="1" name=""/>
+        <p:cNvGrpSpPr/>
+        <p:nvPr/>
+      </p:nvGrpSpPr>
+      <p:grpSpPr>
+        <a:xfrm>
+          <a:off x="0" y="0"/>
+          <a:ext cx="0" cy="0"/>
+          <a:chOff x="0" y="0"/>
+          <a:chExt cx="0" cy="0"/>
+        </a:xfrm>
+      </p:grpSpPr>
+      <p:sp>
+        <p:nvSpPr>
+          <p:cNvPr id="2" name="幻灯片图像占位符 1"/>
+          <p:cNvSpPr>
+            <a:spLocks noGrp="1" noRot="1" noChangeAspect="1"/>
+          </p:cNvSpPr>
+          <p:nvPr>
+            <p:ph type="sldImg"/>
+          </p:nvPr>
+        </p:nvSpPr>
+        <p:spPr/>
+      </p:sp>
+      <p:sp>
+        <p:nvSpPr>
+          <p:cNvPr id="3" name="备注占位符 2"/>
+          <p:cNvSpPr>
+            <a:spLocks noGrp="1"/>
+          </p:cNvSpPr>
+          <p:nvPr>
+            <p:ph type="body" idx="1"/>
+          </p:nvPr>
+        </p:nvSpPr>
+        <p:spPr/>
+        <p:txBody>
+          <a:bodyPr/>
+          <a:lstStyle/>
+          <a:p>
+            <a:r>
+              <a:rPr kumimoji="1" lang="zh-CN" altLang="en-US" dirty="0"/>
+              <a:t>当应用跑起来了以后要通过</a:t>
+            </a:r>
+            <a:r>
+              <a:rPr kumimoji="1" lang="en-US" altLang="zh-CN" dirty="0"/>
+              <a:t>service</a:t>
+            </a:r>
+            <a:r>
+              <a:rPr kumimoji="1" lang="zh-CN" altLang="en-US" dirty="0"/>
+              <a:t>去发布服务，当</a:t>
+            </a:r>
+            <a:r>
+              <a:rPr kumimoji="1" lang="en-US" altLang="zh-CN" dirty="0"/>
+              <a:t>service</a:t>
+            </a:r>
+            <a:r>
+              <a:rPr kumimoji="1" lang="zh-CN" altLang="en-US" dirty="0"/>
+              <a:t>创建完了之后会有一个</a:t>
+            </a:r>
+            <a:r>
+              <a:rPr kumimoji="1" lang="en-US" altLang="zh-CN" dirty="0" err="1"/>
+              <a:t>kube</a:t>
+            </a:r>
+            <a:r>
+              <a:rPr kumimoji="1" lang="en-US" altLang="zh-CN" dirty="0"/>
+              <a:t>-proxy</a:t>
+            </a:r>
+            <a:r>
+              <a:rPr kumimoji="1" lang="zh-CN" altLang="en-US" dirty="0"/>
+              <a:t>来</a:t>
+            </a:r>
+            <a:r>
+              <a:rPr kumimoji="1" lang="en-US" altLang="zh-CN" dirty="0"/>
+              <a:t>watch</a:t>
+            </a:r>
+            <a:r>
+              <a:rPr kumimoji="1" lang="zh-CN" altLang="en-US" dirty="0"/>
+              <a:t>这个</a:t>
+            </a:r>
+            <a:r>
+              <a:rPr kumimoji="1" lang="en-US" altLang="zh-CN" dirty="0"/>
+              <a:t>service</a:t>
+            </a:r>
+            <a:r>
+              <a:rPr kumimoji="1" lang="zh-CN" altLang="en-US" dirty="0"/>
+              <a:t>，</a:t>
+            </a:r>
+            <a:r>
+              <a:rPr kumimoji="1" lang="en-US" altLang="zh-CN" dirty="0" err="1"/>
+              <a:t>kube</a:t>
+            </a:r>
+            <a:r>
+              <a:rPr kumimoji="1" lang="en-US" altLang="zh-CN" dirty="0"/>
+              <a:t>-proxy</a:t>
+            </a:r>
+            <a:r>
+              <a:rPr kumimoji="1" lang="zh-CN" altLang="en-US" dirty="0"/>
+              <a:t>使用</a:t>
+            </a:r>
+            <a:r>
+              <a:rPr kumimoji="1" lang="en-US" altLang="zh-CN" dirty="0" err="1"/>
+              <a:t>iptable</a:t>
+            </a:r>
+            <a:r>
+              <a:rPr kumimoji="1" lang="zh-CN" altLang="en-US" dirty="0"/>
+              <a:t>等的方式来做数据包的转发</a:t>
+            </a:r>
+            <a:endParaRPr kumimoji="1" lang="en-US" altLang="zh-CN" dirty="0"/>
+          </a:p>
+          <a:p>
+            <a:endParaRPr kumimoji="1" lang="en-US" altLang="zh-CN" dirty="0"/>
+          </a:p>
+          <a:p>
+            <a:r>
+              <a:rPr lang="en-US" altLang="zh-CN" b="0" i="0" u="none" strike="noStrike" dirty="0">
+                <a:solidFill>
+                  <a:srgbClr val="B0B1AC"/>
+                </a:solidFill>
+                <a:effectLst/>
+                <a:latin typeface="Helvetica Neue" panose="02000503000000020004" pitchFamily="2" charset="0"/>
+              </a:rPr>
+              <a:t>Service </a:t>
+            </a:r>
+            <a:r>
+              <a:rPr lang="zh-CN" altLang="en-US" b="0" i="0" u="none" strike="noStrike" dirty="0">
+                <a:solidFill>
+                  <a:srgbClr val="B0B1AC"/>
+                </a:solidFill>
+                <a:effectLst/>
+                <a:latin typeface="Helvetica Neue" panose="02000503000000020004" pitchFamily="2" charset="0"/>
+              </a:rPr>
+              <a:t>通过</a:t>
+            </a:r>
+            <a:r>
+              <a:rPr lang="en-US" altLang="zh-CN" b="0" i="0" u="none" strike="noStrike" dirty="0">
+                <a:solidFill>
+                  <a:srgbClr val="B0B1AC"/>
+                </a:solidFill>
+                <a:effectLst/>
+                <a:latin typeface="Helvetica Neue" panose="02000503000000020004" pitchFamily="2" charset="0"/>
+              </a:rPr>
+              <a:t>label</a:t>
+            </a:r>
+            <a:r>
+              <a:rPr lang="zh-CN" altLang="en-US" b="0" i="0" u="none" strike="noStrike" dirty="0">
+                <a:solidFill>
+                  <a:srgbClr val="B0B1AC"/>
+                </a:solidFill>
+                <a:effectLst/>
+                <a:latin typeface="Helvetica Neue" panose="02000503000000020004" pitchFamily="2" charset="0"/>
+              </a:rPr>
+              <a:t>来选取服务后端，这些匹配标签的 </a:t>
+            </a:r>
+            <a:r>
+              <a:rPr lang="en-US" altLang="zh-CN" b="0" i="0" u="none" strike="noStrike" dirty="0">
+                <a:solidFill>
+                  <a:srgbClr val="B0B1AC"/>
+                </a:solidFill>
+                <a:effectLst/>
+                <a:latin typeface="Helvetica Neue" panose="02000503000000020004" pitchFamily="2" charset="0"/>
+              </a:rPr>
+              <a:t>Pod IP </a:t>
+            </a:r>
+            <a:r>
+              <a:rPr lang="zh-CN" altLang="en-US" b="0" i="0" u="none" strike="noStrike" dirty="0">
+                <a:solidFill>
+                  <a:srgbClr val="B0B1AC"/>
+                </a:solidFill>
+                <a:effectLst/>
+                <a:latin typeface="Helvetica Neue" panose="02000503000000020004" pitchFamily="2" charset="0"/>
+              </a:rPr>
+              <a:t>和端口列表组成 </a:t>
+            </a:r>
+            <a:r>
+              <a:rPr lang="en-US" altLang="zh-CN" b="0" i="0" u="none" strike="noStrike" dirty="0">
+                <a:solidFill>
+                  <a:srgbClr val="B0B1AC"/>
+                </a:solidFill>
+                <a:effectLst/>
+                <a:latin typeface="Helvetica Neue" panose="02000503000000020004" pitchFamily="2" charset="0"/>
+              </a:rPr>
+              <a:t>endpoints</a:t>
+            </a:r>
+            <a:r>
+              <a:rPr lang="zh-CN" altLang="en-US" b="0" i="0" u="none" strike="noStrike" dirty="0">
+                <a:solidFill>
+                  <a:srgbClr val="B0B1AC"/>
+                </a:solidFill>
+                <a:effectLst/>
+                <a:latin typeface="Helvetica Neue" panose="02000503000000020004" pitchFamily="2" charset="0"/>
+              </a:rPr>
+              <a:t>，由 </a:t>
+            </a:r>
+            <a:r>
+              <a:rPr lang="en-US" altLang="zh-CN" b="0" i="0" u="none" strike="noStrike" dirty="0" err="1">
+                <a:solidFill>
+                  <a:srgbClr val="B0B1AC"/>
+                </a:solidFill>
+                <a:effectLst/>
+                <a:latin typeface="Helvetica Neue" panose="02000503000000020004" pitchFamily="2" charset="0"/>
+              </a:rPr>
+              <a:t>kube</a:t>
+            </a:r>
+            <a:r>
+              <a:rPr lang="en-US" altLang="zh-CN" b="0" i="0" u="none" strike="noStrike" dirty="0">
+                <a:solidFill>
+                  <a:srgbClr val="B0B1AC"/>
+                </a:solidFill>
+                <a:effectLst/>
+                <a:latin typeface="Helvetica Neue" panose="02000503000000020004" pitchFamily="2" charset="0"/>
+              </a:rPr>
+              <a:t>-proxy </a:t>
+            </a:r>
+            <a:r>
+              <a:rPr lang="zh-CN" altLang="en-US" b="0" i="0" u="none" strike="noStrike" dirty="0">
+                <a:solidFill>
+                  <a:srgbClr val="B0B1AC"/>
+                </a:solidFill>
+                <a:effectLst/>
+                <a:latin typeface="Helvetica Neue" panose="02000503000000020004" pitchFamily="2" charset="0"/>
+              </a:rPr>
+              <a:t>负责将服务 </a:t>
+            </a:r>
+            <a:r>
+              <a:rPr lang="en-US" altLang="zh-CN" b="0" i="0" u="none" strike="noStrike" dirty="0">
+                <a:solidFill>
+                  <a:srgbClr val="B0B1AC"/>
+                </a:solidFill>
+                <a:effectLst/>
+                <a:latin typeface="Helvetica Neue" panose="02000503000000020004" pitchFamily="2" charset="0"/>
+              </a:rPr>
+              <a:t>IP </a:t>
+            </a:r>
+            <a:r>
+              <a:rPr lang="zh-CN" altLang="en-US" b="0" i="0" u="none" strike="noStrike" dirty="0">
+                <a:solidFill>
+                  <a:srgbClr val="B0B1AC"/>
+                </a:solidFill>
+                <a:effectLst/>
+                <a:latin typeface="Helvetica Neue" panose="02000503000000020004" pitchFamily="2" charset="0"/>
+              </a:rPr>
+              <a:t>负载均衡到这些 </a:t>
+            </a:r>
+            <a:r>
+              <a:rPr lang="en-US" altLang="zh-CN" b="0" i="0" u="none" strike="noStrike" dirty="0">
+                <a:solidFill>
+                  <a:srgbClr val="B0B1AC"/>
+                </a:solidFill>
+                <a:effectLst/>
+                <a:latin typeface="Helvetica Neue" panose="02000503000000020004" pitchFamily="2" charset="0"/>
+              </a:rPr>
+              <a:t>endpoints </a:t>
+            </a:r>
+            <a:r>
+              <a:rPr lang="zh-CN" altLang="en-US" b="0" i="0" u="none" strike="noStrike" dirty="0">
+                <a:solidFill>
+                  <a:srgbClr val="B0B1AC"/>
+                </a:solidFill>
+                <a:effectLst/>
+                <a:latin typeface="Helvetica Neue" panose="02000503000000020004" pitchFamily="2" charset="0"/>
+              </a:rPr>
+              <a:t>上。</a:t>
+            </a:r>
+            <a:endParaRPr lang="en-US" altLang="zh-CN" b="0" i="0" u="none" strike="noStrike" dirty="0">
+              <a:solidFill>
+                <a:srgbClr val="B0B1AC"/>
+              </a:solidFill>
+              <a:effectLst/>
+              <a:latin typeface="Helvetica Neue" panose="02000503000000020004" pitchFamily="2" charset="0"/>
+            </a:endParaRPr>
+          </a:p>
+          <a:p>
+            <a:r>
+              <a:rPr kumimoji="1" lang="en-US" altLang="zh-CN" b="0" i="0" u="none" strike="noStrike" dirty="0">
+                <a:solidFill>
+                  <a:srgbClr val="B0B1AC"/>
+                </a:solidFill>
+                <a:effectLst/>
+                <a:latin typeface="Helvetica Neue" panose="02000503000000020004" pitchFamily="2" charset="0"/>
+              </a:rPr>
+              <a:t>endpoints</a:t>
+            </a:r>
+            <a:r>
+              <a:rPr lang="zh-CN" altLang="en-US" b="0" i="0" u="none" strike="noStrike" dirty="0">
+                <a:solidFill>
+                  <a:srgbClr val="B0B1AC"/>
+                </a:solidFill>
+                <a:effectLst/>
+                <a:latin typeface="Helvetica Neue" panose="02000503000000020004" pitchFamily="2" charset="0"/>
+              </a:rPr>
+              <a:t>是一组实际服务的端点集合。一个 </a:t>
+            </a:r>
+            <a:r>
+              <a:rPr lang="en-US" altLang="zh-CN" b="0" i="0" u="none" strike="noStrike" dirty="0">
+                <a:solidFill>
+                  <a:srgbClr val="B0B1AC"/>
+                </a:solidFill>
+                <a:effectLst/>
+                <a:latin typeface="Helvetica Neue" panose="02000503000000020004" pitchFamily="2" charset="0"/>
+              </a:rPr>
+              <a:t>Endpoint </a:t>
+            </a:r>
+            <a:r>
+              <a:rPr lang="zh-CN" altLang="en-US" b="0" i="0" u="none" strike="noStrike" dirty="0">
+                <a:solidFill>
+                  <a:srgbClr val="B0B1AC"/>
+                </a:solidFill>
+                <a:effectLst/>
+                <a:latin typeface="Helvetica Neue" panose="02000503000000020004" pitchFamily="2" charset="0"/>
+              </a:rPr>
+              <a:t>是一个可被访问的服务端点，即一个状态为 </a:t>
+            </a:r>
+            <a:r>
+              <a:rPr lang="en-US" altLang="zh-CN" b="0" i="0" u="none" strike="noStrike" dirty="0">
+                <a:solidFill>
+                  <a:srgbClr val="B0B1AC"/>
+                </a:solidFill>
+                <a:effectLst/>
+                <a:latin typeface="Helvetica Neue" panose="02000503000000020004" pitchFamily="2" charset="0"/>
+              </a:rPr>
+              <a:t>running </a:t>
+            </a:r>
+            <a:r>
+              <a:rPr lang="zh-CN" altLang="en-US" b="0" i="0" u="none" strike="noStrike" dirty="0">
+                <a:solidFill>
+                  <a:srgbClr val="B0B1AC"/>
+                </a:solidFill>
+                <a:effectLst/>
+                <a:latin typeface="Helvetica Neue" panose="02000503000000020004" pitchFamily="2" charset="0"/>
+              </a:rPr>
+              <a:t>的 </a:t>
+            </a:r>
+            <a:r>
+              <a:rPr lang="en-US" altLang="zh-CN" b="0" i="0" u="none" strike="noStrike" dirty="0">
+                <a:solidFill>
+                  <a:srgbClr val="B0B1AC"/>
+                </a:solidFill>
+                <a:effectLst/>
+                <a:latin typeface="Helvetica Neue" panose="02000503000000020004" pitchFamily="2" charset="0"/>
+              </a:rPr>
+              <a:t>pod </a:t>
+            </a:r>
+            <a:r>
+              <a:rPr lang="zh-CN" altLang="en-US" b="0" i="0" u="none" strike="noStrike" dirty="0">
+                <a:solidFill>
+                  <a:srgbClr val="B0B1AC"/>
+                </a:solidFill>
+                <a:effectLst/>
+                <a:latin typeface="Helvetica Neue" panose="02000503000000020004" pitchFamily="2" charset="0"/>
+              </a:rPr>
+              <a:t>的可访问端点。一般 </a:t>
+            </a:r>
+            <a:r>
+              <a:rPr lang="en-US" altLang="zh-CN" b="0" i="0" u="none" strike="noStrike" dirty="0">
+                <a:solidFill>
+                  <a:srgbClr val="B0B1AC"/>
+                </a:solidFill>
+                <a:effectLst/>
+                <a:latin typeface="Helvetica Neue" panose="02000503000000020004" pitchFamily="2" charset="0"/>
+              </a:rPr>
+              <a:t>Pod </a:t>
+            </a:r>
+            <a:r>
+              <a:rPr lang="zh-CN" altLang="en-US" b="0" i="0" u="none" strike="noStrike" dirty="0">
+                <a:solidFill>
+                  <a:srgbClr val="B0B1AC"/>
+                </a:solidFill>
+                <a:effectLst/>
+                <a:latin typeface="Helvetica Neue" panose="02000503000000020004" pitchFamily="2" charset="0"/>
+              </a:rPr>
+              <a:t>都不是一个独立存在，所以一组 </a:t>
+            </a:r>
+            <a:r>
+              <a:rPr lang="en-US" altLang="zh-CN" b="0" i="0" u="none" strike="noStrike" dirty="0">
+                <a:solidFill>
+                  <a:srgbClr val="B0B1AC"/>
+                </a:solidFill>
+                <a:effectLst/>
+                <a:latin typeface="Helvetica Neue" panose="02000503000000020004" pitchFamily="2" charset="0"/>
+              </a:rPr>
+              <a:t>Pod </a:t>
+            </a:r>
+            <a:r>
+              <a:rPr lang="zh-CN" altLang="en-US" b="0" i="0" u="none" strike="noStrike" dirty="0">
+                <a:solidFill>
+                  <a:srgbClr val="B0B1AC"/>
+                </a:solidFill>
+                <a:effectLst/>
+                <a:latin typeface="Helvetica Neue" panose="02000503000000020004" pitchFamily="2" charset="0"/>
+              </a:rPr>
+              <a:t>的端点合在一起称为 </a:t>
+            </a:r>
+            <a:r>
+              <a:rPr lang="en-US" altLang="zh-CN" b="0" i="0" u="none" strike="noStrike" dirty="0" err="1">
+                <a:solidFill>
+                  <a:srgbClr val="B0B1AC"/>
+                </a:solidFill>
+                <a:effectLst/>
+                <a:latin typeface="Helvetica Neue" panose="02000503000000020004" pitchFamily="2" charset="0"/>
+              </a:rPr>
+              <a:t>EndPoints</a:t>
+            </a:r>
+            <a:r>
+              <a:rPr lang="zh-CN" altLang="en-US" b="0" i="0" u="none" strike="noStrike" dirty="0">
+                <a:solidFill>
+                  <a:srgbClr val="B0B1AC"/>
+                </a:solidFill>
+                <a:effectLst/>
+                <a:latin typeface="Helvetica Neue" panose="02000503000000020004" pitchFamily="2" charset="0"/>
+              </a:rPr>
+              <a:t>。只有被 </a:t>
+            </a:r>
+            <a:r>
+              <a:rPr lang="en-US" altLang="zh-CN" b="0" i="0" u="none" strike="noStrike" dirty="0">
+                <a:solidFill>
+                  <a:srgbClr val="B0B1AC"/>
+                </a:solidFill>
+                <a:effectLst/>
+                <a:latin typeface="Helvetica Neue" panose="02000503000000020004" pitchFamily="2" charset="0"/>
+              </a:rPr>
+              <a:t>Service Selector </a:t>
+            </a:r>
+            <a:r>
+              <a:rPr lang="zh-CN" altLang="en-US" b="0" i="0" u="none" strike="noStrike" dirty="0">
+                <a:solidFill>
+                  <a:srgbClr val="B0B1AC"/>
+                </a:solidFill>
+                <a:effectLst/>
+                <a:latin typeface="Helvetica Neue" panose="02000503000000020004" pitchFamily="2" charset="0"/>
+              </a:rPr>
+              <a:t>匹配选中并且状态为 </a:t>
+            </a:r>
+            <a:r>
+              <a:rPr lang="en-US" altLang="zh-CN" b="0" i="0" u="none" strike="noStrike" dirty="0">
+                <a:solidFill>
+                  <a:srgbClr val="B0B1AC"/>
+                </a:solidFill>
+                <a:effectLst/>
+                <a:latin typeface="Helvetica Neue" panose="02000503000000020004" pitchFamily="2" charset="0"/>
+              </a:rPr>
+              <a:t>Running </a:t>
+            </a:r>
+            <a:r>
+              <a:rPr lang="zh-CN" altLang="en-US" b="0" i="0" u="none" strike="noStrike" dirty="0">
+                <a:solidFill>
+                  <a:srgbClr val="B0B1AC"/>
+                </a:solidFill>
+                <a:effectLst/>
+                <a:latin typeface="Helvetica Neue" panose="02000503000000020004" pitchFamily="2" charset="0"/>
+              </a:rPr>
+              <a:t>的才会被加入到和 </a:t>
+            </a:r>
+            <a:r>
+              <a:rPr lang="en-US" altLang="zh-CN" b="0" i="0" u="none" strike="noStrike" dirty="0">
+                <a:solidFill>
+                  <a:srgbClr val="B0B1AC"/>
+                </a:solidFill>
+                <a:effectLst/>
+                <a:latin typeface="Helvetica Neue" panose="02000503000000020004" pitchFamily="2" charset="0"/>
+              </a:rPr>
+              <a:t>Service </a:t>
+            </a:r>
+            <a:r>
+              <a:rPr lang="zh-CN" altLang="en-US" b="0" i="0" u="none" strike="noStrike" dirty="0">
+                <a:solidFill>
+                  <a:srgbClr val="B0B1AC"/>
+                </a:solidFill>
+                <a:effectLst/>
+                <a:latin typeface="Helvetica Neue" panose="02000503000000020004" pitchFamily="2" charset="0"/>
+              </a:rPr>
+              <a:t>同名的 </a:t>
+            </a:r>
+            <a:r>
+              <a:rPr lang="en-US" altLang="zh-CN" b="0" i="0" u="none" strike="noStrike" dirty="0">
+                <a:solidFill>
+                  <a:srgbClr val="B0B1AC"/>
+                </a:solidFill>
+                <a:effectLst/>
+                <a:latin typeface="Helvetica Neue" panose="02000503000000020004" pitchFamily="2" charset="0"/>
+              </a:rPr>
+              <a:t>Endpoints </a:t>
+            </a:r>
+            <a:r>
+              <a:rPr lang="zh-CN" altLang="en-US" b="0" i="0" u="none" strike="noStrike" dirty="0">
+                <a:solidFill>
+                  <a:srgbClr val="B0B1AC"/>
+                </a:solidFill>
+                <a:effectLst/>
+                <a:latin typeface="Helvetica Neue" panose="02000503000000020004" pitchFamily="2" charset="0"/>
+              </a:rPr>
+              <a:t>中。</a:t>
+            </a:r>
+            <a:endParaRPr lang="en-US" altLang="zh-CN" b="0" i="0" u="none" strike="noStrike" dirty="0">
+              <a:solidFill>
+                <a:srgbClr val="B0B1AC"/>
+              </a:solidFill>
+              <a:effectLst/>
+              <a:latin typeface="Helvetica Neue" panose="02000503000000020004" pitchFamily="2" charset="0"/>
+            </a:endParaRPr>
+          </a:p>
+          <a:p>
+            <a:endParaRPr kumimoji="1" lang="en-US" altLang="zh-CN" b="0" i="0" u="none" strike="noStrike" dirty="0">
+              <a:solidFill>
+                <a:srgbClr val="B0B1AC"/>
+              </a:solidFill>
+              <a:effectLst/>
+              <a:latin typeface="Helvetica Neue" panose="02000503000000020004" pitchFamily="2" charset="0"/>
+            </a:endParaRPr>
+          </a:p>
+          <a:p>
+            <a:r>
+              <a:rPr kumimoji="1" lang="en-US" altLang="zh-CN" b="0" i="0" u="none" strike="noStrike" dirty="0">
+                <a:solidFill>
+                  <a:srgbClr val="B0B1AC"/>
+                </a:solidFill>
+                <a:effectLst/>
+                <a:latin typeface="Helvetica Neue" panose="02000503000000020004" pitchFamily="2" charset="0"/>
+              </a:rPr>
+              <a:t>Label</a:t>
+            </a:r>
+            <a:r>
+              <a:rPr kumimoji="1" lang="zh-CN" altLang="en-US" b="0" i="0" u="none" strike="noStrike" dirty="0">
+                <a:solidFill>
+                  <a:srgbClr val="B0B1AC"/>
+                </a:solidFill>
+                <a:effectLst/>
+                <a:latin typeface="Helvetica Neue" panose="02000503000000020004" pitchFamily="2" charset="0"/>
+              </a:rPr>
+              <a:t> 主要是用来做过滤查询</a:t>
+            </a:r>
+            <a:endParaRPr kumimoji="1" lang="zh-CN" altLang="en-US" dirty="0"/>
+          </a:p>
+        </p:txBody>
+      </p:sp>
+      <p:sp>
+        <p:nvSpPr>
+          <p:cNvPr id="4" name="灯片编号占位符 3"/>
+          <p:cNvSpPr>
+            <a:spLocks noGrp="1"/>
+          </p:cNvSpPr>
+          <p:nvPr>
+            <p:ph type="sldNum" sz="quarter" idx="5"/>
+          </p:nvPr>
+        </p:nvSpPr>
+        <p:spPr/>
+        <p:txBody>
+          <a:bodyPr/>
+          <a:lstStyle/>
+          <a:p>
+            <a:fld id="{31EA30B6-CE17-D541-8DE4-B2D16378256D}" type="slidenum">
+              <a:rPr kumimoji="1" lang="zh-CN" altLang="en-US" smtClean="0"/>
+              <a:t>13</a:t>
+            </a:fld>
+            <a:endParaRPr kumimoji="1" lang="zh-CN" altLang="en-US"/>
+          </a:p>
+        </p:txBody>
+      </p:sp>
+    </p:spTree>
+    <p:extLst>
+      <p:ext uri="{BB962C8B-B14F-4D97-AF65-F5344CB8AC3E}">
+        <p14:creationId xmlns:p14="http://schemas.microsoft.com/office/powerpoint/2010/main" val="3689971762"/>
+      </p:ext>
+    </p:extLst>
+  </p:cSld>
+  <p:clrMapOvr>
+    <a:masterClrMapping/>
+  </p:clrMapOvr>
+</p:notes>
+</file>
+
+<file path=ppt/notesSlides/notesSlide12.xml><?xml version="1.0" encoding="utf-8"?>
+<p:notes xmlns:a="http://schemas.openxmlformats.org/drawingml/2006/main" xmlns:r="http://schemas.openxmlformats.org/officeDocument/2006/relationships" xmlns:p="http://schemas.openxmlformats.org/presentationml/2006/main">
+  <p:cSld>
+    <p:spTree>
+      <p:nvGrpSpPr>
+        <p:cNvPr id="1" name=""/>
+        <p:cNvGrpSpPr/>
+        <p:nvPr/>
+      </p:nvGrpSpPr>
+      <p:grpSpPr>
+        <a:xfrm>
+          <a:off x="0" y="0"/>
+          <a:ext cx="0" cy="0"/>
+          <a:chOff x="0" y="0"/>
+          <a:chExt cx="0" cy="0"/>
+        </a:xfrm>
+      </p:grpSpPr>
+      <p:sp>
+        <p:nvSpPr>
+          <p:cNvPr id="2" name="幻灯片图像占位符 1"/>
+          <p:cNvSpPr>
+            <a:spLocks noGrp="1" noRot="1" noChangeAspect="1"/>
+          </p:cNvSpPr>
+          <p:nvPr>
+            <p:ph type="sldImg"/>
+          </p:nvPr>
+        </p:nvSpPr>
+        <p:spPr/>
+      </p:sp>
+      <p:sp>
+        <p:nvSpPr>
+          <p:cNvPr id="3" name="备注占位符 2"/>
+          <p:cNvSpPr>
+            <a:spLocks noGrp="1"/>
+          </p:cNvSpPr>
+          <p:nvPr>
+            <p:ph type="body" idx="1"/>
+          </p:nvPr>
+        </p:nvSpPr>
+        <p:spPr/>
+        <p:txBody>
+          <a:bodyPr/>
+          <a:lstStyle/>
+          <a:p>
+            <a:r>
+              <a:rPr kumimoji="1" lang="zh-CN" altLang="en-US" dirty="0"/>
+              <a:t>就是对对象的一种逻辑分组</a:t>
+            </a:r>
+          </a:p>
+        </p:txBody>
+      </p:sp>
+      <p:sp>
+        <p:nvSpPr>
+          <p:cNvPr id="4" name="灯片编号占位符 3"/>
+          <p:cNvSpPr>
+            <a:spLocks noGrp="1"/>
+          </p:cNvSpPr>
+          <p:nvPr>
+            <p:ph type="sldNum" sz="quarter" idx="5"/>
+          </p:nvPr>
+        </p:nvSpPr>
+        <p:spPr/>
+        <p:txBody>
+          <a:bodyPr/>
+          <a:lstStyle/>
+          <a:p>
+            <a:fld id="{31EA30B6-CE17-D541-8DE4-B2D16378256D}" type="slidenum">
+              <a:rPr kumimoji="1" lang="zh-CN" altLang="en-US" smtClean="0"/>
+              <a:t>14</a:t>
+            </a:fld>
+            <a:endParaRPr kumimoji="1" lang="zh-CN" altLang="en-US"/>
+          </a:p>
+        </p:txBody>
+      </p:sp>
+    </p:spTree>
+    <p:extLst>
+      <p:ext uri="{BB962C8B-B14F-4D97-AF65-F5344CB8AC3E}">
+        <p14:creationId xmlns:p14="http://schemas.microsoft.com/office/powerpoint/2010/main" val="34581364"/>
+      </p:ext>
+    </p:extLst>
+  </p:cSld>
+  <p:clrMapOvr>
+    <a:masterClrMapping/>
+  </p:clrMapOvr>
+</p:notes>
+</file>
+
+<file path=ppt/notesSlides/notesSlide13.xml><?xml version="1.0" encoding="utf-8"?>
+<p:notes xmlns:a="http://schemas.openxmlformats.org/drawingml/2006/main" xmlns:r="http://schemas.openxmlformats.org/officeDocument/2006/relationships" xmlns:p="http://schemas.openxmlformats.org/presentationml/2006/main">
+  <p:cSld>
+    <p:spTree>
+      <p:nvGrpSpPr>
+        <p:cNvPr id="1" name=""/>
+        <p:cNvGrpSpPr/>
+        <p:nvPr/>
+      </p:nvGrpSpPr>
+      <p:grpSpPr>
+        <a:xfrm>
+          <a:off x="0" y="0"/>
+          <a:ext cx="0" cy="0"/>
+          <a:chOff x="0" y="0"/>
+          <a:chExt cx="0" cy="0"/>
+        </a:xfrm>
+      </p:grpSpPr>
+      <p:sp>
+        <p:nvSpPr>
+          <p:cNvPr id="2" name="幻灯片图像占位符 1"/>
+          <p:cNvSpPr>
+            <a:spLocks noGrp="1" noRot="1" noChangeAspect="1"/>
+          </p:cNvSpPr>
+          <p:nvPr>
+            <p:ph type="sldImg"/>
+          </p:nvPr>
+        </p:nvSpPr>
+        <p:spPr/>
+      </p:sp>
+      <p:sp>
+        <p:nvSpPr>
+          <p:cNvPr id="3" name="备注占位符 2"/>
+          <p:cNvSpPr>
+            <a:spLocks noGrp="1"/>
+          </p:cNvSpPr>
+          <p:nvPr>
+            <p:ph type="body" idx="1"/>
+          </p:nvPr>
+        </p:nvSpPr>
+        <p:spPr/>
+        <p:txBody>
+          <a:bodyPr/>
+          <a:lstStyle/>
+          <a:p>
+            <a:r>
+              <a:rPr kumimoji="1" lang="en-US" altLang="zh-CN" dirty="0"/>
+              <a:t>Lister</a:t>
+            </a:r>
+            <a:r>
+              <a:rPr kumimoji="1" lang="zh-CN" altLang="en-US" dirty="0"/>
+              <a:t> 遍历对象</a:t>
+            </a:r>
+            <a:endParaRPr kumimoji="1" lang="en-US" altLang="zh-CN" dirty="0"/>
+          </a:p>
+          <a:p>
+            <a:r>
+              <a:rPr kumimoji="1" lang="en-US" altLang="zh-CN" dirty="0"/>
+              <a:t>Informer</a:t>
+            </a:r>
+            <a:r>
+              <a:rPr kumimoji="1" lang="zh-CN" altLang="en-US" dirty="0"/>
+              <a:t> 可以  </a:t>
+            </a:r>
+            <a:r>
+              <a:rPr kumimoji="1" lang="en-US" altLang="zh-CN" dirty="0"/>
+              <a:t>watch</a:t>
+            </a:r>
+            <a:r>
+              <a:rPr kumimoji="1" lang="zh-CN" altLang="en-US" dirty="0"/>
+              <a:t>对象 监控对象事件 当</a:t>
+            </a:r>
+            <a:r>
+              <a:rPr kumimoji="1" lang="en-US" altLang="zh-CN" dirty="0"/>
+              <a:t>watch</a:t>
+            </a:r>
+            <a:r>
+              <a:rPr kumimoji="1" lang="zh-CN" altLang="en-US" dirty="0"/>
+              <a:t>到事件的时候会将对象放入队列里面去，然后</a:t>
+            </a:r>
+            <a:r>
+              <a:rPr kumimoji="1" lang="en-US" altLang="zh-CN" dirty="0"/>
+              <a:t>worker</a:t>
+            </a:r>
+            <a:r>
+              <a:rPr kumimoji="1" lang="zh-CN" altLang="en-US" dirty="0"/>
+              <a:t>会去队列里面去获取到对象并进行处理</a:t>
+            </a:r>
+            <a:endParaRPr kumimoji="1" lang="en-US" altLang="zh-CN" dirty="0"/>
+          </a:p>
+          <a:p>
+            <a:r>
+              <a:rPr kumimoji="1" lang="zh-CN" altLang="en-US" dirty="0"/>
+              <a:t>这是一个生产者 消费者模型</a:t>
+            </a:r>
+            <a:endParaRPr kumimoji="1" lang="en-US" altLang="zh-CN" dirty="0"/>
+          </a:p>
+        </p:txBody>
+      </p:sp>
+      <p:sp>
+        <p:nvSpPr>
+          <p:cNvPr id="4" name="灯片编号占位符 3"/>
+          <p:cNvSpPr>
+            <a:spLocks noGrp="1"/>
+          </p:cNvSpPr>
+          <p:nvPr>
+            <p:ph type="sldNum" sz="quarter" idx="5"/>
+          </p:nvPr>
+        </p:nvSpPr>
+        <p:spPr/>
+        <p:txBody>
+          <a:bodyPr/>
+          <a:lstStyle/>
+          <a:p>
+            <a:fld id="{31EA30B6-CE17-D541-8DE4-B2D16378256D}" type="slidenum">
+              <a:rPr kumimoji="1" lang="zh-CN" altLang="en-US" smtClean="0"/>
+              <a:t>15</a:t>
+            </a:fld>
+            <a:endParaRPr kumimoji="1" lang="zh-CN" altLang="en-US"/>
+          </a:p>
+        </p:txBody>
+      </p:sp>
+    </p:spTree>
+    <p:extLst>
+      <p:ext uri="{BB962C8B-B14F-4D97-AF65-F5344CB8AC3E}">
+        <p14:creationId xmlns:p14="http://schemas.microsoft.com/office/powerpoint/2010/main" val="1629065599"/>
+      </p:ext>
+    </p:extLst>
+  </p:cSld>
+  <p:clrMapOvr>
+    <a:masterClrMapping/>
+  </p:clrMapOvr>
+</p:notes>
+</file>
+
+<file path=ppt/notesSlides/notesSlide14.xml><?xml version="1.0" encoding="utf-8"?>
+<p:notes xmlns:a="http://schemas.openxmlformats.org/drawingml/2006/main" xmlns:r="http://schemas.openxmlformats.org/officeDocument/2006/relationships" xmlns:p="http://schemas.openxmlformats.org/presentationml/2006/main">
+  <p:cSld>
+    <p:spTree>
+      <p:nvGrpSpPr>
+        <p:cNvPr id="1" name=""/>
+        <p:cNvGrpSpPr/>
+        <p:nvPr/>
+      </p:nvGrpSpPr>
+      <p:grpSpPr>
+        <a:xfrm>
+          <a:off x="0" y="0"/>
+          <a:ext cx="0" cy="0"/>
+          <a:chOff x="0" y="0"/>
+          <a:chExt cx="0" cy="0"/>
+        </a:xfrm>
+      </p:grpSpPr>
+      <p:sp>
+        <p:nvSpPr>
+          <p:cNvPr id="2" name="幻灯片图像占位符 1"/>
+          <p:cNvSpPr>
+            <a:spLocks noGrp="1" noRot="1" noChangeAspect="1"/>
+          </p:cNvSpPr>
+          <p:nvPr>
+            <p:ph type="sldImg"/>
+          </p:nvPr>
+        </p:nvSpPr>
+        <p:spPr/>
+      </p:sp>
+      <p:sp>
+        <p:nvSpPr>
+          <p:cNvPr id="3" name="备注占位符 2"/>
+          <p:cNvSpPr>
+            <a:spLocks noGrp="1"/>
+          </p:cNvSpPr>
+          <p:nvPr>
+            <p:ph type="body" idx="1"/>
+          </p:nvPr>
+        </p:nvSpPr>
+        <p:spPr/>
+        <p:txBody>
+          <a:bodyPr/>
+          <a:lstStyle/>
+          <a:p>
+            <a:r>
+              <a:rPr kumimoji="1" lang="zh-CN" altLang="en-US" dirty="0"/>
+              <a:t>流程：</a:t>
+            </a:r>
+            <a:endParaRPr kumimoji="1" lang="en-US" altLang="zh-CN" dirty="0"/>
+          </a:p>
+          <a:p>
+            <a:r>
+              <a:rPr kumimoji="1" lang="zh-CN" altLang="en-US" dirty="0"/>
+              <a:t>假设一个用户创建了一个</a:t>
+            </a:r>
+            <a:r>
+              <a:rPr kumimoji="1" lang="en-US" altLang="zh-CN" dirty="0"/>
+              <a:t>deployment</a:t>
+            </a:r>
+            <a:r>
+              <a:rPr kumimoji="1" lang="zh-CN" altLang="en-US" dirty="0"/>
+              <a:t>，首先</a:t>
+            </a:r>
+            <a:r>
+              <a:rPr kumimoji="1" lang="en-US" altLang="zh-CN" dirty="0"/>
+              <a:t>Deployment</a:t>
+            </a:r>
+            <a:r>
+              <a:rPr kumimoji="1" lang="zh-CN" altLang="en-US" dirty="0"/>
+              <a:t> </a:t>
+            </a:r>
+            <a:r>
+              <a:rPr kumimoji="1" lang="en-US" altLang="zh-CN" dirty="0"/>
+              <a:t>Controller</a:t>
+            </a:r>
+            <a:r>
+              <a:rPr kumimoji="1" lang="zh-CN" altLang="en-US" dirty="0"/>
+              <a:t>会监听到有一个</a:t>
+            </a:r>
+            <a:r>
+              <a:rPr kumimoji="1" lang="en-US" altLang="zh-CN" dirty="0"/>
+              <a:t>deployment</a:t>
+            </a:r>
+            <a:r>
+              <a:rPr kumimoji="1" lang="zh-CN" altLang="en-US" dirty="0"/>
+              <a:t>的创建，（然后就会把他加入到队列，然后</a:t>
+            </a:r>
+            <a:r>
+              <a:rPr kumimoji="1" lang="en-US" altLang="zh-CN" dirty="0"/>
+              <a:t>worker</a:t>
+            </a:r>
+            <a:r>
+              <a:rPr kumimoji="1" lang="zh-CN" altLang="en-US" dirty="0"/>
+              <a:t>就会把这个对象取出来，发现这个是一个无状态应用的部署，因此会创建一个</a:t>
+            </a:r>
+            <a:r>
+              <a:rPr kumimoji="1" lang="en-US" altLang="zh-CN" dirty="0" err="1"/>
+              <a:t>ReplicaSet</a:t>
+            </a:r>
+            <a:r>
+              <a:rPr kumimoji="1" lang="zh-CN" altLang="en-US" dirty="0"/>
+              <a:t>）</a:t>
+            </a:r>
+            <a:endParaRPr kumimoji="1" lang="en-US" altLang="zh-CN" dirty="0"/>
+          </a:p>
+          <a:p>
+            <a:r>
+              <a:rPr kumimoji="1" lang="zh-CN" altLang="en-US" dirty="0"/>
+              <a:t>创建完之后 </a:t>
+            </a:r>
+            <a:r>
+              <a:rPr kumimoji="1" lang="en-US" altLang="zh-CN" dirty="0" err="1"/>
+              <a:t>ReplicaSet</a:t>
+            </a:r>
+            <a:r>
+              <a:rPr kumimoji="1" lang="zh-CN" altLang="en-US" dirty="0"/>
+              <a:t> </a:t>
+            </a:r>
+            <a:r>
+              <a:rPr kumimoji="1" lang="en-US" altLang="zh-CN" dirty="0"/>
+              <a:t>Controller</a:t>
+            </a:r>
+            <a:r>
+              <a:rPr kumimoji="1" lang="zh-CN" altLang="en-US" dirty="0"/>
+              <a:t>会监听到</a:t>
+            </a:r>
+            <a:r>
+              <a:rPr kumimoji="1" lang="en-US" altLang="zh-CN" dirty="0" err="1"/>
+              <a:t>ReplicaSet</a:t>
+            </a:r>
+            <a:r>
+              <a:rPr kumimoji="1" lang="zh-CN" altLang="en-US" dirty="0"/>
+              <a:t>的创建，然后按照副本集的配置创建</a:t>
+            </a:r>
+            <a:r>
+              <a:rPr kumimoji="1" lang="en-US" altLang="zh-CN" dirty="0"/>
+              <a:t>pod</a:t>
+            </a:r>
+          </a:p>
+          <a:p>
+            <a:r>
+              <a:rPr kumimoji="1" lang="en-US" altLang="zh-CN" dirty="0"/>
+              <a:t>pod</a:t>
+            </a:r>
+            <a:r>
+              <a:rPr kumimoji="1" lang="zh-CN" altLang="en-US" dirty="0"/>
+              <a:t>创建完之后。调度器就会监听到</a:t>
+            </a:r>
+            <a:r>
+              <a:rPr kumimoji="1" lang="en-US" altLang="zh-CN" dirty="0"/>
+              <a:t>Pod</a:t>
+            </a:r>
+            <a:r>
+              <a:rPr kumimoji="1" lang="zh-CN" altLang="en-US" dirty="0"/>
+              <a:t>的创建。然后就会开始</a:t>
+            </a:r>
+            <a:r>
+              <a:rPr kumimoji="1" lang="en-US" altLang="zh-CN" dirty="0"/>
+              <a:t>pod</a:t>
+            </a:r>
+            <a:r>
+              <a:rPr kumimoji="1" lang="zh-CN" altLang="en-US" dirty="0"/>
+              <a:t>的调度工作，去所有的</a:t>
+            </a:r>
+            <a:r>
+              <a:rPr kumimoji="1" lang="en-US" altLang="zh-CN" dirty="0"/>
+              <a:t>node</a:t>
+            </a:r>
+            <a:r>
+              <a:rPr kumimoji="1" lang="zh-CN" altLang="en-US" dirty="0"/>
+              <a:t>里面去选择最佳的</a:t>
+            </a:r>
+            <a:r>
+              <a:rPr kumimoji="1" lang="en-US" altLang="zh-CN" dirty="0"/>
+              <a:t>node</a:t>
+            </a:r>
+            <a:r>
+              <a:rPr kumimoji="1" lang="zh-CN" altLang="en-US" dirty="0"/>
+              <a:t>，然后去做</a:t>
+            </a:r>
+            <a:r>
+              <a:rPr kumimoji="1" lang="en-US" altLang="zh-CN" dirty="0"/>
+              <a:t>node</a:t>
+            </a:r>
+            <a:r>
+              <a:rPr kumimoji="1" lang="zh-CN" altLang="en-US" dirty="0"/>
+              <a:t>的绑定。</a:t>
+            </a:r>
+            <a:endParaRPr kumimoji="1" lang="en-US" altLang="zh-CN" dirty="0"/>
+          </a:p>
+          <a:p>
+            <a:r>
+              <a:rPr kumimoji="1" lang="zh-CN" altLang="en-US" dirty="0"/>
+              <a:t>在</a:t>
+            </a:r>
+            <a:r>
+              <a:rPr kumimoji="1" lang="en-US" altLang="zh-CN" dirty="0"/>
+              <a:t>node</a:t>
+            </a:r>
+            <a:r>
+              <a:rPr kumimoji="1" lang="zh-CN" altLang="en-US" dirty="0"/>
+              <a:t>里面的</a:t>
+            </a:r>
+            <a:r>
+              <a:rPr kumimoji="1" lang="en-US" altLang="zh-CN" dirty="0" err="1"/>
+              <a:t>kubelet</a:t>
+            </a:r>
+            <a:r>
+              <a:rPr kumimoji="1" lang="zh-CN" altLang="en-US" dirty="0"/>
+              <a:t>，监听</a:t>
+            </a:r>
+            <a:r>
+              <a:rPr kumimoji="1" lang="en-US" altLang="zh-CN" dirty="0" err="1"/>
+              <a:t>apiserver</a:t>
+            </a:r>
+            <a:r>
+              <a:rPr kumimoji="1" lang="zh-CN" altLang="en-US" dirty="0"/>
+              <a:t>，监听到了</a:t>
+            </a:r>
+            <a:r>
+              <a:rPr kumimoji="1" lang="en-US" altLang="zh-CN" dirty="0"/>
+              <a:t>pod</a:t>
+            </a:r>
+            <a:r>
+              <a:rPr kumimoji="1" lang="zh-CN" altLang="en-US" dirty="0"/>
+              <a:t>的绑定，然后</a:t>
+            </a:r>
+            <a:r>
+              <a:rPr kumimoji="1" lang="en-US" altLang="zh-CN" dirty="0" err="1"/>
+              <a:t>kubelet</a:t>
+            </a:r>
+            <a:r>
+              <a:rPr kumimoji="1" lang="zh-CN" altLang="en-US" dirty="0"/>
+              <a:t>在当前</a:t>
+            </a:r>
+            <a:r>
+              <a:rPr kumimoji="1" lang="en-US" altLang="zh-CN" dirty="0"/>
+              <a:t>node</a:t>
+            </a:r>
+            <a:r>
+              <a:rPr kumimoji="1" lang="zh-CN" altLang="en-US" dirty="0"/>
+              <a:t>上扫描自己已经在运行的容器，看自己有没有运行这个绑定，如果没有运行，就把这个</a:t>
+            </a:r>
+            <a:r>
+              <a:rPr kumimoji="1" lang="en-US" altLang="zh-CN" dirty="0"/>
+              <a:t>pod</a:t>
+            </a:r>
+            <a:r>
+              <a:rPr kumimoji="1" lang="zh-CN" altLang="en-US" dirty="0"/>
+              <a:t>运行起来。</a:t>
+            </a:r>
+            <a:endParaRPr kumimoji="1" lang="en-US" altLang="zh-CN" dirty="0"/>
+          </a:p>
+          <a:p>
+            <a:endParaRPr kumimoji="1" lang="en-US" altLang="zh-CN" dirty="0"/>
+          </a:p>
+          <a:p>
+            <a:r>
+              <a:rPr kumimoji="1" lang="zh-CN" altLang="en-US" dirty="0"/>
+              <a:t>运行的时候通过三个接口去运行：</a:t>
+            </a:r>
+            <a:endParaRPr kumimoji="1" lang="en-US" altLang="zh-CN" dirty="0"/>
+          </a:p>
+          <a:p>
+            <a:r>
+              <a:rPr kumimoji="1" lang="en-US" altLang="zh-CN" dirty="0"/>
+              <a:t>	CRI</a:t>
+            </a:r>
+            <a:r>
+              <a:rPr kumimoji="1" lang="zh-CN" altLang="en-US" dirty="0"/>
+              <a:t>： </a:t>
+            </a:r>
+            <a:r>
+              <a:rPr kumimoji="1" lang="en-US" altLang="zh-CN" dirty="0"/>
+              <a:t>container </a:t>
+            </a:r>
+            <a:r>
+              <a:rPr kumimoji="1" lang="en-US" altLang="zh-CN" dirty="0" err="1"/>
+              <a:t>RunTime</a:t>
+            </a:r>
+            <a:r>
+              <a:rPr kumimoji="1" lang="en-US" altLang="zh-CN" dirty="0"/>
+              <a:t> Interface</a:t>
+            </a:r>
+            <a:r>
+              <a:rPr kumimoji="1" lang="zh-CN" altLang="en-US" dirty="0"/>
+              <a:t> 通过这个接口去启动容器进程</a:t>
+            </a:r>
+            <a:endParaRPr kumimoji="1" lang="en-US" altLang="zh-CN" dirty="0"/>
+          </a:p>
+          <a:p>
+            <a:r>
+              <a:rPr kumimoji="1" lang="en-US" altLang="zh-CN" dirty="0"/>
+              <a:t>	CNI</a:t>
+            </a:r>
+            <a:r>
+              <a:rPr kumimoji="1" lang="zh-CN" altLang="en-US" dirty="0"/>
+              <a:t>：</a:t>
+            </a:r>
+            <a:r>
+              <a:rPr kumimoji="1" lang="en-US" altLang="zh-CN" dirty="0"/>
+              <a:t>container</a:t>
+            </a:r>
+            <a:r>
+              <a:rPr kumimoji="1" lang="zh-CN" altLang="en-US" dirty="0"/>
+              <a:t> </a:t>
+            </a:r>
+            <a:r>
+              <a:rPr kumimoji="1" lang="en-US" altLang="zh-CN" dirty="0"/>
+              <a:t>network</a:t>
+            </a:r>
+            <a:r>
+              <a:rPr kumimoji="1" lang="zh-CN" altLang="en-US" dirty="0"/>
+              <a:t> </a:t>
+            </a:r>
+            <a:r>
+              <a:rPr kumimoji="1" lang="en-US" altLang="zh-CN" dirty="0"/>
+              <a:t>interfere</a:t>
+            </a:r>
+            <a:r>
+              <a:rPr kumimoji="1" lang="zh-CN" altLang="en-US" dirty="0"/>
+              <a:t> 通过网络接口去给容器创建</a:t>
+            </a:r>
+            <a:r>
+              <a:rPr kumimoji="1" lang="en-US" altLang="zh-CN" dirty="0"/>
+              <a:t>namespace</a:t>
+            </a:r>
+            <a:r>
+              <a:rPr kumimoji="1" lang="zh-CN" altLang="en-US" dirty="0"/>
+              <a:t> 和配置网络</a:t>
+            </a:r>
+            <a:endParaRPr kumimoji="1" lang="en-US" altLang="zh-CN" dirty="0"/>
+          </a:p>
+          <a:p>
+            <a:r>
+              <a:rPr kumimoji="1" lang="en-US" altLang="zh-CN" dirty="0"/>
+              <a:t>	CSI</a:t>
+            </a:r>
+            <a:r>
+              <a:rPr kumimoji="1" lang="zh-CN" altLang="en-US" dirty="0"/>
+              <a:t>： </a:t>
+            </a:r>
+            <a:r>
+              <a:rPr kumimoji="1" lang="en-US" altLang="zh-CN" dirty="0"/>
+              <a:t>container</a:t>
+            </a:r>
+            <a:r>
+              <a:rPr kumimoji="1" lang="zh-CN" altLang="en-US" dirty="0"/>
+              <a:t> </a:t>
+            </a:r>
+            <a:r>
+              <a:rPr kumimoji="1" lang="en-US" altLang="zh-CN" dirty="0"/>
+              <a:t>storage</a:t>
+            </a:r>
+            <a:r>
+              <a:rPr kumimoji="1" lang="zh-CN" altLang="en-US" dirty="0"/>
+              <a:t> </a:t>
+            </a:r>
+            <a:r>
+              <a:rPr kumimoji="1" lang="en-US" altLang="zh-CN" dirty="0"/>
+              <a:t>interface</a:t>
+            </a:r>
+            <a:r>
+              <a:rPr kumimoji="1" lang="zh-CN" altLang="en-US" dirty="0"/>
+              <a:t> 为容器挂载存储</a:t>
+            </a:r>
+            <a:endParaRPr kumimoji="1" lang="en-US" altLang="zh-CN" dirty="0"/>
+          </a:p>
+        </p:txBody>
+      </p:sp>
+      <p:sp>
+        <p:nvSpPr>
+          <p:cNvPr id="4" name="灯片编号占位符 3"/>
+          <p:cNvSpPr>
+            <a:spLocks noGrp="1"/>
+          </p:cNvSpPr>
+          <p:nvPr>
+            <p:ph type="sldNum" sz="quarter" idx="5"/>
+          </p:nvPr>
+        </p:nvSpPr>
+        <p:spPr/>
+        <p:txBody>
+          <a:bodyPr/>
+          <a:lstStyle/>
+          <a:p>
+            <a:fld id="{31EA30B6-CE17-D541-8DE4-B2D16378256D}" type="slidenum">
+              <a:rPr kumimoji="1" lang="zh-CN" altLang="en-US" smtClean="0"/>
+              <a:t>16</a:t>
+            </a:fld>
+            <a:endParaRPr kumimoji="1" lang="zh-CN" altLang="en-US"/>
+          </a:p>
+        </p:txBody>
+      </p:sp>
+    </p:spTree>
+    <p:extLst>
+      <p:ext uri="{BB962C8B-B14F-4D97-AF65-F5344CB8AC3E}">
+        <p14:creationId xmlns:p14="http://schemas.microsoft.com/office/powerpoint/2010/main" val="1565893000"/>
+      </p:ext>
+    </p:extLst>
+  </p:cSld>
+  <p:clrMapOvr>
+    <a:masterClrMapping/>
+  </p:clrMapOvr>
+</p:notes>
+</file>
+
+<file path=ppt/notesSlides/notesSlide15.xml><?xml version="1.0" encoding="utf-8"?>
+<p:notes xmlns:a="http://schemas.openxmlformats.org/drawingml/2006/main" xmlns:r="http://schemas.openxmlformats.org/officeDocument/2006/relationships" xmlns:p="http://schemas.openxmlformats.org/presentationml/2006/main">
+  <p:cSld>
+    <p:spTree>
+      <p:nvGrpSpPr>
+        <p:cNvPr id="1" name=""/>
+        <p:cNvGrpSpPr/>
+        <p:nvPr/>
+      </p:nvGrpSpPr>
+      <p:grpSpPr>
+        <a:xfrm>
+          <a:off x="0" y="0"/>
+          <a:ext cx="0" cy="0"/>
+          <a:chOff x="0" y="0"/>
+          <a:chExt cx="0" cy="0"/>
+        </a:xfrm>
+      </p:grpSpPr>
+      <p:sp>
+        <p:nvSpPr>
+          <p:cNvPr id="2" name="幻灯片图像占位符 1"/>
+          <p:cNvSpPr>
+            <a:spLocks noGrp="1" noRot="1" noChangeAspect="1"/>
+          </p:cNvSpPr>
+          <p:nvPr>
+            <p:ph type="sldImg"/>
+          </p:nvPr>
+        </p:nvSpPr>
+        <p:spPr/>
+      </p:sp>
+      <p:sp>
+        <p:nvSpPr>
+          <p:cNvPr id="3" name="备注占位符 2"/>
+          <p:cNvSpPr>
+            <a:spLocks noGrp="1"/>
+          </p:cNvSpPr>
+          <p:nvPr>
+            <p:ph type="body" idx="1"/>
+          </p:nvPr>
+        </p:nvSpPr>
+        <p:spPr/>
+        <p:txBody>
+          <a:bodyPr/>
+          <a:lstStyle/>
+          <a:p>
+            <a:pPr algn="l"/>
+            <a:r>
+              <a:rPr lang="zh-CN" altLang="en-US" b="0" i="0" u="none" strike="noStrike" dirty="0">
+                <a:solidFill>
+                  <a:srgbClr val="B0B1AC"/>
+                </a:solidFill>
+                <a:effectLst/>
+                <a:latin typeface="Helvetica Neue" panose="02000503000000020004" pitchFamily="2" charset="0"/>
+              </a:rPr>
+              <a:t>云原生是一种方法，用于构建和运行充分利用云计算模型优势的应用。云计算不再将重点放在资本投资和员工上来运行企业数据中心，而是提供无限制的按需计算能力和根据使用情况付费的功能，从而重新定义了几乎所有行业的竞争格局。</a:t>
+            </a:r>
+            <a:r>
+              <a:rPr lang="en-US" altLang="zh-CN" b="0" i="0" u="none" strike="noStrike" dirty="0">
+                <a:solidFill>
+                  <a:srgbClr val="B0B1AC"/>
+                </a:solidFill>
+                <a:effectLst/>
+                <a:latin typeface="Helvetica Neue" panose="02000503000000020004" pitchFamily="2" charset="0"/>
+              </a:rPr>
+              <a:t>IT </a:t>
+            </a:r>
+            <a:r>
+              <a:rPr lang="zh-CN" altLang="en-US" b="0" i="0" u="none" strike="noStrike" dirty="0">
+                <a:solidFill>
+                  <a:srgbClr val="B0B1AC"/>
+                </a:solidFill>
+                <a:effectLst/>
+                <a:latin typeface="Helvetica Neue" panose="02000503000000020004" pitchFamily="2" charset="0"/>
+              </a:rPr>
+              <a:t>开销减少意味着入行的壁垒更低，这一竞争优势使得各团队可以快速将新想法推向市场，这就是软件正在占据世界，并且初创公司正在使用云原生方法来颠覆传统行业的原因。</a:t>
+            </a:r>
+          </a:p>
+          <a:p>
+            <a:pPr algn="l"/>
+            <a:r>
+              <a:rPr lang="zh-CN" altLang="en-US" b="0" i="0" u="none" strike="noStrike" dirty="0">
+                <a:solidFill>
+                  <a:srgbClr val="B0B1AC"/>
+                </a:solidFill>
+                <a:effectLst/>
+                <a:latin typeface="Helvetica Neue" panose="02000503000000020004" pitchFamily="2" charset="0"/>
+              </a:rPr>
+              <a:t>但是，企业需要一个用于构建和运行云原生应用和服务的平台，来自动执行并集成 </a:t>
+            </a:r>
+            <a:r>
+              <a:rPr lang="en-US" altLang="zh-CN" b="0" i="0" u="none" strike="noStrike" dirty="0">
+                <a:solidFill>
+                  <a:srgbClr val="B0B1AC"/>
+                </a:solidFill>
+                <a:effectLst/>
+                <a:latin typeface="Helvetica Neue" panose="02000503000000020004" pitchFamily="2" charset="0"/>
+              </a:rPr>
+              <a:t>DevOps</a:t>
+            </a:r>
+            <a:r>
+              <a:rPr lang="zh-CN" altLang="en-US" b="0" i="0" u="none" strike="noStrike" dirty="0">
+                <a:solidFill>
+                  <a:srgbClr val="B0B1AC"/>
+                </a:solidFill>
+                <a:effectLst/>
+                <a:latin typeface="Helvetica Neue" panose="02000503000000020004" pitchFamily="2" charset="0"/>
+              </a:rPr>
+              <a:t>、持续交付、微服务和容器等概念</a:t>
+            </a:r>
+          </a:p>
+          <a:p>
+            <a:r>
+              <a:rPr lang="zh-CN" altLang="en-US" b="0" i="0" u="none" strike="noStrike" dirty="0">
+                <a:solidFill>
+                  <a:srgbClr val="606060"/>
+                </a:solidFill>
+                <a:effectLst/>
+                <a:latin typeface="open sans" panose="020B0606030504020204" pitchFamily="34" charset="0"/>
+              </a:rPr>
+              <a:t>向外部客户推出了基于 </a:t>
+            </a:r>
+            <a:r>
+              <a:rPr lang="en-US" altLang="zh-CN" b="0" i="0" u="none" strike="noStrike" dirty="0">
+                <a:solidFill>
+                  <a:srgbClr val="606060"/>
+                </a:solidFill>
+                <a:effectLst/>
+                <a:latin typeface="open sans" panose="020B0606030504020204" pitchFamily="34" charset="0"/>
+              </a:rPr>
+              <a:t>Kubernetes </a:t>
+            </a:r>
+            <a:r>
+              <a:rPr lang="zh-CN" altLang="en-US" b="0" i="0" u="none" strike="noStrike" dirty="0">
+                <a:solidFill>
+                  <a:srgbClr val="606060"/>
+                </a:solidFill>
+                <a:effectLst/>
+                <a:latin typeface="open sans" panose="020B0606030504020204" pitchFamily="34" charset="0"/>
+              </a:rPr>
+              <a:t>的云和微服务型 </a:t>
+            </a:r>
+            <a:r>
+              <a:rPr lang="en-US" altLang="zh-CN" b="0" i="0" u="none" strike="noStrike" dirty="0">
+                <a:solidFill>
+                  <a:srgbClr val="606060"/>
+                </a:solidFill>
+                <a:effectLst/>
+                <a:latin typeface="open sans" panose="020B0606030504020204" pitchFamily="34" charset="0"/>
+              </a:rPr>
+              <a:t>PaaS </a:t>
+            </a:r>
+            <a:r>
+              <a:rPr lang="zh-CN" altLang="en-US" b="0" i="0" u="none" strike="noStrike" dirty="0">
+                <a:solidFill>
+                  <a:srgbClr val="606060"/>
+                </a:solidFill>
+                <a:effectLst/>
+                <a:latin typeface="open sans" panose="020B0606030504020204" pitchFamily="34" charset="0"/>
+              </a:rPr>
+              <a:t>产品。</a:t>
+            </a:r>
+            <a:endParaRPr lang="en-US" altLang="zh-CN" b="0" i="0" u="none" strike="noStrike" dirty="0">
+              <a:solidFill>
+                <a:srgbClr val="606060"/>
+              </a:solidFill>
+              <a:effectLst/>
+              <a:latin typeface="open sans" panose="020B0606030504020204" pitchFamily="34" charset="0"/>
+            </a:endParaRPr>
+          </a:p>
+          <a:p>
+            <a:r>
+              <a:rPr lang="zh-CN" altLang="en-US" b="0" i="0" u="none" strike="noStrike" dirty="0">
+                <a:solidFill>
+                  <a:srgbClr val="4D4D4D"/>
+                </a:solidFill>
+                <a:effectLst/>
+                <a:latin typeface="-apple-system"/>
+              </a:rPr>
+              <a:t> 云：使用容器构建的一套服务集群网络，云是由很多的容器构成。</a:t>
+            </a:r>
+            <a:endParaRPr kumimoji="1" lang="zh-CN" altLang="en-US" dirty="0"/>
+          </a:p>
+        </p:txBody>
+      </p:sp>
+      <p:sp>
+        <p:nvSpPr>
+          <p:cNvPr id="4" name="灯片编号占位符 3"/>
+          <p:cNvSpPr>
+            <a:spLocks noGrp="1"/>
+          </p:cNvSpPr>
+          <p:nvPr>
+            <p:ph type="sldNum" sz="quarter" idx="5"/>
+          </p:nvPr>
+        </p:nvSpPr>
+        <p:spPr/>
+        <p:txBody>
+          <a:bodyPr/>
+          <a:lstStyle/>
+          <a:p>
+            <a:fld id="{31EA30B6-CE17-D541-8DE4-B2D16378256D}" type="slidenum">
+              <a:rPr kumimoji="1" lang="zh-CN" altLang="en-US" smtClean="0"/>
+              <a:t>17</a:t>
+            </a:fld>
+            <a:endParaRPr kumimoji="1" lang="zh-CN" altLang="en-US"/>
+          </a:p>
+        </p:txBody>
+      </p:sp>
+    </p:spTree>
+    <p:extLst>
+      <p:ext uri="{BB962C8B-B14F-4D97-AF65-F5344CB8AC3E}">
+        <p14:creationId xmlns:p14="http://schemas.microsoft.com/office/powerpoint/2010/main" val="2972644877"/>
+      </p:ext>
+    </p:extLst>
+  </p:cSld>
+  <p:clrMapOvr>
+    <a:masterClrMapping/>
+  </p:clrMapOvr>
+</p:notes>
+</file>
+
 <file path=ppt/notesSlides/notesSlide2.xml><?xml version="1.0" encoding="utf-8"?>
 <p:notes xmlns:a="http://schemas.openxmlformats.org/drawingml/2006/main" xmlns:r="http://schemas.openxmlformats.org/officeDocument/2006/relationships" xmlns:p="http://schemas.openxmlformats.org/presentationml/2006/main">
   <p:cSld>
@@ -647,343 +2223,264 @@
           <a:bodyPr/>
           <a:lstStyle/>
           <a:p>
-            <a:pPr algn="l">
-              <a:buFont typeface="Arial" panose="020B0604020202020204" pitchFamily="34" charset="0"/>
-              <a:buChar char="•"/>
-            </a:pPr>
+            <a:r>
+              <a:rPr kumimoji="1" lang="zh-CN" altLang="en-US" dirty="0"/>
+              <a:t> 集群管理的能力：将一堆、一批的服务器组成一个集群。集群内算力的管理和抽象，通过对集群内机器算力的统计和管理</a:t>
+            </a:r>
+            <a:endParaRPr kumimoji="1" lang="en-US" altLang="zh-CN" dirty="0"/>
+          </a:p>
+          <a:p>
+            <a:r>
+              <a:rPr kumimoji="1" lang="zh-CN" altLang="en-US" dirty="0"/>
+              <a:t> 当有了这些算力以后可以让开放</a:t>
+            </a:r>
+            <a:r>
+              <a:rPr kumimoji="1" lang="en-US" altLang="zh-CN" dirty="0"/>
+              <a:t>API</a:t>
+            </a:r>
+            <a:r>
+              <a:rPr kumimoji="1" lang="zh-CN" altLang="en-US" dirty="0"/>
+              <a:t>让这些算力对外服务，</a:t>
+            </a:r>
+            <a:endParaRPr kumimoji="1" lang="en-US" altLang="zh-CN" b="1" dirty="0"/>
+          </a:p>
+          <a:p>
+            <a:r>
+              <a:rPr kumimoji="1" lang="zh-CN" altLang="en-US" b="1" dirty="0"/>
+              <a:t>作业调度：</a:t>
+            </a:r>
+            <a:r>
+              <a:rPr kumimoji="1" lang="zh-CN" altLang="en-US" dirty="0"/>
+              <a:t>这个时候只需要告诉</a:t>
+            </a:r>
+            <a:r>
+              <a:rPr kumimoji="1" lang="en-US" altLang="zh-CN" dirty="0"/>
+              <a:t>k8s</a:t>
+            </a:r>
+            <a:r>
+              <a:rPr kumimoji="1" lang="zh-CN" altLang="en-US" dirty="0"/>
+              <a:t>需要开多少个</a:t>
+            </a:r>
+            <a:r>
+              <a:rPr kumimoji="1" lang="en-US" altLang="zh-CN" dirty="0"/>
+              <a:t>pod</a:t>
+            </a:r>
+            <a:r>
+              <a:rPr kumimoji="1" lang="zh-CN" altLang="en-US" dirty="0"/>
+              <a:t>，每个</a:t>
+            </a:r>
+            <a:r>
+              <a:rPr kumimoji="1" lang="en-US" altLang="zh-CN" dirty="0"/>
+              <a:t>pod</a:t>
+            </a:r>
+            <a:r>
+              <a:rPr kumimoji="1" lang="zh-CN" altLang="en-US" dirty="0"/>
+              <a:t>需要多少算力，</a:t>
+            </a:r>
+            <a:r>
+              <a:rPr kumimoji="1" lang="en-US" altLang="zh-CN" dirty="0"/>
+              <a:t>k8s</a:t>
+            </a:r>
+            <a:r>
+              <a:rPr kumimoji="1" lang="zh-CN" altLang="en-US" dirty="0"/>
+              <a:t>就回去匹配最优的</a:t>
+            </a:r>
+            <a:r>
+              <a:rPr kumimoji="1" lang="en-US" altLang="zh-CN" dirty="0"/>
+              <a:t>Node</a:t>
+            </a:r>
+            <a:r>
+              <a:rPr kumimoji="1" lang="zh-CN" altLang="en-US" dirty="0"/>
+              <a:t>（计算资源）来运行这些</a:t>
+            </a:r>
+            <a:r>
+              <a:rPr kumimoji="1" lang="en-US" altLang="zh-CN" dirty="0"/>
+              <a:t>pod</a:t>
+            </a:r>
+          </a:p>
+          <a:p>
+            <a:r>
+              <a:rPr kumimoji="1" lang="zh-CN" altLang="en-US" b="1" dirty="0"/>
+              <a:t>服务发现和服务治理：</a:t>
+            </a:r>
+            <a:r>
+              <a:rPr kumimoji="1" lang="zh-CN" altLang="en-US" b="0" dirty="0"/>
+              <a:t>当作业跑在云平台中之后，在集群内不运行了很多个应用，这些应用之间的服务发现和服务治理也是</a:t>
+            </a:r>
+            <a:r>
+              <a:rPr kumimoji="1" lang="en-US" altLang="zh-CN" b="0" dirty="0"/>
+              <a:t>k8s</a:t>
+            </a:r>
+            <a:r>
+              <a:rPr kumimoji="1" lang="zh-CN" altLang="en-US" b="0" dirty="0"/>
+              <a:t>来做</a:t>
+            </a:r>
+            <a:endParaRPr kumimoji="1" lang="en-US" altLang="zh-CN" b="0" dirty="0"/>
+          </a:p>
+          <a:p>
+            <a:r>
+              <a:rPr kumimoji="1" lang="en-US" altLang="zh-CN" b="0" dirty="0"/>
+              <a:t>	</a:t>
+            </a:r>
+            <a:r>
+              <a:rPr kumimoji="1" lang="zh-CN" altLang="en-US" b="0" dirty="0"/>
+              <a:t>服务发现</a:t>
+            </a:r>
+            <a:r>
+              <a:rPr kumimoji="1" lang="en-US" altLang="zh-CN" b="0" dirty="0"/>
+              <a:t>:</a:t>
+            </a:r>
+            <a:r>
+              <a:rPr kumimoji="1" lang="zh-CN" altLang="en-US" b="0" dirty="0"/>
+              <a:t>依赖的服务之间互相发现</a:t>
+            </a:r>
+            <a:endParaRPr kumimoji="1" lang="en-US" altLang="zh-CN" b="0" dirty="0"/>
+          </a:p>
+          <a:p>
+            <a:r>
+              <a:rPr kumimoji="1" lang="en-US" altLang="zh-CN" b="0" dirty="0"/>
+              <a:t>	</a:t>
+            </a:r>
+            <a:r>
+              <a:rPr kumimoji="1" lang="zh-CN" altLang="en-US" b="0" dirty="0"/>
+              <a:t>服务治理：</a:t>
+            </a:r>
+            <a:endParaRPr kumimoji="1" lang="en-US" altLang="zh-CN" b="1" i="0" u="none" strike="noStrike" dirty="0">
+              <a:effectLst/>
+              <a:latin typeface="-apple-system"/>
+            </a:endParaRPr>
+          </a:p>
+          <a:p>
+            <a:r>
+              <a:rPr kumimoji="1" lang="en-US" altLang="zh-CN" b="1" i="0" u="none" strike="noStrike" dirty="0">
+                <a:effectLst/>
+                <a:latin typeface="-apple-system"/>
+              </a:rPr>
+              <a:t>		</a:t>
+            </a:r>
+            <a:r>
+              <a:rPr kumimoji="1" lang="zh-CN" altLang="en-US" b="1" i="0" u="none" strike="noStrike" dirty="0">
+                <a:effectLst/>
+                <a:latin typeface="-apple-system"/>
+              </a:rPr>
+              <a:t>高可用性：</a:t>
+            </a:r>
+            <a:r>
+              <a:rPr kumimoji="1" lang="zh-CN" altLang="en-US" b="0" i="0" u="none" strike="noStrike" dirty="0">
+                <a:effectLst/>
+                <a:latin typeface="-apple-system"/>
+              </a:rPr>
+              <a:t>保证服务可用</a:t>
+            </a:r>
+            <a:endParaRPr kumimoji="1" lang="en-US" altLang="zh-CN" b="0" i="0" u="none" strike="noStrike" dirty="0">
+              <a:effectLst/>
+              <a:latin typeface="-apple-system"/>
+            </a:endParaRPr>
+          </a:p>
+          <a:p>
+            <a:r>
+              <a:rPr kumimoji="1" lang="en-US" altLang="zh-CN" b="1" i="0" u="none" strike="noStrike" dirty="0">
+                <a:effectLst/>
+                <a:latin typeface="-apple-system"/>
+              </a:rPr>
+              <a:t>		</a:t>
+            </a:r>
             <a:r>
               <a:rPr lang="zh-CN" altLang="en-US" b="1" i="0" u="none" strike="noStrike" dirty="0">
-                <a:solidFill>
-                  <a:srgbClr val="40485B"/>
-                </a:solidFill>
                 <a:effectLst/>
                 <a:latin typeface="-apple-system"/>
               </a:rPr>
-              <a:t>自我修复</a:t>
+              <a:t>分布式调用</a:t>
+            </a:r>
+            <a:r>
+              <a:rPr kumimoji="1" lang="zh-CN" altLang="en-US" b="1" i="0" u="none" strike="noStrike" dirty="0">
+                <a:effectLst/>
+                <a:latin typeface="-apple-system"/>
+              </a:rPr>
+              <a:t>：</a:t>
+            </a:r>
+            <a:r>
+              <a:rPr kumimoji="1" lang="zh-CN" altLang="en-US" b="0" i="0" u="none" strike="noStrike" dirty="0">
+                <a:effectLst/>
+                <a:latin typeface="-apple-system"/>
+              </a:rPr>
+              <a:t>服务分布在分布式集群中的众多节点上，需要在</a:t>
             </a:r>
             <a:r>
               <a:rPr lang="zh-CN" altLang="en-US" b="0" i="0" u="none" strike="noStrike" dirty="0">
-                <a:solidFill>
-                  <a:srgbClr val="40485B"/>
-                </a:solidFill>
                 <a:effectLst/>
                 <a:latin typeface="-apple-system"/>
               </a:rPr>
-              <a:t>：一旦某一个容器崩溃，能够在</a:t>
-            </a:r>
+              <a:t>复杂网络环境下准确获知服务节点网络地址</a:t>
+            </a:r>
+            <a:endParaRPr lang="en-US" altLang="zh-CN" b="0" i="0" u="none" strike="noStrike" dirty="0">
+              <a:effectLst/>
+              <a:latin typeface="-apple-system"/>
+            </a:endParaRPr>
+          </a:p>
+          <a:p>
+            <a:r>
+              <a:rPr kumimoji="1" lang="en-US" altLang="zh-CN" b="0" i="0" u="none" strike="noStrike" dirty="0">
+                <a:effectLst/>
+                <a:latin typeface="-apple-system"/>
+              </a:rPr>
+              <a:t>		</a:t>
+            </a:r>
+            <a:r>
+              <a:rPr lang="zh-CN" altLang="en-US" b="1" i="0" u="none" strike="noStrike" dirty="0">
+                <a:effectLst/>
+                <a:latin typeface="-apple-system"/>
+              </a:rPr>
+              <a:t>生命周期管理：</a:t>
+            </a:r>
+            <a:r>
+              <a:rPr lang="zh-CN" altLang="en-US" b="0" i="0" u="none" strike="noStrike" dirty="0">
+                <a:effectLst/>
+                <a:latin typeface="-apple-system"/>
+              </a:rPr>
+              <a:t>管理服务的生命周期</a:t>
+            </a:r>
+            <a:endParaRPr lang="en-US" altLang="zh-CN" b="0" i="0" u="none" strike="noStrike" dirty="0">
+              <a:effectLst/>
+              <a:latin typeface="-apple-system"/>
+            </a:endParaRPr>
+          </a:p>
+          <a:p>
             <a:r>
               <a:rPr lang="en-US" altLang="zh-CN" b="0" i="0" u="none" strike="noStrike" dirty="0">
-                <a:solidFill>
-                  <a:srgbClr val="40485B"/>
-                </a:solidFill>
                 <a:effectLst/>
                 <a:latin typeface="-apple-system"/>
               </a:rPr>
-              <a:t>1</a:t>
+              <a:t>		</a:t>
+            </a:r>
+            <a:r>
+              <a:rPr lang="zh-CN" altLang="en-US" b="1" i="0" u="none" strike="noStrike" dirty="0">
+                <a:effectLst/>
+                <a:latin typeface="-apple-system"/>
+              </a:rPr>
+              <a:t>健康检查</a:t>
             </a:r>
             <a:r>
               <a:rPr lang="zh-CN" altLang="en-US" b="0" i="0" u="none" strike="noStrike" dirty="0">
-                <a:solidFill>
-                  <a:srgbClr val="40485B"/>
-                </a:solidFill>
                 <a:effectLst/>
                 <a:latin typeface="-apple-system"/>
               </a:rPr>
-              <a:t>秒中左右迅速启动新的容器</a:t>
-            </a:r>
-          </a:p>
-          <a:p>
-            <a:pPr algn="l">
-              <a:buFont typeface="Arial" panose="020B0604020202020204" pitchFamily="34" charset="0"/>
-              <a:buChar char="•"/>
-            </a:pPr>
-            <a:r>
-              <a:rPr lang="zh-CN" altLang="en-US" b="1" i="0" u="none" strike="noStrike" dirty="0">
-                <a:solidFill>
-                  <a:srgbClr val="40485B"/>
-                </a:solidFill>
+              <a:t>：监控服务的健康状态</a:t>
+            </a:r>
+            <a:endParaRPr lang="en-US" altLang="zh-CN" b="0" i="0" u="none" strike="noStrike" dirty="0">
+              <a:effectLst/>
+              <a:latin typeface="-apple-system"/>
+            </a:endParaRPr>
+          </a:p>
+          <a:p>
+            <a:r>
+              <a:rPr kumimoji="1" lang="en-US" altLang="zh-CN" b="0" i="0" u="none" strike="noStrike" dirty="0">
                 <a:effectLst/>
                 <a:latin typeface="-apple-system"/>
               </a:rPr>
-              <a:t>弹性伸缩</a:t>
-            </a:r>
-            <a:r>
-              <a:rPr lang="zh-CN" altLang="en-US" b="0" i="0" u="none" strike="noStrike" dirty="0">
-                <a:solidFill>
-                  <a:srgbClr val="40485B"/>
-                </a:solidFill>
-                <a:effectLst/>
-                <a:latin typeface="-apple-system"/>
-              </a:rPr>
-              <a:t>：可以根据需要，自动对集群中正在运行的容器数量进行调整</a:t>
-            </a:r>
-          </a:p>
-          <a:p>
-            <a:pPr algn="l">
-              <a:buFont typeface="Arial" panose="020B0604020202020204" pitchFamily="34" charset="0"/>
-              <a:buChar char="•"/>
-            </a:pPr>
-            <a:r>
-              <a:rPr lang="zh-CN" altLang="en-US" b="1" i="0" u="none" strike="noStrike" dirty="0">
-                <a:solidFill>
-                  <a:srgbClr val="40485B"/>
-                </a:solidFill>
-                <a:effectLst/>
-                <a:latin typeface="-apple-system"/>
-              </a:rPr>
-              <a:t>服务发现</a:t>
-            </a:r>
-            <a:r>
-              <a:rPr lang="zh-CN" altLang="en-US" b="0" i="0" u="none" strike="noStrike" dirty="0">
-                <a:solidFill>
-                  <a:srgbClr val="40485B"/>
-                </a:solidFill>
-                <a:effectLst/>
-                <a:latin typeface="-apple-system"/>
-              </a:rPr>
-              <a:t>：服务可以通过自动发现的形式找到它所依赖的服务  比如</a:t>
-            </a:r>
-            <a:r>
-              <a:rPr lang="en-US" altLang="zh-CN" b="0" i="0" u="none" strike="noStrike" dirty="0" err="1">
-                <a:solidFill>
-                  <a:srgbClr val="40485B"/>
-                </a:solidFill>
-                <a:effectLst/>
-                <a:latin typeface="-apple-system"/>
-              </a:rPr>
-              <a:t>nginx</a:t>
-            </a:r>
-            <a:r>
-              <a:rPr lang="zh-CN" altLang="en-US" b="0" i="0" u="none" strike="noStrike" dirty="0">
-                <a:solidFill>
-                  <a:srgbClr val="40485B"/>
-                </a:solidFill>
-                <a:effectLst/>
-                <a:latin typeface="-apple-system"/>
-              </a:rPr>
-              <a:t>需要</a:t>
-            </a:r>
-            <a:r>
-              <a:rPr lang="en-US" altLang="zh-CN" b="0" i="0" u="none" strike="noStrike" dirty="0" err="1">
-                <a:solidFill>
-                  <a:srgbClr val="40485B"/>
-                </a:solidFill>
-                <a:effectLst/>
-                <a:latin typeface="-apple-system"/>
-              </a:rPr>
-              <a:t>redis</a:t>
-            </a:r>
-            <a:r>
-              <a:rPr lang="zh-CN" altLang="en-US" b="0" i="0" u="none" strike="noStrike" dirty="0">
-                <a:solidFill>
-                  <a:srgbClr val="40485B"/>
-                </a:solidFill>
-                <a:effectLst/>
-                <a:latin typeface="-apple-system"/>
-              </a:rPr>
-              <a:t>和</a:t>
-            </a:r>
-            <a:r>
-              <a:rPr lang="en-US" altLang="zh-CN" b="0" i="0" u="none" strike="noStrike" dirty="0" err="1">
-                <a:solidFill>
-                  <a:srgbClr val="40485B"/>
-                </a:solidFill>
-                <a:effectLst/>
-                <a:latin typeface="-apple-system"/>
-              </a:rPr>
-              <a:t>mysql</a:t>
-            </a:r>
-            <a:r>
-              <a:rPr lang="zh-CN" altLang="en-US" b="0" i="0" u="none" strike="noStrike" dirty="0">
-                <a:solidFill>
-                  <a:srgbClr val="40485B"/>
-                </a:solidFill>
-                <a:effectLst/>
-                <a:latin typeface="-apple-system"/>
-              </a:rPr>
-              <a:t>提供底层数据，他就会以自动发现的形式去寻找这两个资源</a:t>
-            </a:r>
-          </a:p>
-          <a:p>
-            <a:pPr algn="l">
-              <a:buFont typeface="Arial" panose="020B0604020202020204" pitchFamily="34" charset="0"/>
-              <a:buChar char="•"/>
-            </a:pPr>
-            <a:r>
-              <a:rPr lang="zh-CN" altLang="en-US" b="1" i="0" u="none" strike="noStrike" dirty="0">
-                <a:solidFill>
-                  <a:srgbClr val="40485B"/>
-                </a:solidFill>
-                <a:effectLst/>
-                <a:latin typeface="-apple-system"/>
-              </a:rPr>
-              <a:t>负载均衡</a:t>
-            </a:r>
-            <a:r>
-              <a:rPr lang="zh-CN" altLang="en-US" b="0" i="0" u="none" strike="noStrike" dirty="0">
-                <a:solidFill>
-                  <a:srgbClr val="40485B"/>
-                </a:solidFill>
-                <a:effectLst/>
-                <a:latin typeface="-apple-system"/>
-              </a:rPr>
-              <a:t>：如果一个服务起动了多个容器，能够自动实现请求的负载均衡。</a:t>
-            </a:r>
-            <a:r>
-              <a:rPr lang="en-US" altLang="zh-CN" b="0" i="0" u="none" strike="noStrike" dirty="0">
-                <a:solidFill>
-                  <a:srgbClr val="40485B"/>
-                </a:solidFill>
-                <a:effectLst/>
-                <a:latin typeface="-apple-system"/>
-              </a:rPr>
-              <a:t>1000</a:t>
-            </a:r>
-            <a:r>
-              <a:rPr lang="zh-CN" altLang="en-US" b="0" i="0" u="none" strike="noStrike" dirty="0">
-                <a:solidFill>
-                  <a:srgbClr val="40485B"/>
-                </a:solidFill>
-                <a:effectLst/>
-                <a:latin typeface="-apple-system"/>
-              </a:rPr>
-              <a:t>个请求分配到</a:t>
-            </a:r>
-            <a:r>
-              <a:rPr lang="en-US" altLang="zh-CN" b="0" i="0" u="none" strike="noStrike" dirty="0">
-                <a:solidFill>
-                  <a:srgbClr val="40485B"/>
-                </a:solidFill>
-                <a:effectLst/>
-                <a:latin typeface="-apple-system"/>
-              </a:rPr>
-              <a:t>5</a:t>
-            </a:r>
-            <a:r>
-              <a:rPr lang="zh-CN" altLang="en-US" b="0" i="0" u="none" strike="noStrike" dirty="0">
-                <a:solidFill>
-                  <a:srgbClr val="40485B"/>
-                </a:solidFill>
-                <a:effectLst/>
-                <a:latin typeface="-apple-system"/>
-              </a:rPr>
-              <a:t>个</a:t>
-            </a:r>
-            <a:r>
-              <a:rPr lang="en-US" altLang="zh-CN" b="0" i="0" u="none" strike="noStrike" dirty="0" err="1">
-                <a:solidFill>
-                  <a:srgbClr val="40485B"/>
-                </a:solidFill>
-                <a:effectLst/>
-                <a:latin typeface="-apple-system"/>
-              </a:rPr>
-              <a:t>nginx</a:t>
-            </a:r>
-            <a:r>
-              <a:rPr lang="zh-CN" altLang="en-US" b="0" i="0" u="none" strike="noStrike" dirty="0">
-                <a:solidFill>
-                  <a:srgbClr val="40485B"/>
-                </a:solidFill>
-                <a:effectLst/>
-                <a:latin typeface="-apple-system"/>
-              </a:rPr>
-              <a:t>上</a:t>
-            </a:r>
-          </a:p>
-          <a:p>
-            <a:pPr algn="l">
-              <a:buFont typeface="Arial" panose="020B0604020202020204" pitchFamily="34" charset="0"/>
-              <a:buChar char="•"/>
-            </a:pPr>
-            <a:r>
-              <a:rPr lang="zh-CN" altLang="en-US" b="1" i="0" u="none" strike="noStrike" dirty="0">
-                <a:solidFill>
-                  <a:srgbClr val="40485B"/>
-                </a:solidFill>
-                <a:effectLst/>
-                <a:latin typeface="-apple-system"/>
-              </a:rPr>
-              <a:t>版本回退</a:t>
-            </a:r>
-            <a:r>
-              <a:rPr lang="zh-CN" altLang="en-US" b="0" i="0" u="none" strike="noStrike" dirty="0">
-                <a:solidFill>
-                  <a:srgbClr val="40485B"/>
-                </a:solidFill>
-                <a:effectLst/>
-                <a:latin typeface="-apple-system"/>
-              </a:rPr>
-              <a:t>：如果发现新发布的程序版本有问题，可以立即回退到原来的版本 </a:t>
-            </a:r>
-          </a:p>
-          <a:p>
-            <a:pPr algn="l">
-              <a:buFont typeface="Arial" panose="020B0604020202020204" pitchFamily="34" charset="0"/>
-              <a:buChar char="•"/>
-            </a:pPr>
-            <a:r>
-              <a:rPr lang="zh-CN" altLang="en-US" b="1" i="0" u="none" strike="noStrike" dirty="0">
-                <a:solidFill>
-                  <a:srgbClr val="40485B"/>
-                </a:solidFill>
-                <a:effectLst/>
-                <a:latin typeface="-apple-system"/>
-              </a:rPr>
-              <a:t>存储编排</a:t>
-            </a:r>
-            <a:r>
-              <a:rPr lang="zh-CN" altLang="en-US" b="0" i="0" u="none" strike="noStrike" dirty="0">
-                <a:solidFill>
-                  <a:srgbClr val="40485B"/>
-                </a:solidFill>
-                <a:effectLst/>
-                <a:latin typeface="-apple-system"/>
-              </a:rPr>
-              <a:t>：可以根据容器自身的需求自动创建存储卷  比如</a:t>
-            </a:r>
-            <a:r>
-              <a:rPr lang="en-US" altLang="zh-CN" b="0" i="0" u="none" strike="noStrike" dirty="0" err="1">
-                <a:solidFill>
-                  <a:srgbClr val="40485B"/>
-                </a:solidFill>
-                <a:effectLst/>
-                <a:latin typeface="-apple-system"/>
-              </a:rPr>
-              <a:t>mysql</a:t>
-            </a:r>
-            <a:r>
-              <a:rPr lang="zh-CN" altLang="en-US" b="0" i="0" u="none" strike="noStrike" dirty="0">
-                <a:solidFill>
-                  <a:srgbClr val="40485B"/>
-                </a:solidFill>
-                <a:effectLst/>
-                <a:latin typeface="-apple-system"/>
-              </a:rPr>
-              <a:t>需要创建存储卷来存储数据，这个时候只需要告诉</a:t>
-            </a:r>
-            <a:r>
-              <a:rPr lang="en-US" altLang="zh-CN" b="0" i="0" u="none" strike="noStrike" dirty="0">
-                <a:solidFill>
-                  <a:srgbClr val="40485B"/>
-                </a:solidFill>
-                <a:effectLst/>
-                <a:latin typeface="-apple-system"/>
-              </a:rPr>
-              <a:t>k8s</a:t>
-            </a:r>
-            <a:r>
-              <a:rPr lang="zh-CN" altLang="en-US" b="0" i="0" u="none" strike="noStrike" dirty="0">
-                <a:solidFill>
-                  <a:srgbClr val="40485B"/>
-                </a:solidFill>
-                <a:effectLst/>
-                <a:latin typeface="-apple-system"/>
-              </a:rPr>
-              <a:t>需要资源的大小等数据。</a:t>
-            </a:r>
-          </a:p>
-          <a:p>
-            <a:endParaRPr kumimoji="1" lang="zh-CN" altLang="en-US" dirty="0"/>
+              <a:t>		</a:t>
+            </a:r>
+            <a:endParaRPr kumimoji="1" lang="zh-CN" altLang="en-US" b="0" dirty="0"/>
           </a:p>
         </p:txBody>
       </p:sp>
@@ -1013,7 +2510,7 @@
     </p:spTree>
     <p:extLst>
       <p:ext uri="{BB962C8B-B14F-4D97-AF65-F5344CB8AC3E}">
-        <p14:creationId xmlns:p14="http://schemas.microsoft.com/office/powerpoint/2010/main" val="4137893998"/>
+        <p14:creationId xmlns:p14="http://schemas.microsoft.com/office/powerpoint/2010/main" val="2554213006"/>
       </p:ext>
     </p:extLst>
   </p:cSld>
@@ -1067,499 +2564,342 @@
           <a:bodyPr/>
           <a:lstStyle/>
           <a:p>
-            <a:r>
-              <a:rPr lang="en-US" altLang="zh-CN" b="1" i="0" u="none" strike="noStrike" dirty="0" err="1">
-                <a:solidFill>
-                  <a:srgbClr val="6A737D"/>
+            <a:pPr algn="l">
+              <a:buFont typeface="Arial" panose="020B0604020202020204" pitchFamily="34" charset="0"/>
+              <a:buChar char="•"/>
+            </a:pPr>
+            <a:r>
+              <a:rPr lang="zh-CN" altLang="en-US" b="1" i="0" u="none" strike="noStrike" dirty="0">
+                <a:solidFill>
+                  <a:srgbClr val="40485B"/>
                 </a:solidFill>
                 <a:effectLst/>
                 <a:latin typeface="-apple-system"/>
               </a:rPr>
-              <a:t>ApiServer</a:t>
+              <a:t>自我修复</a:t>
+            </a:r>
+            <a:r>
+              <a:rPr lang="zh-CN" altLang="en-US" b="0" i="0" u="none" strike="noStrike" dirty="0">
+                <a:solidFill>
+                  <a:srgbClr val="40485B"/>
+                </a:solidFill>
+                <a:effectLst/>
+                <a:latin typeface="-apple-system"/>
+              </a:rPr>
+              <a:t>：一旦某一个容器崩溃，能够在</a:t>
             </a:r>
             <a:r>
               <a:rPr lang="en-US" altLang="zh-CN" b="0" i="0" u="none" strike="noStrike" dirty="0">
                 <a:solidFill>
-                  <a:srgbClr val="6A737D"/>
+                  <a:srgbClr val="40485B"/>
                 </a:solidFill>
                 <a:effectLst/>
                 <a:latin typeface="-apple-system"/>
               </a:rPr>
-              <a:t> : </a:t>
+              <a:t>1</a:t>
             </a:r>
             <a:r>
               <a:rPr lang="zh-CN" altLang="en-US" b="0" i="0" u="none" strike="noStrike" dirty="0">
                 <a:solidFill>
-                  <a:srgbClr val="6A737D"/>
+                  <a:srgbClr val="40485B"/>
                 </a:solidFill>
                 <a:effectLst/>
                 <a:latin typeface="-apple-system"/>
               </a:rPr>
-              <a:t>资源操作的唯一入口，接收用户输入的命令，提供认证、授权、</a:t>
+              <a:t>秒中左右迅速启动新的容器</a:t>
+            </a:r>
+          </a:p>
+          <a:p>
+            <a:pPr algn="l">
+              <a:buFont typeface="Arial" panose="020B0604020202020204" pitchFamily="34" charset="0"/>
+              <a:buChar char="•"/>
+            </a:pPr>
+            <a:r>
+              <a:rPr lang="zh-CN" altLang="en-US" b="1" i="0" u="none" strike="noStrike" dirty="0">
+                <a:solidFill>
+                  <a:srgbClr val="40485B"/>
+                </a:solidFill>
+                <a:effectLst/>
+                <a:latin typeface="-apple-system"/>
+              </a:rPr>
+              <a:t>弹性伸缩</a:t>
+            </a:r>
+            <a:r>
+              <a:rPr lang="zh-CN" altLang="en-US" b="0" i="0" u="none" strike="noStrike" dirty="0">
+                <a:solidFill>
+                  <a:srgbClr val="40485B"/>
+                </a:solidFill>
+                <a:effectLst/>
+                <a:latin typeface="-apple-system"/>
+              </a:rPr>
+              <a:t>：可以根据需要，自动对集群中正在运行的容器数量进行调整</a:t>
+            </a:r>
+          </a:p>
+          <a:p>
+            <a:pPr algn="l">
+              <a:buFont typeface="Arial" panose="020B0604020202020204" pitchFamily="34" charset="0"/>
+              <a:buChar char="•"/>
+            </a:pPr>
+            <a:r>
+              <a:rPr lang="zh-CN" altLang="en-US" b="1" i="0" u="none" strike="noStrike" dirty="0">
+                <a:solidFill>
+                  <a:srgbClr val="40485B"/>
+                </a:solidFill>
+                <a:effectLst/>
+                <a:latin typeface="-apple-system"/>
+              </a:rPr>
+              <a:t>服务发现</a:t>
+            </a:r>
+            <a:r>
+              <a:rPr lang="zh-CN" altLang="en-US" b="0" i="0" u="none" strike="noStrike" dirty="0">
+                <a:solidFill>
+                  <a:srgbClr val="40485B"/>
+                </a:solidFill>
+                <a:effectLst/>
+                <a:latin typeface="-apple-system"/>
+              </a:rPr>
+              <a:t>：服务可以通过自动发现的形式找到它所依赖的服务  比如</a:t>
+            </a:r>
+            <a:r>
+              <a:rPr lang="en-US" altLang="zh-CN" b="0" i="0" u="none" strike="noStrike" dirty="0" err="1">
+                <a:solidFill>
+                  <a:srgbClr val="40485B"/>
+                </a:solidFill>
+                <a:effectLst/>
+                <a:latin typeface="-apple-system"/>
+              </a:rPr>
+              <a:t>nginx</a:t>
+            </a:r>
+            <a:r>
+              <a:rPr lang="zh-CN" altLang="en-US" b="0" i="0" u="none" strike="noStrike" dirty="0">
+                <a:solidFill>
+                  <a:srgbClr val="40485B"/>
+                </a:solidFill>
+                <a:effectLst/>
+                <a:latin typeface="-apple-system"/>
+              </a:rPr>
+              <a:t>需要</a:t>
+            </a:r>
+            <a:r>
+              <a:rPr lang="en-US" altLang="zh-CN" b="0" i="0" u="none" strike="noStrike" dirty="0" err="1">
+                <a:solidFill>
+                  <a:srgbClr val="40485B"/>
+                </a:solidFill>
+                <a:effectLst/>
+                <a:latin typeface="-apple-system"/>
+              </a:rPr>
+              <a:t>redis</a:t>
+            </a:r>
+            <a:r>
+              <a:rPr lang="zh-CN" altLang="en-US" b="0" i="0" u="none" strike="noStrike" dirty="0">
+                <a:solidFill>
+                  <a:srgbClr val="40485B"/>
+                </a:solidFill>
+                <a:effectLst/>
+                <a:latin typeface="-apple-system"/>
+              </a:rPr>
+              <a:t>和</a:t>
+            </a:r>
+            <a:r>
+              <a:rPr lang="en-US" altLang="zh-CN" b="0" i="0" u="none" strike="noStrike" dirty="0" err="1">
+                <a:solidFill>
+                  <a:srgbClr val="40485B"/>
+                </a:solidFill>
+                <a:effectLst/>
+                <a:latin typeface="-apple-system"/>
+              </a:rPr>
+              <a:t>mysql</a:t>
+            </a:r>
+            <a:r>
+              <a:rPr lang="zh-CN" altLang="en-US" b="0" i="0" u="none" strike="noStrike" dirty="0">
+                <a:solidFill>
+                  <a:srgbClr val="40485B"/>
+                </a:solidFill>
+                <a:effectLst/>
+                <a:latin typeface="-apple-system"/>
+              </a:rPr>
+              <a:t>提供底层数据，他就会以自动发现的形式去寻找这两个资源</a:t>
+            </a:r>
+          </a:p>
+          <a:p>
+            <a:pPr algn="l">
+              <a:buFont typeface="Arial" panose="020B0604020202020204" pitchFamily="34" charset="0"/>
+              <a:buChar char="•"/>
+            </a:pPr>
+            <a:r>
+              <a:rPr lang="zh-CN" altLang="en-US" b="1" i="0" u="none" strike="noStrike" dirty="0">
+                <a:solidFill>
+                  <a:srgbClr val="40485B"/>
+                </a:solidFill>
+                <a:effectLst/>
+                <a:latin typeface="-apple-system"/>
+              </a:rPr>
+              <a:t>负载均衡</a:t>
+            </a:r>
+            <a:r>
+              <a:rPr lang="zh-CN" altLang="en-US" b="0" i="0" u="none" strike="noStrike" dirty="0">
+                <a:solidFill>
+                  <a:srgbClr val="40485B"/>
+                </a:solidFill>
+                <a:effectLst/>
+                <a:latin typeface="-apple-system"/>
+              </a:rPr>
+              <a:t>：如果一个服务起动了多个容器，能够自动实现请求的负载均衡。</a:t>
             </a:r>
             <a:r>
               <a:rPr lang="en-US" altLang="zh-CN" b="0" i="0" u="none" strike="noStrike" dirty="0">
                 <a:solidFill>
-                  <a:srgbClr val="6A737D"/>
+                  <a:srgbClr val="40485B"/>
                 </a:solidFill>
                 <a:effectLst/>
                 <a:latin typeface="-apple-system"/>
               </a:rPr>
-              <a:t>API</a:t>
+              <a:t>1000</a:t>
             </a:r>
             <a:r>
               <a:rPr lang="zh-CN" altLang="en-US" b="0" i="0" u="none" strike="noStrike" dirty="0">
                 <a:solidFill>
-                  <a:srgbClr val="6A737D"/>
+                  <a:srgbClr val="40485B"/>
                 </a:solidFill>
                 <a:effectLst/>
                 <a:latin typeface="-apple-system"/>
               </a:rPr>
-              <a:t>注册和发现等机制。 （控制的访问入口）</a:t>
-            </a:r>
-            <a:endParaRPr lang="en-US" altLang="zh-CN" b="0" i="0" u="none" strike="noStrike" dirty="0">
-              <a:solidFill>
-                <a:srgbClr val="6A737D"/>
-              </a:solidFill>
-              <a:effectLst/>
-              <a:latin typeface="-apple-system"/>
-            </a:endParaRPr>
-          </a:p>
-          <a:p>
-            <a:r>
-              <a:rPr lang="en-US" altLang="zh-CN" b="1" i="0" u="none" strike="noStrike" dirty="0">
-                <a:solidFill>
-                  <a:srgbClr val="6A737D"/>
+              <a:t>个请求分配到</a:t>
+            </a:r>
+            <a:r>
+              <a:rPr lang="en-US" altLang="zh-CN" b="0" i="0" u="none" strike="noStrike" dirty="0">
+                <a:solidFill>
+                  <a:srgbClr val="40485B"/>
                 </a:solidFill>
                 <a:effectLst/>
                 <a:latin typeface="-apple-system"/>
               </a:rPr>
-              <a:t>Scheduler</a:t>
+              <a:t>5</a:t>
+            </a:r>
+            <a:r>
+              <a:rPr lang="zh-CN" altLang="en-US" b="0" i="0" u="none" strike="noStrike" dirty="0">
+                <a:solidFill>
+                  <a:srgbClr val="40485B"/>
+                </a:solidFill>
+                <a:effectLst/>
+                <a:latin typeface="-apple-system"/>
+              </a:rPr>
+              <a:t>个</a:t>
+            </a:r>
+            <a:r>
+              <a:rPr lang="en-US" altLang="zh-CN" b="0" i="0" u="none" strike="noStrike" dirty="0" err="1">
+                <a:solidFill>
+                  <a:srgbClr val="40485B"/>
+                </a:solidFill>
+                <a:effectLst/>
+                <a:latin typeface="-apple-system"/>
+              </a:rPr>
+              <a:t>nginx</a:t>
+            </a:r>
+            <a:r>
+              <a:rPr lang="zh-CN" altLang="en-US" b="0" i="0" u="none" strike="noStrike" dirty="0">
+                <a:solidFill>
+                  <a:srgbClr val="40485B"/>
+                </a:solidFill>
+                <a:effectLst/>
+                <a:latin typeface="-apple-system"/>
+              </a:rPr>
+              <a:t>上</a:t>
+            </a:r>
+          </a:p>
+          <a:p>
+            <a:pPr algn="l">
+              <a:buFont typeface="Arial" panose="020B0604020202020204" pitchFamily="34" charset="0"/>
+              <a:buChar char="•"/>
+            </a:pPr>
+            <a:r>
+              <a:rPr lang="zh-CN" altLang="en-US" b="1" i="0" u="none" strike="noStrike" dirty="0">
+                <a:solidFill>
+                  <a:srgbClr val="40485B"/>
+                </a:solidFill>
+                <a:effectLst/>
+                <a:latin typeface="-apple-system"/>
+              </a:rPr>
+              <a:t>版本回退</a:t>
+            </a:r>
+            <a:r>
+              <a:rPr lang="zh-CN" altLang="en-US" b="0" i="0" u="none" strike="noStrike" dirty="0">
+                <a:solidFill>
+                  <a:srgbClr val="40485B"/>
+                </a:solidFill>
+                <a:effectLst/>
+                <a:latin typeface="-apple-system"/>
+              </a:rPr>
+              <a:t>：如果发现新发布的程序版本有问题，可以立即回退到原来的版本 </a:t>
+            </a:r>
+          </a:p>
+          <a:p>
+            <a:pPr algn="l">
+              <a:buFont typeface="Arial" panose="020B0604020202020204" pitchFamily="34" charset="0"/>
+              <a:buChar char="•"/>
+            </a:pPr>
+            <a:r>
+              <a:rPr lang="zh-CN" altLang="en-US" b="1" i="0" u="none" strike="noStrike" dirty="0">
+                <a:solidFill>
+                  <a:srgbClr val="40485B"/>
+                </a:solidFill>
+                <a:effectLst/>
+                <a:latin typeface="-apple-system"/>
+              </a:rPr>
+              <a:t>存储编排</a:t>
+            </a:r>
+            <a:r>
+              <a:rPr lang="zh-CN" altLang="en-US" b="0" i="0" u="none" strike="noStrike" dirty="0">
+                <a:solidFill>
+                  <a:srgbClr val="40485B"/>
+                </a:solidFill>
+                <a:effectLst/>
+                <a:latin typeface="-apple-system"/>
+              </a:rPr>
+              <a:t>：可以根据容器自身的需求自动创建存储卷  比如</a:t>
+            </a:r>
+            <a:r>
+              <a:rPr lang="en-US" altLang="zh-CN" b="0" i="0" u="none" strike="noStrike" dirty="0" err="1">
+                <a:solidFill>
+                  <a:srgbClr val="40485B"/>
+                </a:solidFill>
+                <a:effectLst/>
+                <a:latin typeface="-apple-system"/>
+              </a:rPr>
+              <a:t>mysql</a:t>
+            </a:r>
+            <a:r>
+              <a:rPr lang="zh-CN" altLang="en-US" b="0" i="0" u="none" strike="noStrike" dirty="0">
+                <a:solidFill>
+                  <a:srgbClr val="40485B"/>
+                </a:solidFill>
+                <a:effectLst/>
+                <a:latin typeface="-apple-system"/>
+              </a:rPr>
+              <a:t>需要创建存储卷来存储数据，这个时候只需要告诉</a:t>
             </a:r>
             <a:r>
               <a:rPr lang="en-US" altLang="zh-CN" b="0" i="0" u="none" strike="noStrike" dirty="0">
                 <a:solidFill>
-                  <a:srgbClr val="6A737D"/>
+                  <a:srgbClr val="40485B"/>
                 </a:solidFill>
                 <a:effectLst/>
                 <a:latin typeface="-apple-system"/>
               </a:rPr>
-              <a:t> : </a:t>
+              <a:t>k8s</a:t>
             </a:r>
             <a:r>
               <a:rPr lang="zh-CN" altLang="en-US" b="0" i="0" u="none" strike="noStrike" dirty="0">
                 <a:solidFill>
-                  <a:srgbClr val="6A737D"/>
+                  <a:srgbClr val="40485B"/>
                 </a:solidFill>
                 <a:effectLst/>
                 <a:latin typeface="-apple-system"/>
               </a:rPr>
-              <a:t>负责集群资源调度，按照预定的调度策略将</a:t>
-            </a:r>
-            <a:r>
-              <a:rPr lang="en-US" altLang="zh-CN" b="0" i="0" u="none" strike="noStrike" dirty="0">
-                <a:solidFill>
-                  <a:srgbClr val="6A737D"/>
-                </a:solidFill>
-                <a:effectLst/>
-                <a:latin typeface="-apple-system"/>
-              </a:rPr>
-              <a:t>Pod</a:t>
-            </a:r>
-            <a:r>
-              <a:rPr lang="zh-CN" altLang="en-US" b="0" i="0" u="none" strike="noStrike" dirty="0">
-                <a:solidFill>
-                  <a:srgbClr val="6A737D"/>
-                </a:solidFill>
-                <a:effectLst/>
-                <a:latin typeface="-apple-system"/>
-              </a:rPr>
-              <a:t>调度到相应的</a:t>
-            </a:r>
-            <a:r>
-              <a:rPr lang="en-US" altLang="zh-CN" b="0" i="0" u="none" strike="noStrike" dirty="0">
-                <a:solidFill>
-                  <a:srgbClr val="6A737D"/>
-                </a:solidFill>
-                <a:effectLst/>
-                <a:latin typeface="-apple-system"/>
-              </a:rPr>
-              <a:t>node</a:t>
-            </a:r>
-            <a:r>
-              <a:rPr lang="zh-CN" altLang="en-US" b="0" i="0" u="none" strike="noStrike" dirty="0">
-                <a:solidFill>
-                  <a:srgbClr val="6A737D"/>
-                </a:solidFill>
-                <a:effectLst/>
-                <a:latin typeface="-apple-system"/>
-              </a:rPr>
-              <a:t>节点上</a:t>
-            </a:r>
-            <a:endParaRPr lang="en-US" altLang="zh-CN" b="0" i="0" u="none" strike="noStrike" dirty="0">
-              <a:solidFill>
-                <a:srgbClr val="6A737D"/>
-              </a:solidFill>
-              <a:effectLst/>
-              <a:latin typeface="-apple-system"/>
-            </a:endParaRPr>
-          </a:p>
-          <a:p>
-            <a:r>
-              <a:rPr lang="en-US" altLang="zh-CN" b="1" i="0" u="none" strike="noStrike" dirty="0" err="1">
-                <a:solidFill>
-                  <a:srgbClr val="6A737D"/>
-                </a:solidFill>
-                <a:effectLst/>
-                <a:latin typeface="-apple-system"/>
-              </a:rPr>
-              <a:t>ControllerManager</a:t>
-            </a:r>
-            <a:r>
-              <a:rPr lang="en-US" altLang="zh-CN" b="0" i="0" u="none" strike="noStrike" dirty="0">
-                <a:solidFill>
-                  <a:srgbClr val="6A737D"/>
-                </a:solidFill>
-                <a:effectLst/>
-                <a:latin typeface="-apple-system"/>
-              </a:rPr>
-              <a:t> : </a:t>
-            </a:r>
-            <a:r>
-              <a:rPr lang="zh-CN" altLang="en-US" b="0" i="0" u="none" strike="noStrike" dirty="0">
-                <a:solidFill>
-                  <a:srgbClr val="6A737D"/>
-                </a:solidFill>
-                <a:effectLst/>
-                <a:latin typeface="-apple-system"/>
-              </a:rPr>
-              <a:t>负责维护集群的状态，比如程序部署安排、故障检测、自动扩展、滚动更新等</a:t>
-            </a:r>
-            <a:r>
-              <a:rPr lang="zh-CN" altLang="en-US" b="0" i="0" u="none" strike="noStrike" dirty="0">
-                <a:solidFill>
-                  <a:srgbClr val="B0B1AC"/>
-                </a:solidFill>
-                <a:effectLst/>
-                <a:latin typeface="Helvetica Neue" panose="02000503000000020004" pitchFamily="2" charset="0"/>
-              </a:rPr>
-              <a:t>在</a:t>
-            </a:r>
-            <a:r>
-              <a:rPr lang="en-US" altLang="zh-CN" b="0" i="0" u="none" strike="noStrike" dirty="0">
-                <a:solidFill>
-                  <a:srgbClr val="B0B1AC"/>
-                </a:solidFill>
-                <a:effectLst/>
-                <a:latin typeface="Helvetica Neue" panose="02000503000000020004" pitchFamily="2" charset="0"/>
-              </a:rPr>
-              <a:t>k8s</a:t>
-            </a:r>
-            <a:r>
-              <a:rPr lang="zh-CN" altLang="en-US" b="0" i="0" u="none" strike="noStrike" dirty="0">
-                <a:solidFill>
-                  <a:srgbClr val="B0B1AC"/>
-                </a:solidFill>
-                <a:effectLst/>
-                <a:latin typeface="Helvetica Neue" panose="02000503000000020004" pitchFamily="2" charset="0"/>
-              </a:rPr>
-              <a:t>中，</a:t>
-            </a:r>
-            <a:r>
-              <a:rPr lang="en-US" altLang="zh-CN" b="0" i="0" u="none" strike="noStrike" dirty="0">
-                <a:solidFill>
-                  <a:srgbClr val="B0B1AC"/>
-                </a:solidFill>
-                <a:effectLst/>
-                <a:latin typeface="Helvetica Neue" panose="02000503000000020004" pitchFamily="2" charset="0"/>
-              </a:rPr>
-              <a:t>k8s</a:t>
-            </a:r>
-            <a:r>
-              <a:rPr lang="zh-CN" altLang="en-US" b="0" i="0" u="none" strike="noStrike" dirty="0">
-                <a:solidFill>
-                  <a:srgbClr val="B0B1AC"/>
-                </a:solidFill>
-                <a:effectLst/>
-                <a:latin typeface="Helvetica Neue" panose="02000503000000020004" pitchFamily="2" charset="0"/>
-              </a:rPr>
-              <a:t>资源对象会有两个状态，一个是</a:t>
-            </a:r>
-            <a:r>
-              <a:rPr lang="zh-CN" altLang="en-US" b="1" i="0" u="none" strike="noStrike" dirty="0">
-                <a:solidFill>
-                  <a:srgbClr val="B0B1AC"/>
-                </a:solidFill>
-                <a:effectLst/>
-                <a:latin typeface="Helvetica Neue" panose="02000503000000020004" pitchFamily="2" charset="0"/>
-              </a:rPr>
-              <a:t>期望状态</a:t>
-            </a:r>
-            <a:r>
-              <a:rPr lang="zh-CN" altLang="en-US" b="0" i="0" u="none" strike="noStrike" dirty="0">
-                <a:solidFill>
-                  <a:srgbClr val="B0B1AC"/>
-                </a:solidFill>
-                <a:effectLst/>
-                <a:latin typeface="Helvetica Neue" panose="02000503000000020004" pitchFamily="2" charset="0"/>
-              </a:rPr>
-              <a:t> 、一个是</a:t>
-            </a:r>
-            <a:r>
-              <a:rPr lang="zh-CN" altLang="en-US" b="1" i="0" u="none" strike="noStrike" dirty="0">
-                <a:solidFill>
-                  <a:srgbClr val="B0B1AC"/>
-                </a:solidFill>
-                <a:effectLst/>
-                <a:latin typeface="Helvetica Neue" panose="02000503000000020004" pitchFamily="2" charset="0"/>
-              </a:rPr>
-              <a:t>当前状态</a:t>
-            </a:r>
-            <a:r>
-              <a:rPr lang="zh-CN" altLang="en-US" b="0" i="0" u="none" strike="noStrike" dirty="0">
-                <a:solidFill>
-                  <a:srgbClr val="B0B1AC"/>
-                </a:solidFill>
-                <a:effectLst/>
-                <a:latin typeface="Helvetica Neue" panose="02000503000000020004" pitchFamily="2" charset="0"/>
-              </a:rPr>
-              <a:t>，对应资源的控制器负责确保资源的当前状态接近期望状态。</a:t>
-            </a:r>
-            <a:endParaRPr lang="en-US" altLang="zh-CN" b="0" i="0" u="none" strike="noStrike" dirty="0">
-              <a:solidFill>
-                <a:srgbClr val="6A737D"/>
-              </a:solidFill>
-              <a:effectLst/>
-              <a:latin typeface="-apple-system"/>
-            </a:endParaRPr>
-          </a:p>
-          <a:p>
-            <a:r>
-              <a:rPr lang="en-US" altLang="zh-CN" b="1" i="0" u="none" strike="noStrike" dirty="0" err="1">
-                <a:solidFill>
-                  <a:srgbClr val="6A737D"/>
-                </a:solidFill>
-                <a:effectLst/>
-                <a:latin typeface="-apple-system"/>
-              </a:rPr>
-              <a:t>Etcd</a:t>
-            </a:r>
-            <a:r>
-              <a:rPr lang="en-US" altLang="zh-CN" b="0" i="0" u="none" strike="noStrike" dirty="0">
-                <a:solidFill>
-                  <a:srgbClr val="6A737D"/>
-                </a:solidFill>
-                <a:effectLst/>
-                <a:latin typeface="-apple-system"/>
-              </a:rPr>
-              <a:t> </a:t>
-            </a:r>
-            <a:r>
-              <a:rPr lang="zh-CN" altLang="en-US" b="0" i="0" u="none" strike="noStrike" dirty="0">
-                <a:solidFill>
-                  <a:srgbClr val="6A737D"/>
-                </a:solidFill>
-                <a:effectLst/>
-                <a:latin typeface="-apple-system"/>
-              </a:rPr>
-              <a:t>：负责存储集群中各种资源对象的信息 </a:t>
-            </a:r>
-            <a:endParaRPr lang="en-US" altLang="zh-CN" b="0" i="0" u="none" strike="noStrike" dirty="0">
-              <a:solidFill>
-                <a:srgbClr val="6A737D"/>
-              </a:solidFill>
-              <a:effectLst/>
-              <a:latin typeface="-apple-system"/>
-            </a:endParaRPr>
-          </a:p>
-          <a:p>
-            <a:endParaRPr kumimoji="1" lang="en-US" altLang="zh-CN" b="0" i="0" u="none" strike="noStrike" dirty="0">
-              <a:solidFill>
-                <a:srgbClr val="6A737D"/>
-              </a:solidFill>
-              <a:effectLst/>
-              <a:latin typeface="-apple-system"/>
-            </a:endParaRPr>
-          </a:p>
-          <a:p>
-            <a:r>
-              <a:rPr kumimoji="1" lang="en-US" altLang="zh-CN" b="0" i="0" u="none" strike="noStrike" dirty="0">
-                <a:solidFill>
-                  <a:srgbClr val="6A737D"/>
-                </a:solidFill>
-                <a:effectLst/>
-                <a:latin typeface="-apple-system"/>
-              </a:rPr>
-              <a:t>Node</a:t>
-            </a:r>
-            <a:r>
-              <a:rPr kumimoji="1" lang="zh-CN" altLang="en-US" b="0" i="0" u="none" strike="noStrike" dirty="0">
-                <a:solidFill>
-                  <a:srgbClr val="6A737D"/>
-                </a:solidFill>
-                <a:effectLst/>
-                <a:latin typeface="-apple-system"/>
-              </a:rPr>
-              <a:t>主要是提供运行环境</a:t>
-            </a:r>
-            <a:endParaRPr kumimoji="1" lang="en-US" altLang="zh-CN" b="0" i="0" u="none" strike="noStrike" dirty="0">
-              <a:solidFill>
-                <a:srgbClr val="6A737D"/>
-              </a:solidFill>
-              <a:effectLst/>
-              <a:latin typeface="-apple-system"/>
-            </a:endParaRPr>
-          </a:p>
-          <a:p>
-            <a:r>
-              <a:rPr lang="en-US" altLang="zh-CN" b="1" i="0" u="none" strike="noStrike" dirty="0" err="1">
-                <a:solidFill>
-                  <a:srgbClr val="6A737D"/>
-                </a:solidFill>
-                <a:effectLst/>
-                <a:latin typeface="-apple-system"/>
-              </a:rPr>
-              <a:t>Kubelet</a:t>
-            </a:r>
-            <a:r>
-              <a:rPr lang="en-US" altLang="zh-CN" b="0" i="0" u="none" strike="noStrike" dirty="0">
-                <a:solidFill>
-                  <a:srgbClr val="6A737D"/>
-                </a:solidFill>
-                <a:effectLst/>
-                <a:latin typeface="-apple-system"/>
-              </a:rPr>
-              <a:t> : </a:t>
-            </a:r>
-            <a:r>
-              <a:rPr lang="zh-CN" altLang="en-US" b="0" i="0" u="none" strike="noStrike" dirty="0">
-                <a:solidFill>
-                  <a:srgbClr val="6A737D"/>
-                </a:solidFill>
-                <a:effectLst/>
-                <a:latin typeface="-apple-system"/>
-              </a:rPr>
-              <a:t>负责维护容器的生命周期，即通过控制</a:t>
-            </a:r>
-            <a:r>
-              <a:rPr lang="en-US" altLang="zh-CN" b="0" i="0" u="none" strike="noStrike" dirty="0">
-                <a:solidFill>
-                  <a:srgbClr val="6A737D"/>
-                </a:solidFill>
-                <a:effectLst/>
-                <a:latin typeface="-apple-system"/>
-              </a:rPr>
-              <a:t>docker</a:t>
-            </a:r>
-            <a:r>
-              <a:rPr lang="zh-CN" altLang="en-US" b="0" i="0" u="none" strike="noStrike" dirty="0">
-                <a:solidFill>
-                  <a:srgbClr val="6A737D"/>
-                </a:solidFill>
-                <a:effectLst/>
-                <a:latin typeface="-apple-system"/>
-              </a:rPr>
-              <a:t>，来创建、更新、销毁容器</a:t>
-            </a:r>
-            <a:endParaRPr lang="en-US" altLang="zh-CN" b="0" i="0" u="none" strike="noStrike" dirty="0">
-              <a:solidFill>
-                <a:srgbClr val="6A737D"/>
-              </a:solidFill>
-              <a:effectLst/>
-              <a:latin typeface="-apple-system"/>
-            </a:endParaRPr>
-          </a:p>
-          <a:p>
-            <a:r>
-              <a:rPr lang="en-US" altLang="zh-CN" b="1" i="0" u="none" strike="noStrike" dirty="0" err="1">
-                <a:solidFill>
-                  <a:srgbClr val="6A737D"/>
-                </a:solidFill>
-                <a:effectLst/>
-                <a:latin typeface="-apple-system"/>
-              </a:rPr>
-              <a:t>KubeProxy</a:t>
-            </a:r>
-            <a:r>
-              <a:rPr lang="en-US" altLang="zh-CN" b="0" i="0" u="none" strike="noStrike" dirty="0">
-                <a:solidFill>
-                  <a:srgbClr val="6A737D"/>
-                </a:solidFill>
-                <a:effectLst/>
-                <a:latin typeface="-apple-system"/>
-              </a:rPr>
-              <a:t> : </a:t>
-            </a:r>
-            <a:r>
-              <a:rPr lang="zh-CN" altLang="en-US" b="0" i="0" u="none" strike="noStrike" dirty="0">
-                <a:solidFill>
-                  <a:srgbClr val="6A737D"/>
-                </a:solidFill>
-                <a:effectLst/>
-                <a:latin typeface="-apple-system"/>
-              </a:rPr>
-              <a:t>负责提供集群内部的服务发现和负载均衡。（</a:t>
-            </a:r>
-            <a:r>
-              <a:rPr lang="en-US" altLang="zh-CN" b="0" i="0" u="none" strike="noStrike" dirty="0">
-                <a:solidFill>
-                  <a:srgbClr val="6A737D"/>
-                </a:solidFill>
-                <a:effectLst/>
-                <a:latin typeface="-apple-system"/>
-              </a:rPr>
-              <a:t>Node</a:t>
-            </a:r>
-            <a:r>
-              <a:rPr lang="zh-CN" altLang="en-US" b="0" i="0" u="none" strike="noStrike" dirty="0">
-                <a:solidFill>
-                  <a:srgbClr val="6A737D"/>
-                </a:solidFill>
-                <a:effectLst/>
-                <a:latin typeface="-apple-system"/>
-              </a:rPr>
-              <a:t>中运行了</a:t>
-            </a:r>
-            <a:r>
-              <a:rPr lang="en-US" altLang="zh-CN" b="0" i="0" u="none" strike="noStrike" dirty="0" err="1">
-                <a:solidFill>
-                  <a:srgbClr val="6A737D"/>
-                </a:solidFill>
-                <a:effectLst/>
-                <a:latin typeface="-apple-system"/>
-              </a:rPr>
-              <a:t>nginx</a:t>
-            </a:r>
-            <a:r>
-              <a:rPr lang="zh-CN" altLang="en-US" b="0" i="0" u="none" strike="noStrike" dirty="0">
-                <a:solidFill>
-                  <a:srgbClr val="6A737D"/>
-                </a:solidFill>
-                <a:effectLst/>
-                <a:latin typeface="-apple-system"/>
-              </a:rPr>
-              <a:t>，通过</a:t>
-            </a:r>
-            <a:r>
-              <a:rPr lang="en-US" altLang="zh-CN" b="0" i="0" u="none" strike="noStrike" dirty="0" err="1">
-                <a:solidFill>
-                  <a:srgbClr val="6A737D"/>
-                </a:solidFill>
-                <a:effectLst/>
-                <a:latin typeface="-apple-system"/>
-              </a:rPr>
-              <a:t>kubeproxy</a:t>
-            </a:r>
-            <a:r>
-              <a:rPr lang="zh-CN" altLang="en-US" b="0" i="0" u="none" strike="noStrike" dirty="0">
-                <a:solidFill>
-                  <a:srgbClr val="6A737D"/>
-                </a:solidFill>
-                <a:effectLst/>
-                <a:latin typeface="-apple-system"/>
-              </a:rPr>
-              <a:t>访问）</a:t>
-            </a:r>
+              <a:t>需要资源的大小等数据。</a:t>
+            </a:r>
+          </a:p>
+          <a:p>
             <a:endParaRPr kumimoji="1" lang="zh-CN" altLang="en-US" dirty="0"/>
           </a:p>
         </p:txBody>
@@ -1590,7 +2930,7 @@
     </p:spTree>
     <p:extLst>
       <p:ext uri="{BB962C8B-B14F-4D97-AF65-F5344CB8AC3E}">
-        <p14:creationId xmlns:p14="http://schemas.microsoft.com/office/powerpoint/2010/main" val="926491308"/>
+        <p14:creationId xmlns:p14="http://schemas.microsoft.com/office/powerpoint/2010/main" val="4137893998"/>
       </p:ext>
     </p:extLst>
   </p:cSld>
@@ -1644,123 +2984,729 @@
           <a:bodyPr/>
           <a:lstStyle/>
           <a:p>
-            <a:pPr algn="l"/>
+            <a:r>
+              <a:rPr kumimoji="1" lang="en-US" altLang="zh-CN" b="1" dirty="0"/>
+              <a:t>K8s</a:t>
+            </a:r>
+            <a:r>
+              <a:rPr kumimoji="1" lang="zh-CN" altLang="en-US" b="1" dirty="0"/>
+              <a:t>的核心操作对象是</a:t>
+            </a:r>
+            <a:r>
+              <a:rPr kumimoji="1" lang="en-US" altLang="zh-CN" b="1" dirty="0"/>
+              <a:t>API</a:t>
+            </a:r>
+            <a:r>
+              <a:rPr kumimoji="1" lang="zh-CN" altLang="en-US" dirty="0"/>
+              <a:t>，</a:t>
+            </a:r>
+            <a:r>
+              <a:rPr kumimoji="1" lang="en-US" altLang="zh-CN" dirty="0"/>
+              <a:t>k8s</a:t>
+            </a:r>
+            <a:r>
+              <a:rPr kumimoji="1" lang="zh-CN" altLang="en-US" dirty="0"/>
+              <a:t>每支持一项新功能，引入一项新技术，一定会引入对应的</a:t>
+            </a:r>
+            <a:r>
+              <a:rPr kumimoji="1" lang="en-US" altLang="zh-CN" dirty="0"/>
+              <a:t>API</a:t>
+            </a:r>
+            <a:r>
+              <a:rPr kumimoji="1" lang="zh-CN" altLang="en-US" dirty="0"/>
+              <a:t>对象，支持对该功能的管理操作。</a:t>
+            </a:r>
+            <a:endParaRPr kumimoji="1" lang="en-US" altLang="zh-CN" dirty="0"/>
+          </a:p>
+          <a:p>
+            <a:endParaRPr kumimoji="1" lang="en-US" altLang="zh-CN" dirty="0"/>
+          </a:p>
+          <a:p>
+            <a:r>
+              <a:rPr lang="zh-CN" altLang="en-US" b="1" i="0" u="none" strike="noStrike" dirty="0">
+                <a:solidFill>
+                  <a:srgbClr val="555555"/>
+                </a:solidFill>
+                <a:effectLst/>
+                <a:latin typeface="Microsoft Yahei" panose="020B0503020204020204" pitchFamily="34" charset="-122"/>
+                <a:ea typeface="Microsoft Yahei" panose="020B0503020204020204" pitchFamily="34" charset="-122"/>
+              </a:rPr>
+              <a:t>声明式</a:t>
+            </a:r>
             <a:r>
               <a:rPr lang="zh-CN" altLang="en-US" b="0" i="0" u="none" strike="noStrike" dirty="0">
                 <a:solidFill>
-                  <a:srgbClr val="B0B1AC"/>
-                </a:solidFill>
-                <a:effectLst/>
-                <a:latin typeface="Helvetica Neue" panose="02000503000000020004" pitchFamily="2" charset="0"/>
-              </a:rPr>
-              <a:t>云原生是一种方法，用于构建和运行充分利用云计算模型优势的应用。云计算不再将重点放在资本投资和员工上来运行企业数据中心，而是提供无限制的按需计算能力和根据使用情况付费的功能，从而重新定义了几乎所有行业的竞争格局。</a:t>
+                  <a:srgbClr val="555555"/>
+                </a:solidFill>
+                <a:effectLst/>
+                <a:latin typeface="Microsoft Yahei" panose="020B0503020204020204" pitchFamily="34" charset="-122"/>
+                <a:ea typeface="Microsoft Yahei" panose="020B0503020204020204" pitchFamily="34" charset="-122"/>
+              </a:rPr>
+              <a:t>的操作，相对于命令式操作，对于重复操作的效果是稳定的，这对于容易出现数据丢失或重复的分布式环境来说是很重要的。另外，声明式操作更容易被用户使用，可以使系统向用户隐藏实现的细节，隐藏实现的细节的同时，也就保留了系统未来持续优化的可能性。此外，声明式的</a:t>
             </a:r>
             <a:r>
               <a:rPr lang="en-US" altLang="zh-CN" b="0" i="0" u="none" strike="noStrike" dirty="0">
                 <a:solidFill>
-                  <a:srgbClr val="B0B1AC"/>
-                </a:solidFill>
-                <a:effectLst/>
-                <a:latin typeface="Helvetica Neue" panose="02000503000000020004" pitchFamily="2" charset="0"/>
-              </a:rPr>
-              <a:t>IT </a:t>
+                  <a:srgbClr val="555555"/>
+                </a:solidFill>
+                <a:effectLst/>
+                <a:latin typeface="Microsoft Yahei" panose="020B0503020204020204" pitchFamily="34" charset="-122"/>
+                <a:ea typeface="Microsoft Yahei" panose="020B0503020204020204" pitchFamily="34" charset="-122"/>
+              </a:rPr>
+              <a:t>API</a:t>
             </a:r>
             <a:r>
               <a:rPr lang="zh-CN" altLang="en-US" b="0" i="0" u="none" strike="noStrike" dirty="0">
                 <a:solidFill>
-                  <a:srgbClr val="B0B1AC"/>
-                </a:solidFill>
-                <a:effectLst/>
-                <a:latin typeface="Helvetica Neue" panose="02000503000000020004" pitchFamily="2" charset="0"/>
-              </a:rPr>
-              <a:t>开销减少意味着入行的壁垒更低，这一竞争优势使得各团队可以快速将新想法推向市场，这就是软件正在占据世界，并且初创公司正在使用云原生方法来颠覆传统行业的原因。</a:t>
-            </a:r>
-          </a:p>
-          <a:p>
-            <a:pPr algn="l"/>
+                  <a:srgbClr val="555555"/>
+                </a:solidFill>
+                <a:effectLst/>
+                <a:latin typeface="Microsoft Yahei" panose="020B0503020204020204" pitchFamily="34" charset="-122"/>
+                <a:ea typeface="Microsoft Yahei" panose="020B0503020204020204" pitchFamily="34" charset="-122"/>
+              </a:rPr>
+              <a:t>，同时隐含了所有的</a:t>
+            </a:r>
+            <a:r>
+              <a:rPr lang="en-US" altLang="zh-CN" b="0" i="0" u="none" strike="noStrike" dirty="0">
+                <a:solidFill>
+                  <a:srgbClr val="555555"/>
+                </a:solidFill>
+                <a:effectLst/>
+                <a:latin typeface="Microsoft Yahei" panose="020B0503020204020204" pitchFamily="34" charset="-122"/>
+                <a:ea typeface="Microsoft Yahei" panose="020B0503020204020204" pitchFamily="34" charset="-122"/>
+              </a:rPr>
+              <a:t>API</a:t>
+            </a:r>
             <a:r>
               <a:rPr lang="zh-CN" altLang="en-US" b="0" i="0" u="none" strike="noStrike" dirty="0">
                 <a:solidFill>
-                  <a:srgbClr val="B0B1AC"/>
-                </a:solidFill>
-                <a:effectLst/>
-                <a:latin typeface="Helvetica Neue" panose="02000503000000020004" pitchFamily="2" charset="0"/>
-              </a:rPr>
-              <a:t>但是，企业需要一个用于构建和运行云原生应用和服务的平台，来自动执行并集成 </a:t>
+                  <a:srgbClr val="555555"/>
+                </a:solidFill>
+                <a:effectLst/>
+                <a:latin typeface="Microsoft Yahei" panose="020B0503020204020204" pitchFamily="34" charset="-122"/>
+                <a:ea typeface="Microsoft Yahei" panose="020B0503020204020204" pitchFamily="34" charset="-122"/>
+              </a:rPr>
+              <a:t>对象都是名词性质的，例如</a:t>
             </a:r>
             <a:r>
               <a:rPr lang="en-US" altLang="zh-CN" b="0" i="0" u="none" strike="noStrike" dirty="0">
                 <a:solidFill>
-                  <a:srgbClr val="B0B1AC"/>
-                </a:solidFill>
-                <a:effectLst/>
-                <a:latin typeface="Helvetica Neue" panose="02000503000000020004" pitchFamily="2" charset="0"/>
-              </a:rPr>
-              <a:t>DevOps</a:t>
+                  <a:srgbClr val="555555"/>
+                </a:solidFill>
+                <a:effectLst/>
+                <a:latin typeface="Microsoft Yahei" panose="020B0503020204020204" pitchFamily="34" charset="-122"/>
+                <a:ea typeface="Microsoft Yahei" panose="020B0503020204020204" pitchFamily="34" charset="-122"/>
+              </a:rPr>
+              <a:t>Service</a:t>
             </a:r>
             <a:r>
               <a:rPr lang="zh-CN" altLang="en-US" b="0" i="0" u="none" strike="noStrike" dirty="0">
                 <a:solidFill>
-                  <a:srgbClr val="B0B1AC"/>
-                </a:solidFill>
-                <a:effectLst/>
-                <a:latin typeface="Helvetica Neue" panose="02000503000000020004" pitchFamily="2" charset="0"/>
-              </a:rPr>
-              <a:t>、持续交付、微服务和容器等概念</a:t>
-            </a:r>
-          </a:p>
-          <a:p>
+                  <a:srgbClr val="555555"/>
+                </a:solidFill>
+                <a:effectLst/>
+                <a:latin typeface="Microsoft Yahei" panose="020B0503020204020204" pitchFamily="34" charset="-122"/>
+                <a:ea typeface="Microsoft Yahei" panose="020B0503020204020204" pitchFamily="34" charset="-122"/>
+              </a:rPr>
+              <a:t>、</a:t>
+            </a:r>
+            <a:r>
+              <a:rPr lang="en-US" altLang="zh-CN" b="0" i="0" u="none" strike="noStrike" dirty="0">
+                <a:solidFill>
+                  <a:srgbClr val="555555"/>
+                </a:solidFill>
+                <a:effectLst/>
+                <a:latin typeface="Microsoft Yahei" panose="020B0503020204020204" pitchFamily="34" charset="-122"/>
+                <a:ea typeface="Microsoft Yahei" panose="020B0503020204020204" pitchFamily="34" charset="-122"/>
+              </a:rPr>
+              <a:t>Volume</a:t>
+            </a:r>
             <a:r>
               <a:rPr lang="zh-CN" altLang="en-US" b="0" i="0" u="none" strike="noStrike" dirty="0">
                 <a:solidFill>
-                  <a:srgbClr val="606060"/>
-                </a:solidFill>
-                <a:effectLst/>
-                <a:latin typeface="open sans" panose="020B0606030504020204" pitchFamily="34" charset="0"/>
-              </a:rPr>
-              <a:t>向外部客户推出了基于 </a:t>
+                  <a:srgbClr val="555555"/>
+                </a:solidFill>
+                <a:effectLst/>
+                <a:latin typeface="Microsoft Yahei" panose="020B0503020204020204" pitchFamily="34" charset="-122"/>
+                <a:ea typeface="Microsoft Yahei" panose="020B0503020204020204" pitchFamily="34" charset="-122"/>
+              </a:rPr>
+              <a:t>这些</a:t>
             </a:r>
             <a:r>
               <a:rPr lang="en-US" altLang="zh-CN" b="0" i="0" u="none" strike="noStrike" dirty="0">
                 <a:solidFill>
-                  <a:srgbClr val="606060"/>
-                </a:solidFill>
-                <a:effectLst/>
-                <a:latin typeface="open sans" panose="020B0606030504020204" pitchFamily="34" charset="0"/>
-              </a:rPr>
-              <a:t>Kubernetes </a:t>
+                  <a:srgbClr val="555555"/>
+                </a:solidFill>
+                <a:effectLst/>
+                <a:latin typeface="Microsoft Yahei" panose="020B0503020204020204" pitchFamily="34" charset="-122"/>
+                <a:ea typeface="Microsoft Yahei" panose="020B0503020204020204" pitchFamily="34" charset="-122"/>
+              </a:rPr>
+              <a:t>API</a:t>
             </a:r>
             <a:r>
               <a:rPr lang="zh-CN" altLang="en-US" b="0" i="0" u="none" strike="noStrike" dirty="0">
                 <a:solidFill>
-                  <a:srgbClr val="606060"/>
-                </a:solidFill>
-                <a:effectLst/>
-                <a:latin typeface="open sans" panose="020B0606030504020204" pitchFamily="34" charset="0"/>
-              </a:rPr>
-              <a:t>的云和微服务型 </a:t>
-            </a:r>
-            <a:r>
-              <a:rPr lang="en-US" altLang="zh-CN" b="0" i="0" u="none" strike="noStrike" dirty="0">
-                <a:solidFill>
-                  <a:srgbClr val="606060"/>
-                </a:solidFill>
-                <a:effectLst/>
-                <a:latin typeface="open sans" panose="020B0606030504020204" pitchFamily="34" charset="0"/>
-              </a:rPr>
-              <a:t>PaaS </a:t>
-            </a:r>
-            <a:r>
-              <a:rPr lang="zh-CN" altLang="en-US" b="0" i="0" u="none" strike="noStrike" dirty="0">
-                <a:solidFill>
-                  <a:srgbClr val="606060"/>
-                </a:solidFill>
-                <a:effectLst/>
-                <a:latin typeface="open sans" panose="020B0606030504020204" pitchFamily="34" charset="0"/>
-              </a:rPr>
-              <a:t>产品。</a:t>
-            </a:r>
-            <a:endParaRPr kumimoji="1" lang="zh-CN" altLang="en-US" dirty="0"/>
+                  <a:srgbClr val="555555"/>
+                </a:solidFill>
+                <a:effectLst/>
+                <a:latin typeface="Microsoft Yahei" panose="020B0503020204020204" pitchFamily="34" charset="-122"/>
+                <a:ea typeface="Microsoft Yahei" panose="020B0503020204020204" pitchFamily="34" charset="-122"/>
+              </a:rPr>
+              <a:t>都是名词，这些名词描述了用户所期望得到的一个目标分布式对象。</a:t>
+            </a:r>
+            <a:endParaRPr lang="en-US" altLang="zh-CN" b="0" i="0" u="none" strike="noStrike" dirty="0">
+              <a:solidFill>
+                <a:srgbClr val="555555"/>
+              </a:solidFill>
+              <a:effectLst/>
+              <a:latin typeface="Microsoft Yahei" panose="020B0503020204020204" pitchFamily="34" charset="-122"/>
+              <a:ea typeface="Microsoft Yahei" panose="020B0503020204020204" pitchFamily="34" charset="-122"/>
+            </a:endParaRPr>
+          </a:p>
+          <a:p>
+            <a:endParaRPr kumimoji="1" lang="en-US" altLang="zh-CN" b="0" i="0" u="none" strike="noStrike" dirty="0">
+              <a:solidFill>
+                <a:srgbClr val="555555"/>
+              </a:solidFill>
+              <a:effectLst/>
+              <a:latin typeface="Microsoft Yahei" panose="020B0503020204020204" pitchFamily="34" charset="-122"/>
+              <a:ea typeface="Microsoft Yahei" panose="020B0503020204020204" pitchFamily="34" charset="-122"/>
+            </a:endParaRPr>
+          </a:p>
+          <a:p>
+            <a:r>
+              <a:rPr kumimoji="1" lang="zh-CN" altLang="en-US" b="0" i="0" u="none" strike="noStrike" dirty="0">
+                <a:solidFill>
+                  <a:srgbClr val="555555"/>
+                </a:solidFill>
+                <a:effectLst/>
+                <a:latin typeface="Microsoft Yahei" panose="020B0503020204020204" pitchFamily="34" charset="-122"/>
+                <a:ea typeface="Microsoft Yahei" panose="020B0503020204020204" pitchFamily="34" charset="-122"/>
+              </a:rPr>
+              <a:t>计算节点会被抽象成为</a:t>
+            </a:r>
+            <a:r>
+              <a:rPr kumimoji="1" lang="en-US" altLang="zh-CN" b="0" i="0" u="none" strike="noStrike" dirty="0">
+                <a:solidFill>
+                  <a:srgbClr val="555555"/>
+                </a:solidFill>
+                <a:effectLst/>
+                <a:latin typeface="Microsoft Yahei" panose="020B0503020204020204" pitchFamily="34" charset="-122"/>
+                <a:ea typeface="Microsoft Yahei" panose="020B0503020204020204" pitchFamily="34" charset="-122"/>
+              </a:rPr>
+              <a:t>node</a:t>
+            </a:r>
+            <a:r>
+              <a:rPr kumimoji="1" lang="zh-CN" altLang="en-US" b="0" i="0" u="none" strike="noStrike" dirty="0">
+                <a:solidFill>
+                  <a:srgbClr val="555555"/>
+                </a:solidFill>
+                <a:effectLst/>
+                <a:latin typeface="Microsoft Yahei" panose="020B0503020204020204" pitchFamily="34" charset="-122"/>
+                <a:ea typeface="Microsoft Yahei" panose="020B0503020204020204" pitchFamily="34" charset="-122"/>
+              </a:rPr>
+              <a:t>，计算节点上的应用实例抽象成</a:t>
+            </a:r>
+            <a:r>
+              <a:rPr kumimoji="1" lang="en-US" altLang="zh-CN" b="0" i="0" u="none" strike="noStrike" dirty="0">
+                <a:solidFill>
+                  <a:srgbClr val="555555"/>
+                </a:solidFill>
+                <a:effectLst/>
+                <a:latin typeface="Microsoft Yahei" panose="020B0503020204020204" pitchFamily="34" charset="-122"/>
+                <a:ea typeface="Microsoft Yahei" panose="020B0503020204020204" pitchFamily="34" charset="-122"/>
+              </a:rPr>
+              <a:t>pod</a:t>
+            </a:r>
+            <a:r>
+              <a:rPr kumimoji="1" lang="zh-CN" altLang="en-US" b="0" i="0" u="none" strike="noStrike" dirty="0">
+                <a:solidFill>
+                  <a:srgbClr val="555555"/>
+                </a:solidFill>
+                <a:effectLst/>
+                <a:latin typeface="Microsoft Yahei" panose="020B0503020204020204" pitchFamily="34" charset="-122"/>
+                <a:ea typeface="Microsoft Yahei" panose="020B0503020204020204" pitchFamily="34" charset="-122"/>
+              </a:rPr>
+              <a:t>， 对外提供服务抽象为</a:t>
+            </a:r>
+            <a:r>
+              <a:rPr kumimoji="1" lang="en-US" altLang="zh-CN" b="0" i="0" u="none" strike="noStrike" dirty="0">
+                <a:solidFill>
+                  <a:srgbClr val="555555"/>
+                </a:solidFill>
+                <a:effectLst/>
+                <a:latin typeface="Microsoft Yahei" panose="020B0503020204020204" pitchFamily="34" charset="-122"/>
+                <a:ea typeface="Microsoft Yahei" panose="020B0503020204020204" pitchFamily="34" charset="-122"/>
+              </a:rPr>
+              <a:t>service</a:t>
+            </a:r>
+          </a:p>
+          <a:p>
+            <a:r>
+              <a:rPr kumimoji="1" lang="en-US" altLang="zh-CN" b="1" i="0" u="none" strike="noStrike" dirty="0" err="1">
+                <a:solidFill>
+                  <a:srgbClr val="555555"/>
+                </a:solidFill>
+                <a:effectLst/>
+                <a:latin typeface="Microsoft Yahei" panose="020B0503020204020204" pitchFamily="34" charset="-122"/>
+                <a:ea typeface="Microsoft Yahei" panose="020B0503020204020204" pitchFamily="34" charset="-122"/>
+              </a:rPr>
+              <a:t>TypeMeta</a:t>
+            </a:r>
+            <a:r>
+              <a:rPr kumimoji="1" lang="en-US" altLang="zh-CN" b="0" i="0" u="none" strike="noStrike" dirty="0">
+                <a:solidFill>
+                  <a:srgbClr val="555555"/>
+                </a:solidFill>
+                <a:effectLst/>
+                <a:latin typeface="Microsoft Yahei" panose="020B0503020204020204" pitchFamily="34" charset="-122"/>
+                <a:ea typeface="Microsoft Yahei" panose="020B0503020204020204" pitchFamily="34" charset="-122"/>
+              </a:rPr>
+              <a:t>;</a:t>
+            </a:r>
+            <a:r>
+              <a:rPr kumimoji="1" lang="zh-CN" altLang="en-US" sz="1200" dirty="0"/>
+              <a:t>定义的这个对象是什么，解决了这个对象是什么的问题</a:t>
+            </a:r>
+            <a:endParaRPr kumimoji="1" lang="en-US" altLang="zh-CN" b="0" i="0" u="none" strike="noStrike" dirty="0">
+              <a:solidFill>
+                <a:srgbClr val="555555"/>
+              </a:solidFill>
+              <a:effectLst/>
+              <a:latin typeface="Microsoft Yahei" panose="020B0503020204020204" pitchFamily="34" charset="-122"/>
+              <a:ea typeface="Microsoft Yahei" panose="020B0503020204020204" pitchFamily="34" charset="-122"/>
+            </a:endParaRPr>
+          </a:p>
+          <a:p>
+            <a:r>
+              <a:rPr kumimoji="1" lang="zh-CN" altLang="en-US" b="0" i="0" u="none" strike="noStrike" dirty="0">
+                <a:solidFill>
+                  <a:srgbClr val="555555"/>
+                </a:solidFill>
+                <a:effectLst/>
+                <a:latin typeface="Microsoft Yahei" panose="020B0503020204020204" pitchFamily="34" charset="-122"/>
+                <a:ea typeface="Microsoft Yahei" panose="020B0503020204020204" pitchFamily="34" charset="-122"/>
+              </a:rPr>
+              <a:t>在</a:t>
+            </a:r>
+            <a:r>
+              <a:rPr kumimoji="1" lang="en-US" altLang="zh-CN" b="0" i="0" u="none" strike="noStrike" dirty="0">
+                <a:solidFill>
+                  <a:srgbClr val="555555"/>
+                </a:solidFill>
+                <a:effectLst/>
+                <a:latin typeface="Microsoft Yahei" panose="020B0503020204020204" pitchFamily="34" charset="-122"/>
+                <a:ea typeface="Microsoft Yahei" panose="020B0503020204020204" pitchFamily="34" charset="-122"/>
+              </a:rPr>
+              <a:t>pod</a:t>
+            </a:r>
+            <a:r>
+              <a:rPr kumimoji="1" lang="zh-CN" altLang="en-US" b="0" i="0" u="none" strike="noStrike" dirty="0">
+                <a:solidFill>
+                  <a:srgbClr val="555555"/>
+                </a:solidFill>
+                <a:effectLst/>
+                <a:latin typeface="Microsoft Yahei" panose="020B0503020204020204" pitchFamily="34" charset="-122"/>
+                <a:ea typeface="Microsoft Yahei" panose="020B0503020204020204" pitchFamily="34" charset="-122"/>
+              </a:rPr>
+              <a:t>的描述文件</a:t>
+            </a:r>
+            <a:r>
+              <a:rPr kumimoji="1" lang="en-US" altLang="zh-CN" b="0" i="0" u="none" strike="noStrike" dirty="0" err="1">
+                <a:solidFill>
+                  <a:srgbClr val="555555"/>
+                </a:solidFill>
+                <a:effectLst/>
+                <a:latin typeface="Microsoft Yahei" panose="020B0503020204020204" pitchFamily="34" charset="-122"/>
+                <a:ea typeface="Microsoft Yahei" panose="020B0503020204020204" pitchFamily="34" charset="-122"/>
+              </a:rPr>
+              <a:t>yaml</a:t>
+            </a:r>
+            <a:r>
+              <a:rPr kumimoji="1" lang="zh-CN" altLang="en-US" b="0" i="0" u="none" strike="noStrike" dirty="0">
+                <a:solidFill>
+                  <a:srgbClr val="555555"/>
+                </a:solidFill>
+                <a:effectLst/>
+                <a:latin typeface="Microsoft Yahei" panose="020B0503020204020204" pitchFamily="34" charset="-122"/>
+                <a:ea typeface="Microsoft Yahei" panose="020B0503020204020204" pitchFamily="34" charset="-122"/>
+              </a:rPr>
+              <a:t>中最开始的几项用来描述版本号 种类 组的字段</a:t>
+            </a:r>
+            <a:endParaRPr kumimoji="1" lang="en-US" altLang="zh-CN" b="0" i="0" u="none" strike="noStrike" dirty="0">
+              <a:solidFill>
+                <a:srgbClr val="555555"/>
+              </a:solidFill>
+              <a:effectLst/>
+              <a:latin typeface="Microsoft Yahei" panose="020B0503020204020204" pitchFamily="34" charset="-122"/>
+              <a:ea typeface="Microsoft Yahei" panose="020B0503020204020204" pitchFamily="34" charset="-122"/>
+            </a:endParaRPr>
+          </a:p>
+          <a:p>
+            <a:pPr marL="0" marR="0" lvl="0" indent="0" algn="l" defTabSz="914400" rtl="0" eaLnBrk="1" fontAlgn="auto" latinLnBrk="0" hangingPunct="1">
+              <a:lnSpc>
+                <a:spcPct val="100000"/>
+              </a:lnSpc>
+              <a:spcBef>
+                <a:spcPts val="0"/>
+              </a:spcBef>
+              <a:spcAft>
+                <a:spcPts val="0"/>
+              </a:spcAft>
+              <a:buClrTx/>
+              <a:buSzTx/>
+              <a:buFontTx/>
+              <a:buNone/>
+              <a:tabLst/>
+              <a:defRPr/>
+            </a:pPr>
+            <a:r>
+              <a:rPr kumimoji="1" lang="en-US" altLang="zh-CN" dirty="0"/>
+              <a:t>	</a:t>
+            </a:r>
+            <a:r>
+              <a:rPr kumimoji="1" lang="en-US" altLang="zh-CN" sz="1200" b="1" dirty="0"/>
+              <a:t>Group</a:t>
+            </a:r>
+            <a:r>
+              <a:rPr kumimoji="1" lang="zh-CN" altLang="en-US" sz="1200" dirty="0"/>
+              <a:t> 按照不同的用法和意图对</a:t>
+            </a:r>
+            <a:r>
+              <a:rPr kumimoji="1" lang="en-US" altLang="zh-CN" sz="1200" dirty="0"/>
+              <a:t>k8s</a:t>
+            </a:r>
+            <a:r>
+              <a:rPr kumimoji="1" lang="zh-CN" altLang="en-US" sz="1200" dirty="0"/>
+              <a:t>的对象进行分组</a:t>
+            </a:r>
+            <a:endParaRPr kumimoji="1" lang="en-US" altLang="zh-CN" sz="1200" dirty="0"/>
+          </a:p>
+          <a:p>
+            <a:r>
+              <a:rPr kumimoji="1" lang="en-US" altLang="zh-CN" dirty="0"/>
+              <a:t>	</a:t>
+            </a:r>
+            <a:r>
+              <a:rPr kumimoji="1" lang="en-US" altLang="zh-CN" sz="1200" dirty="0"/>
+              <a:t>Kind</a:t>
+            </a:r>
+            <a:r>
+              <a:rPr kumimoji="1" lang="zh-CN" altLang="en-US" sz="1200" dirty="0"/>
+              <a:t>：对象的类是什么，也就是这个对象属于哪一类</a:t>
+            </a:r>
+            <a:endParaRPr kumimoji="1" lang="en-US" altLang="zh-CN" sz="1200" dirty="0"/>
+          </a:p>
+          <a:p>
+            <a:r>
+              <a:rPr kumimoji="1" lang="en-US" altLang="zh-CN" sz="1200" dirty="0"/>
+              <a:t>	version</a:t>
+            </a:r>
+            <a:r>
+              <a:rPr kumimoji="1" lang="zh-CN" altLang="en-US" sz="1200" dirty="0"/>
+              <a:t> 对版本控制，提供版本演进的能力，通过不同版本来访问实现</a:t>
+            </a:r>
+            <a:endParaRPr kumimoji="1" lang="en-US" altLang="zh-CN" sz="1200" dirty="0"/>
+          </a:p>
+          <a:p>
+            <a:r>
+              <a:rPr kumimoji="1" lang="en-US" altLang="zh-CN" sz="1200" b="1" dirty="0"/>
+              <a:t>Metadata:</a:t>
+            </a:r>
+            <a:r>
+              <a:rPr kumimoji="1" lang="zh-CN" altLang="en-US" sz="1200" b="0" dirty="0"/>
+              <a:t>解决的是我是谁的问题。</a:t>
+            </a:r>
+            <a:endParaRPr kumimoji="1" lang="en-US" altLang="zh-CN" sz="1200" b="0" dirty="0"/>
+          </a:p>
+          <a:p>
+            <a:r>
+              <a:rPr kumimoji="1" lang="en-US" altLang="zh-CN" sz="1200" b="0" dirty="0"/>
+              <a:t>	</a:t>
+            </a:r>
+            <a:r>
+              <a:rPr kumimoji="1" lang="en-US" altLang="zh-CN" sz="1200" dirty="0"/>
+              <a:t>Namespace</a:t>
+            </a:r>
+            <a:r>
+              <a:rPr kumimoji="1" lang="zh-CN" altLang="en-US" sz="1200" dirty="0"/>
+              <a:t>：相当于一个文件夹，将对象放到</a:t>
+            </a:r>
+            <a:r>
+              <a:rPr kumimoji="1" lang="en-US" altLang="zh-CN" sz="1200" dirty="0"/>
+              <a:t>namespace</a:t>
+            </a:r>
+            <a:r>
+              <a:rPr kumimoji="1" lang="zh-CN" altLang="en-US" sz="1200" dirty="0"/>
+              <a:t>内，通过</a:t>
+            </a:r>
+            <a:r>
+              <a:rPr kumimoji="1" lang="en-US" altLang="zh-CN" sz="1200" dirty="0"/>
+              <a:t>namespace</a:t>
+            </a:r>
+            <a:r>
+              <a:rPr kumimoji="1" lang="zh-CN" altLang="en-US" sz="1200" dirty="0"/>
+              <a:t>才能够访问</a:t>
+            </a:r>
+            <a:endParaRPr kumimoji="1" lang="en-US" altLang="zh-CN" sz="1200" dirty="0"/>
+          </a:p>
+          <a:p>
+            <a:r>
+              <a:rPr kumimoji="1" lang="en-US" altLang="zh-CN" sz="1200" b="0" dirty="0"/>
+              <a:t>	Name</a:t>
+            </a:r>
+            <a:r>
+              <a:rPr kumimoji="1" lang="zh-CN" altLang="en-US" sz="1200" b="0" dirty="0"/>
+              <a:t>：名字</a:t>
+            </a:r>
+            <a:endParaRPr kumimoji="1" lang="en-US" altLang="zh-CN" sz="1200" b="0" dirty="0"/>
+          </a:p>
+          <a:p>
+            <a:pPr marL="0" marR="0" lvl="0" indent="0" algn="l" defTabSz="914400" rtl="0" eaLnBrk="1" fontAlgn="auto" latinLnBrk="0" hangingPunct="1">
+              <a:lnSpc>
+                <a:spcPct val="100000"/>
+              </a:lnSpc>
+              <a:spcBef>
+                <a:spcPts val="0"/>
+              </a:spcBef>
+              <a:spcAft>
+                <a:spcPts val="0"/>
+              </a:spcAft>
+              <a:buClrTx/>
+              <a:buSzTx/>
+              <a:buFontTx/>
+              <a:buNone/>
+              <a:tabLst/>
+              <a:defRPr/>
+            </a:pPr>
+            <a:r>
+              <a:rPr kumimoji="1" lang="en-US" altLang="zh-CN" sz="1200" b="0" dirty="0"/>
+              <a:t>	</a:t>
+            </a:r>
+            <a:r>
+              <a:rPr kumimoji="1" lang="en-US" altLang="zh-CN" sz="1200" dirty="0"/>
+              <a:t>Labels</a:t>
+            </a:r>
+            <a:r>
+              <a:rPr kumimoji="1" lang="zh-CN" altLang="en-US" sz="1200" dirty="0"/>
+              <a:t> </a:t>
+            </a:r>
+            <a:r>
+              <a:rPr kumimoji="1" lang="en-US" altLang="zh-CN" sz="1200" dirty="0"/>
+              <a:t>&amp;</a:t>
+            </a:r>
+            <a:r>
+              <a:rPr kumimoji="1" lang="zh-CN" altLang="en-US" sz="1200" dirty="0"/>
+              <a:t> </a:t>
+            </a:r>
+            <a:r>
+              <a:rPr kumimoji="1" lang="en-US" altLang="zh-CN" sz="1200" dirty="0"/>
+              <a:t>Annotation</a:t>
+            </a:r>
+            <a:r>
+              <a:rPr kumimoji="1" lang="zh-CN" altLang="en-US" sz="1200" b="0" dirty="0"/>
+              <a:t>：给</a:t>
+            </a:r>
+            <a:r>
+              <a:rPr kumimoji="1" lang="en-US" altLang="zh-CN" sz="1200" b="0" dirty="0"/>
+              <a:t>k8s</a:t>
+            </a:r>
+            <a:r>
+              <a:rPr kumimoji="1" lang="zh-CN" altLang="en-US" sz="1200" b="0" dirty="0"/>
+              <a:t>对象加注解 。这个实际上是一个个的键值对，比如要标注一个对象是生产环境</a:t>
+            </a:r>
+            <a:r>
+              <a:rPr kumimoji="1" lang="en-US" altLang="zh-CN" sz="1200" b="0" dirty="0"/>
+              <a:t>-&gt;</a:t>
+            </a:r>
+            <a:r>
+              <a:rPr kumimoji="1" lang="zh-CN" altLang="en-US" sz="1200" b="0" dirty="0"/>
+              <a:t> </a:t>
+            </a:r>
+            <a:r>
+              <a:rPr kumimoji="1" lang="en-US" altLang="zh-CN" sz="1200" b="0" dirty="0"/>
+              <a:t>env=prod</a:t>
+            </a:r>
+            <a:r>
+              <a:rPr kumimoji="1" lang="zh-CN" altLang="en-US" sz="1200" b="0" dirty="0"/>
+              <a:t> </a:t>
+            </a:r>
+            <a:endParaRPr kumimoji="1" lang="en-US" altLang="zh-CN" sz="1200" b="0" dirty="0"/>
+          </a:p>
+          <a:p>
+            <a:pPr marL="0" marR="0" lvl="0" indent="0" algn="l" defTabSz="914400" rtl="0" eaLnBrk="1" fontAlgn="auto" latinLnBrk="0" hangingPunct="1">
+              <a:lnSpc>
+                <a:spcPct val="100000"/>
+              </a:lnSpc>
+              <a:spcBef>
+                <a:spcPts val="0"/>
+              </a:spcBef>
+              <a:spcAft>
+                <a:spcPts val="0"/>
+              </a:spcAft>
+              <a:buClrTx/>
+              <a:buSzTx/>
+              <a:buFontTx/>
+              <a:buNone/>
+              <a:tabLst/>
+              <a:defRPr/>
+            </a:pPr>
+            <a:r>
+              <a:rPr kumimoji="1" lang="en-US" altLang="zh-CN" sz="1200" b="0" dirty="0"/>
+              <a:t>			label</a:t>
+            </a:r>
+            <a:r>
+              <a:rPr kumimoji="1" lang="zh-CN" altLang="en-US" sz="1200" b="0" dirty="0"/>
+              <a:t>和</a:t>
+            </a:r>
+            <a:r>
+              <a:rPr kumimoji="1" lang="en-US" altLang="zh-CN" sz="1200" b="0" dirty="0"/>
+              <a:t>annotation</a:t>
+            </a:r>
+            <a:r>
+              <a:rPr kumimoji="1" lang="zh-CN" altLang="en-US" sz="1200" b="0" dirty="0"/>
+              <a:t>的区别：</a:t>
+            </a:r>
+            <a:r>
+              <a:rPr kumimoji="1" lang="en-US" altLang="zh-CN" sz="1200" b="0" dirty="0"/>
+              <a:t>label</a:t>
+            </a:r>
+            <a:r>
+              <a:rPr kumimoji="1" lang="zh-CN" altLang="en-US" sz="1200" b="0" dirty="0"/>
+              <a:t>是可以做过滤查询的，通常使用</a:t>
+            </a:r>
+            <a:r>
+              <a:rPr kumimoji="1" lang="en-US" altLang="zh-CN" sz="1200" b="0" dirty="0"/>
+              <a:t>label</a:t>
+            </a:r>
+            <a:r>
+              <a:rPr kumimoji="1" lang="zh-CN" altLang="en-US" sz="1200" b="0" dirty="0"/>
+              <a:t>做过滤查询。</a:t>
+            </a:r>
+            <a:endParaRPr kumimoji="1" lang="en-US" altLang="zh-CN" sz="1200" b="0" dirty="0"/>
+          </a:p>
+          <a:p>
+            <a:pPr marL="0" marR="0" lvl="0" indent="0" algn="l" defTabSz="914400" rtl="0" eaLnBrk="1" fontAlgn="auto" latinLnBrk="0" hangingPunct="1">
+              <a:lnSpc>
+                <a:spcPct val="100000"/>
+              </a:lnSpc>
+              <a:spcBef>
+                <a:spcPts val="0"/>
+              </a:spcBef>
+              <a:spcAft>
+                <a:spcPts val="0"/>
+              </a:spcAft>
+              <a:buClrTx/>
+              <a:buSzTx/>
+              <a:buFontTx/>
+              <a:buNone/>
+              <a:tabLst/>
+              <a:defRPr/>
+            </a:pPr>
+            <a:r>
+              <a:rPr kumimoji="1" lang="en-US" altLang="zh-CN" sz="1200" b="0" dirty="0"/>
+              <a:t>			annotation</a:t>
+            </a:r>
+            <a:r>
+              <a:rPr kumimoji="1" lang="zh-CN" altLang="en-US" sz="1200" b="0" dirty="0"/>
+              <a:t>：在定义好的对象上添加一些额外的属性，就使用</a:t>
+            </a:r>
+            <a:r>
+              <a:rPr kumimoji="1" lang="en-US" altLang="zh-CN" sz="1200" b="0" dirty="0"/>
+              <a:t>annotation</a:t>
+            </a:r>
+          </a:p>
+          <a:p>
+            <a:pPr marL="0" marR="0" lvl="0" indent="0" algn="l" defTabSz="914400" rtl="0" eaLnBrk="1" fontAlgn="auto" latinLnBrk="0" hangingPunct="1">
+              <a:lnSpc>
+                <a:spcPct val="100000"/>
+              </a:lnSpc>
+              <a:spcBef>
+                <a:spcPts val="0"/>
+              </a:spcBef>
+              <a:spcAft>
+                <a:spcPts val="0"/>
+              </a:spcAft>
+              <a:buClrTx/>
+              <a:buSzTx/>
+              <a:buFontTx/>
+              <a:buNone/>
+              <a:tabLst/>
+              <a:defRPr/>
+            </a:pPr>
+            <a:r>
+              <a:rPr kumimoji="1" lang="en-US" altLang="zh-CN" sz="1200" b="1" dirty="0"/>
+              <a:t>Finalizers</a:t>
+            </a:r>
+            <a:r>
+              <a:rPr kumimoji="1" lang="zh-CN" altLang="en-US" sz="1200" b="1" dirty="0"/>
+              <a:t>： </a:t>
+            </a:r>
+            <a:r>
+              <a:rPr kumimoji="1" lang="zh-CN" altLang="en-US" sz="1200" b="0" dirty="0"/>
+              <a:t>删除对象的时候使用的是逻辑删除，当</a:t>
+            </a:r>
+            <a:r>
+              <a:rPr kumimoji="1" lang="en-US" altLang="zh-CN" sz="1200" b="0" dirty="0"/>
+              <a:t>Finalizers</a:t>
+            </a:r>
+            <a:r>
+              <a:rPr kumimoji="1" lang="zh-CN" altLang="en-US" sz="1200" dirty="0"/>
+              <a:t>不为空的时候才会实现物理删除对象 （通过这种方式保护外部配置不泄漏，不会存在没有删除的脏数据）</a:t>
+            </a:r>
+            <a:endParaRPr kumimoji="1" lang="en-US" altLang="zh-CN" sz="1200" dirty="0"/>
+          </a:p>
+          <a:p>
+            <a:pPr marL="0" marR="0" lvl="0" indent="0" algn="l" defTabSz="914400" rtl="0" eaLnBrk="1" fontAlgn="auto" latinLnBrk="0" hangingPunct="1">
+              <a:lnSpc>
+                <a:spcPct val="100000"/>
+              </a:lnSpc>
+              <a:spcBef>
+                <a:spcPts val="0"/>
+              </a:spcBef>
+              <a:spcAft>
+                <a:spcPts val="0"/>
+              </a:spcAft>
+              <a:buClrTx/>
+              <a:buSzTx/>
+              <a:buFontTx/>
+              <a:buNone/>
+              <a:tabLst/>
+              <a:defRPr/>
+            </a:pPr>
+            <a:r>
+              <a:rPr kumimoji="1" lang="en-US" altLang="zh-CN" sz="1200" b="1" dirty="0" err="1"/>
+              <a:t>ResourceVersion</a:t>
+            </a:r>
+            <a:r>
+              <a:rPr kumimoji="1" lang="zh-CN" altLang="en-US" sz="1200" b="1" dirty="0"/>
+              <a:t>：</a:t>
+            </a:r>
+            <a:r>
+              <a:rPr kumimoji="1" lang="zh-CN" altLang="en-US" sz="1200" b="0" dirty="0"/>
+              <a:t>乐观锁，解决多控制器写的问题</a:t>
+            </a:r>
+            <a:endParaRPr kumimoji="1" lang="en-US" altLang="zh-CN" sz="1200" b="0" dirty="0"/>
+          </a:p>
+          <a:p>
+            <a:pPr marL="0" marR="0" lvl="0" indent="0" algn="l" defTabSz="914400" rtl="0" eaLnBrk="1" fontAlgn="auto" latinLnBrk="0" hangingPunct="1">
+              <a:lnSpc>
+                <a:spcPct val="100000"/>
+              </a:lnSpc>
+              <a:spcBef>
+                <a:spcPts val="0"/>
+              </a:spcBef>
+              <a:spcAft>
+                <a:spcPts val="0"/>
+              </a:spcAft>
+              <a:buClrTx/>
+              <a:buSzTx/>
+              <a:buFontTx/>
+              <a:buNone/>
+              <a:tabLst/>
+              <a:defRPr/>
+            </a:pPr>
+            <a:endParaRPr kumimoji="1" lang="en-US" altLang="zh-CN" sz="1200" b="1" dirty="0"/>
           </a:p>
         </p:txBody>
       </p:sp>
@@ -1790,7 +3736,1277 @@
     </p:spTree>
     <p:extLst>
       <p:ext uri="{BB962C8B-B14F-4D97-AF65-F5344CB8AC3E}">
-        <p14:creationId xmlns:p14="http://schemas.microsoft.com/office/powerpoint/2010/main" val="2972644877"/>
+        <p14:creationId xmlns:p14="http://schemas.microsoft.com/office/powerpoint/2010/main" val="2172869048"/>
+      </p:ext>
+    </p:extLst>
+  </p:cSld>
+  <p:clrMapOvr>
+    <a:masterClrMapping/>
+  </p:clrMapOvr>
+</p:notes>
+</file>
+
+<file path=ppt/notesSlides/notesSlide5.xml><?xml version="1.0" encoding="utf-8"?>
+<p:notes xmlns:a="http://schemas.openxmlformats.org/drawingml/2006/main" xmlns:r="http://schemas.openxmlformats.org/officeDocument/2006/relationships" xmlns:p="http://schemas.openxmlformats.org/presentationml/2006/main">
+  <p:cSld>
+    <p:spTree>
+      <p:nvGrpSpPr>
+        <p:cNvPr id="1" name=""/>
+        <p:cNvGrpSpPr/>
+        <p:nvPr/>
+      </p:nvGrpSpPr>
+      <p:grpSpPr>
+        <a:xfrm>
+          <a:off x="0" y="0"/>
+          <a:ext cx="0" cy="0"/>
+          <a:chOff x="0" y="0"/>
+          <a:chExt cx="0" cy="0"/>
+        </a:xfrm>
+      </p:grpSpPr>
+      <p:sp>
+        <p:nvSpPr>
+          <p:cNvPr id="2" name="幻灯片图像占位符 1"/>
+          <p:cNvSpPr>
+            <a:spLocks noGrp="1" noRot="1" noChangeAspect="1"/>
+          </p:cNvSpPr>
+          <p:nvPr>
+            <p:ph type="sldImg"/>
+          </p:nvPr>
+        </p:nvSpPr>
+        <p:spPr/>
+      </p:sp>
+      <p:sp>
+        <p:nvSpPr>
+          <p:cNvPr id="3" name="备注占位符 2"/>
+          <p:cNvSpPr>
+            <a:spLocks noGrp="1"/>
+          </p:cNvSpPr>
+          <p:nvPr>
+            <p:ph type="body" idx="1"/>
+          </p:nvPr>
+        </p:nvSpPr>
+        <p:spPr/>
+        <p:txBody>
+          <a:bodyPr/>
+          <a:lstStyle/>
+          <a:p>
+            <a:r>
+              <a:rPr lang="en-US" altLang="zh-CN" b="1" i="0" u="none" strike="noStrike" dirty="0" err="1">
+                <a:solidFill>
+                  <a:srgbClr val="6A737D"/>
+                </a:solidFill>
+                <a:effectLst/>
+                <a:latin typeface="-apple-system"/>
+              </a:rPr>
+              <a:t>ApiServer</a:t>
+            </a:r>
+            <a:r>
+              <a:rPr lang="en-US" altLang="zh-CN" b="0" i="0" u="none" strike="noStrike" dirty="0">
+                <a:solidFill>
+                  <a:srgbClr val="6A737D"/>
+                </a:solidFill>
+                <a:effectLst/>
+                <a:latin typeface="-apple-system"/>
+              </a:rPr>
+              <a:t> : </a:t>
+            </a:r>
+            <a:r>
+              <a:rPr lang="zh-CN" altLang="en-US" b="0" i="0" u="none" strike="noStrike" dirty="0">
+                <a:solidFill>
+                  <a:srgbClr val="6A737D"/>
+                </a:solidFill>
+                <a:effectLst/>
+                <a:latin typeface="-apple-system"/>
+              </a:rPr>
+              <a:t>资源操作的唯一入口，接收用户输入的命令，提供认证、授权、</a:t>
+            </a:r>
+            <a:r>
+              <a:rPr lang="en-US" altLang="zh-CN" b="0" i="0" u="none" strike="noStrike" dirty="0">
+                <a:solidFill>
+                  <a:srgbClr val="6A737D"/>
+                </a:solidFill>
+                <a:effectLst/>
+                <a:latin typeface="-apple-system"/>
+              </a:rPr>
+              <a:t>API</a:t>
+            </a:r>
+            <a:r>
+              <a:rPr lang="zh-CN" altLang="en-US" b="0" i="0" u="none" strike="noStrike" dirty="0">
+                <a:solidFill>
+                  <a:srgbClr val="6A737D"/>
+                </a:solidFill>
+                <a:effectLst/>
+                <a:latin typeface="-apple-system"/>
+              </a:rPr>
+              <a:t>注册和发现等机制。 （控制的访问入口）</a:t>
+            </a:r>
+            <a:endParaRPr lang="en-US" altLang="zh-CN" b="0" i="0" u="none" strike="noStrike" dirty="0">
+              <a:solidFill>
+                <a:srgbClr val="6A737D"/>
+              </a:solidFill>
+              <a:effectLst/>
+              <a:latin typeface="-apple-system"/>
+            </a:endParaRPr>
+          </a:p>
+          <a:p>
+            <a:r>
+              <a:rPr lang="en-US" altLang="zh-CN" b="1" i="0" u="none" strike="noStrike" dirty="0">
+                <a:solidFill>
+                  <a:srgbClr val="6A737D"/>
+                </a:solidFill>
+                <a:effectLst/>
+                <a:latin typeface="-apple-system"/>
+              </a:rPr>
+              <a:t>Scheduler</a:t>
+            </a:r>
+            <a:r>
+              <a:rPr lang="en-US" altLang="zh-CN" b="0" i="0" u="none" strike="noStrike" dirty="0">
+                <a:solidFill>
+                  <a:srgbClr val="6A737D"/>
+                </a:solidFill>
+                <a:effectLst/>
+                <a:latin typeface="-apple-system"/>
+              </a:rPr>
+              <a:t> : </a:t>
+            </a:r>
+            <a:r>
+              <a:rPr lang="zh-CN" altLang="en-US" b="0" i="0" u="none" strike="noStrike" dirty="0">
+                <a:solidFill>
+                  <a:srgbClr val="6A737D"/>
+                </a:solidFill>
+                <a:effectLst/>
+                <a:latin typeface="-apple-system"/>
+              </a:rPr>
+              <a:t>负责集群资源调度，按照预定的调度策略将</a:t>
+            </a:r>
+            <a:r>
+              <a:rPr lang="en-US" altLang="zh-CN" b="0" i="0" u="none" strike="noStrike" dirty="0">
+                <a:solidFill>
+                  <a:srgbClr val="6A737D"/>
+                </a:solidFill>
+                <a:effectLst/>
+                <a:latin typeface="-apple-system"/>
+              </a:rPr>
+              <a:t>Pod</a:t>
+            </a:r>
+            <a:r>
+              <a:rPr lang="zh-CN" altLang="en-US" b="0" i="0" u="none" strike="noStrike" dirty="0">
+                <a:solidFill>
+                  <a:srgbClr val="6A737D"/>
+                </a:solidFill>
+                <a:effectLst/>
+                <a:latin typeface="-apple-system"/>
+              </a:rPr>
+              <a:t>调度到相应的</a:t>
+            </a:r>
+            <a:r>
+              <a:rPr lang="en-US" altLang="zh-CN" b="0" i="0" u="none" strike="noStrike" dirty="0">
+                <a:solidFill>
+                  <a:srgbClr val="6A737D"/>
+                </a:solidFill>
+                <a:effectLst/>
+                <a:latin typeface="-apple-system"/>
+              </a:rPr>
+              <a:t>node</a:t>
+            </a:r>
+            <a:r>
+              <a:rPr lang="zh-CN" altLang="en-US" b="0" i="0" u="none" strike="noStrike" dirty="0">
+                <a:solidFill>
+                  <a:srgbClr val="6A737D"/>
+                </a:solidFill>
+                <a:effectLst/>
+                <a:latin typeface="-apple-system"/>
+              </a:rPr>
+              <a:t>节点上</a:t>
+            </a:r>
+            <a:endParaRPr lang="en-US" altLang="zh-CN" b="0" i="0" u="none" strike="noStrike" dirty="0">
+              <a:solidFill>
+                <a:srgbClr val="6A737D"/>
+              </a:solidFill>
+              <a:effectLst/>
+              <a:latin typeface="-apple-system"/>
+            </a:endParaRPr>
+          </a:p>
+          <a:p>
+            <a:r>
+              <a:rPr lang="en-US" altLang="zh-CN" b="1" i="0" u="none" strike="noStrike" dirty="0" err="1">
+                <a:solidFill>
+                  <a:srgbClr val="6A737D"/>
+                </a:solidFill>
+                <a:effectLst/>
+                <a:latin typeface="-apple-system"/>
+              </a:rPr>
+              <a:t>ControllerManager</a:t>
+            </a:r>
+            <a:r>
+              <a:rPr lang="en-US" altLang="zh-CN" b="0" i="0" u="none" strike="noStrike" dirty="0">
+                <a:solidFill>
+                  <a:srgbClr val="6A737D"/>
+                </a:solidFill>
+                <a:effectLst/>
+                <a:latin typeface="-apple-system"/>
+              </a:rPr>
+              <a:t> : </a:t>
+            </a:r>
+            <a:r>
+              <a:rPr lang="zh-CN" altLang="en-US" b="0" i="0" u="none" strike="noStrike" dirty="0">
+                <a:solidFill>
+                  <a:srgbClr val="6A737D"/>
+                </a:solidFill>
+                <a:effectLst/>
+                <a:latin typeface="-apple-system"/>
+              </a:rPr>
+              <a:t>负责维护集群的状态，比如程序部署安排、故障检测、自动扩展、滚动更新等</a:t>
+            </a:r>
+            <a:r>
+              <a:rPr lang="zh-CN" altLang="en-US" b="0" i="0" u="none" strike="noStrike" dirty="0">
+                <a:solidFill>
+                  <a:srgbClr val="B0B1AC"/>
+                </a:solidFill>
+                <a:effectLst/>
+                <a:latin typeface="Helvetica Neue" panose="02000503000000020004" pitchFamily="2" charset="0"/>
+              </a:rPr>
+              <a:t>在</a:t>
+            </a:r>
+            <a:r>
+              <a:rPr lang="en-US" altLang="zh-CN" b="0" i="0" u="none" strike="noStrike" dirty="0">
+                <a:solidFill>
+                  <a:srgbClr val="B0B1AC"/>
+                </a:solidFill>
+                <a:effectLst/>
+                <a:latin typeface="Helvetica Neue" panose="02000503000000020004" pitchFamily="2" charset="0"/>
+              </a:rPr>
+              <a:t>k8s</a:t>
+            </a:r>
+            <a:r>
+              <a:rPr lang="zh-CN" altLang="en-US" b="0" i="0" u="none" strike="noStrike" dirty="0">
+                <a:solidFill>
+                  <a:srgbClr val="B0B1AC"/>
+                </a:solidFill>
+                <a:effectLst/>
+                <a:latin typeface="Helvetica Neue" panose="02000503000000020004" pitchFamily="2" charset="0"/>
+              </a:rPr>
+              <a:t>中，</a:t>
+            </a:r>
+            <a:r>
+              <a:rPr lang="en-US" altLang="zh-CN" b="0" i="0" u="none" strike="noStrike" dirty="0">
+                <a:solidFill>
+                  <a:srgbClr val="B0B1AC"/>
+                </a:solidFill>
+                <a:effectLst/>
+                <a:latin typeface="Helvetica Neue" panose="02000503000000020004" pitchFamily="2" charset="0"/>
+              </a:rPr>
+              <a:t>k8s</a:t>
+            </a:r>
+            <a:r>
+              <a:rPr lang="zh-CN" altLang="en-US" b="0" i="0" u="none" strike="noStrike" dirty="0">
+                <a:solidFill>
+                  <a:srgbClr val="B0B1AC"/>
+                </a:solidFill>
+                <a:effectLst/>
+                <a:latin typeface="Helvetica Neue" panose="02000503000000020004" pitchFamily="2" charset="0"/>
+              </a:rPr>
+              <a:t>资源对象会有两个状态，一个是</a:t>
+            </a:r>
+            <a:r>
+              <a:rPr lang="zh-CN" altLang="en-US" b="1" i="0" u="none" strike="noStrike" dirty="0">
+                <a:solidFill>
+                  <a:srgbClr val="B0B1AC"/>
+                </a:solidFill>
+                <a:effectLst/>
+                <a:latin typeface="Helvetica Neue" panose="02000503000000020004" pitchFamily="2" charset="0"/>
+              </a:rPr>
+              <a:t>期望状态</a:t>
+            </a:r>
+            <a:r>
+              <a:rPr lang="zh-CN" altLang="en-US" b="0" i="0" u="none" strike="noStrike" dirty="0">
+                <a:solidFill>
+                  <a:srgbClr val="B0B1AC"/>
+                </a:solidFill>
+                <a:effectLst/>
+                <a:latin typeface="Helvetica Neue" panose="02000503000000020004" pitchFamily="2" charset="0"/>
+              </a:rPr>
+              <a:t> 、一个是</a:t>
+            </a:r>
+            <a:r>
+              <a:rPr lang="zh-CN" altLang="en-US" b="1" i="0" u="none" strike="noStrike" dirty="0">
+                <a:solidFill>
+                  <a:srgbClr val="B0B1AC"/>
+                </a:solidFill>
+                <a:effectLst/>
+                <a:latin typeface="Helvetica Neue" panose="02000503000000020004" pitchFamily="2" charset="0"/>
+              </a:rPr>
+              <a:t>当前状态</a:t>
+            </a:r>
+            <a:r>
+              <a:rPr lang="zh-CN" altLang="en-US" b="0" i="0" u="none" strike="noStrike" dirty="0">
+                <a:solidFill>
+                  <a:srgbClr val="B0B1AC"/>
+                </a:solidFill>
+                <a:effectLst/>
+                <a:latin typeface="Helvetica Neue" panose="02000503000000020004" pitchFamily="2" charset="0"/>
+              </a:rPr>
+              <a:t>，对应资源的控制器负责确保资源的当前状态接近期望状态。</a:t>
+            </a:r>
+            <a:endParaRPr lang="en-US" altLang="zh-CN" b="0" i="0" u="none" strike="noStrike" dirty="0">
+              <a:solidFill>
+                <a:srgbClr val="6A737D"/>
+              </a:solidFill>
+              <a:effectLst/>
+              <a:latin typeface="-apple-system"/>
+            </a:endParaRPr>
+          </a:p>
+          <a:p>
+            <a:r>
+              <a:rPr lang="en-US" altLang="zh-CN" b="1" i="0" u="none" strike="noStrike" dirty="0" err="1">
+                <a:solidFill>
+                  <a:srgbClr val="6A737D"/>
+                </a:solidFill>
+                <a:effectLst/>
+                <a:latin typeface="-apple-system"/>
+              </a:rPr>
+              <a:t>Etcd</a:t>
+            </a:r>
+            <a:r>
+              <a:rPr lang="en-US" altLang="zh-CN" b="0" i="0" u="none" strike="noStrike" dirty="0">
+                <a:solidFill>
+                  <a:srgbClr val="6A737D"/>
+                </a:solidFill>
+                <a:effectLst/>
+                <a:latin typeface="-apple-system"/>
+              </a:rPr>
+              <a:t> </a:t>
+            </a:r>
+            <a:r>
+              <a:rPr lang="zh-CN" altLang="en-US" b="0" i="0" u="none" strike="noStrike" dirty="0">
+                <a:solidFill>
+                  <a:srgbClr val="6A737D"/>
+                </a:solidFill>
+                <a:effectLst/>
+                <a:latin typeface="-apple-system"/>
+              </a:rPr>
+              <a:t>：负责存储集群中各种资源对象的信息 保存了整个集群的状态</a:t>
+            </a:r>
+            <a:endParaRPr lang="en-US" altLang="zh-CN" b="0" i="0" u="none" strike="noStrike" dirty="0">
+              <a:solidFill>
+                <a:srgbClr val="6A737D"/>
+              </a:solidFill>
+              <a:effectLst/>
+              <a:latin typeface="-apple-system"/>
+            </a:endParaRPr>
+          </a:p>
+          <a:p>
+            <a:endParaRPr kumimoji="1" lang="en-US" altLang="zh-CN" b="0" i="0" u="none" strike="noStrike" dirty="0">
+              <a:solidFill>
+                <a:srgbClr val="6A737D"/>
+              </a:solidFill>
+              <a:effectLst/>
+              <a:latin typeface="-apple-system"/>
+            </a:endParaRPr>
+          </a:p>
+          <a:p>
+            <a:r>
+              <a:rPr kumimoji="1" lang="en-US" altLang="zh-CN" b="0" i="0" u="none" strike="noStrike" dirty="0">
+                <a:solidFill>
+                  <a:srgbClr val="6A737D"/>
+                </a:solidFill>
+                <a:effectLst/>
+                <a:latin typeface="-apple-system"/>
+              </a:rPr>
+              <a:t>Node</a:t>
+            </a:r>
+            <a:r>
+              <a:rPr kumimoji="1" lang="zh-CN" altLang="en-US" b="0" i="0" u="none" strike="noStrike" dirty="0">
+                <a:solidFill>
+                  <a:srgbClr val="6A737D"/>
+                </a:solidFill>
+                <a:effectLst/>
+                <a:latin typeface="-apple-system"/>
+              </a:rPr>
+              <a:t>主要是提供运行环境</a:t>
+            </a:r>
+            <a:endParaRPr kumimoji="1" lang="en-US" altLang="zh-CN" b="0" i="0" u="none" strike="noStrike" dirty="0">
+              <a:solidFill>
+                <a:srgbClr val="6A737D"/>
+              </a:solidFill>
+              <a:effectLst/>
+              <a:latin typeface="-apple-system"/>
+            </a:endParaRPr>
+          </a:p>
+          <a:p>
+            <a:r>
+              <a:rPr lang="en-US" altLang="zh-CN" b="1" i="0" u="none" strike="noStrike" dirty="0" err="1">
+                <a:solidFill>
+                  <a:srgbClr val="6A737D"/>
+                </a:solidFill>
+                <a:effectLst/>
+                <a:latin typeface="-apple-system"/>
+              </a:rPr>
+              <a:t>Kubelet</a:t>
+            </a:r>
+            <a:r>
+              <a:rPr lang="en-US" altLang="zh-CN" b="0" i="0" u="none" strike="noStrike" dirty="0">
+                <a:solidFill>
+                  <a:srgbClr val="6A737D"/>
+                </a:solidFill>
+                <a:effectLst/>
+                <a:latin typeface="-apple-system"/>
+              </a:rPr>
+              <a:t> : </a:t>
+            </a:r>
+            <a:r>
+              <a:rPr lang="zh-CN" altLang="en-US" b="0" i="0" u="none" strike="noStrike" dirty="0">
+                <a:solidFill>
+                  <a:srgbClr val="6A737D"/>
+                </a:solidFill>
+                <a:effectLst/>
+                <a:latin typeface="-apple-system"/>
+              </a:rPr>
+              <a:t>负责维护容器的生命周期，即通过控制</a:t>
+            </a:r>
+            <a:r>
+              <a:rPr lang="en-US" altLang="zh-CN" b="0" i="0" u="none" strike="noStrike" dirty="0">
+                <a:solidFill>
+                  <a:srgbClr val="6A737D"/>
+                </a:solidFill>
+                <a:effectLst/>
+                <a:latin typeface="-apple-system"/>
+              </a:rPr>
+              <a:t>docker</a:t>
+            </a:r>
+            <a:r>
+              <a:rPr lang="zh-CN" altLang="en-US" b="0" i="0" u="none" strike="noStrike" dirty="0">
+                <a:solidFill>
+                  <a:srgbClr val="6A737D"/>
+                </a:solidFill>
+                <a:effectLst/>
+                <a:latin typeface="-apple-system"/>
+              </a:rPr>
+              <a:t>，来创建、更新、销毁容器。同时也负责</a:t>
+            </a:r>
+            <a:r>
+              <a:rPr lang="en-US" altLang="zh-CN" b="0" i="0" u="none" strike="noStrike" dirty="0" err="1">
+                <a:solidFill>
+                  <a:srgbClr val="6A737D"/>
+                </a:solidFill>
+                <a:effectLst/>
+                <a:latin typeface="-apple-system"/>
+              </a:rPr>
+              <a:t>volum</a:t>
+            </a:r>
+            <a:r>
+              <a:rPr lang="zh-CN" altLang="en-US" b="0" i="0" u="none" strike="noStrike" dirty="0">
+                <a:solidFill>
+                  <a:srgbClr val="6A737D"/>
+                </a:solidFill>
+                <a:effectLst/>
+                <a:latin typeface="-apple-system"/>
+              </a:rPr>
+              <a:t>和网络的管理</a:t>
+            </a:r>
+            <a:endParaRPr lang="en-US" altLang="zh-CN" b="0" i="0" u="none" strike="noStrike" dirty="0">
+              <a:solidFill>
+                <a:srgbClr val="6A737D"/>
+              </a:solidFill>
+              <a:effectLst/>
+              <a:latin typeface="-apple-system"/>
+            </a:endParaRPr>
+          </a:p>
+          <a:p>
+            <a:r>
+              <a:rPr lang="en-US" altLang="zh-CN" b="1" i="0" u="none" strike="noStrike" dirty="0" err="1">
+                <a:solidFill>
+                  <a:srgbClr val="6A737D"/>
+                </a:solidFill>
+                <a:effectLst/>
+                <a:latin typeface="-apple-system"/>
+              </a:rPr>
+              <a:t>KubeProxy</a:t>
+            </a:r>
+            <a:r>
+              <a:rPr lang="en-US" altLang="zh-CN" b="0" i="0" u="none" strike="noStrike" dirty="0">
+                <a:solidFill>
+                  <a:srgbClr val="6A737D"/>
+                </a:solidFill>
+                <a:effectLst/>
+                <a:latin typeface="-apple-system"/>
+              </a:rPr>
+              <a:t> : </a:t>
+            </a:r>
+            <a:r>
+              <a:rPr lang="zh-CN" altLang="en-US" b="0" i="0" u="none" strike="noStrike" dirty="0">
+                <a:solidFill>
+                  <a:srgbClr val="6A737D"/>
+                </a:solidFill>
+                <a:effectLst/>
+                <a:latin typeface="-apple-system"/>
+              </a:rPr>
+              <a:t>负责提供集群内部的服务发现和负载均衡。（</a:t>
+            </a:r>
+            <a:r>
+              <a:rPr lang="en-US" altLang="zh-CN" b="0" i="0" u="none" strike="noStrike" dirty="0">
+                <a:solidFill>
+                  <a:srgbClr val="6A737D"/>
+                </a:solidFill>
+                <a:effectLst/>
+                <a:latin typeface="-apple-system"/>
+              </a:rPr>
+              <a:t>Node</a:t>
+            </a:r>
+            <a:r>
+              <a:rPr lang="zh-CN" altLang="en-US" b="0" i="0" u="none" strike="noStrike" dirty="0">
+                <a:solidFill>
+                  <a:srgbClr val="6A737D"/>
+                </a:solidFill>
+                <a:effectLst/>
+                <a:latin typeface="-apple-system"/>
+              </a:rPr>
+              <a:t>中运行了</a:t>
+            </a:r>
+            <a:r>
+              <a:rPr lang="en-US" altLang="zh-CN" b="0" i="0" u="none" strike="noStrike" dirty="0" err="1">
+                <a:solidFill>
+                  <a:srgbClr val="6A737D"/>
+                </a:solidFill>
+                <a:effectLst/>
+                <a:latin typeface="-apple-system"/>
+              </a:rPr>
+              <a:t>nginx</a:t>
+            </a:r>
+            <a:r>
+              <a:rPr lang="zh-CN" altLang="en-US" b="0" i="0" u="none" strike="noStrike" dirty="0">
+                <a:solidFill>
+                  <a:srgbClr val="6A737D"/>
+                </a:solidFill>
+                <a:effectLst/>
+                <a:latin typeface="-apple-system"/>
+              </a:rPr>
+              <a:t>，通过</a:t>
+            </a:r>
+            <a:r>
+              <a:rPr lang="en-US" altLang="zh-CN" b="0" i="0" u="none" strike="noStrike" dirty="0" err="1">
+                <a:solidFill>
+                  <a:srgbClr val="6A737D"/>
+                </a:solidFill>
+                <a:effectLst/>
+                <a:latin typeface="-apple-system"/>
+              </a:rPr>
+              <a:t>kubeproxy</a:t>
+            </a:r>
+            <a:r>
+              <a:rPr lang="zh-CN" altLang="en-US" b="0" i="0" u="none" strike="noStrike" dirty="0">
+                <a:solidFill>
+                  <a:srgbClr val="6A737D"/>
+                </a:solidFill>
+                <a:effectLst/>
+                <a:latin typeface="-apple-system"/>
+              </a:rPr>
+              <a:t>访问）  </a:t>
+            </a:r>
+            <a:endParaRPr lang="en-US" altLang="zh-CN" b="0" i="0" u="none" strike="noStrike" dirty="0">
+              <a:solidFill>
+                <a:srgbClr val="6A737D"/>
+              </a:solidFill>
+              <a:effectLst/>
+              <a:latin typeface="-apple-system"/>
+            </a:endParaRPr>
+          </a:p>
+          <a:p>
+            <a:endParaRPr kumimoji="1" lang="en-US" altLang="zh-CN" b="0" i="0" u="none" strike="noStrike" dirty="0">
+              <a:solidFill>
+                <a:srgbClr val="6A737D"/>
+              </a:solidFill>
+              <a:effectLst/>
+              <a:latin typeface="-apple-system"/>
+            </a:endParaRPr>
+          </a:p>
+          <a:p>
+            <a:endParaRPr kumimoji="1" lang="zh-CN" altLang="en-US" dirty="0"/>
+          </a:p>
+        </p:txBody>
+      </p:sp>
+      <p:sp>
+        <p:nvSpPr>
+          <p:cNvPr id="4" name="灯片编号占位符 3"/>
+          <p:cNvSpPr>
+            <a:spLocks noGrp="1"/>
+          </p:cNvSpPr>
+          <p:nvPr>
+            <p:ph type="sldNum" sz="quarter" idx="5"/>
+          </p:nvPr>
+        </p:nvSpPr>
+        <p:spPr/>
+        <p:txBody>
+          <a:bodyPr/>
+          <a:lstStyle/>
+          <a:p>
+            <a:fld id="{31EA30B6-CE17-D541-8DE4-B2D16378256D}" type="slidenum">
+              <a:rPr kumimoji="1" lang="zh-CN" altLang="en-US" smtClean="0"/>
+              <a:t>6</a:t>
+            </a:fld>
+            <a:endParaRPr kumimoji="1" lang="zh-CN" altLang="en-US"/>
+          </a:p>
+        </p:txBody>
+      </p:sp>
+    </p:spTree>
+    <p:extLst>
+      <p:ext uri="{BB962C8B-B14F-4D97-AF65-F5344CB8AC3E}">
+        <p14:creationId xmlns:p14="http://schemas.microsoft.com/office/powerpoint/2010/main" val="926491308"/>
+      </p:ext>
+    </p:extLst>
+  </p:cSld>
+  <p:clrMapOvr>
+    <a:masterClrMapping/>
+  </p:clrMapOvr>
+</p:notes>
+</file>
+
+<file path=ppt/notesSlides/notesSlide6.xml><?xml version="1.0" encoding="utf-8"?>
+<p:notes xmlns:a="http://schemas.openxmlformats.org/drawingml/2006/main" xmlns:r="http://schemas.openxmlformats.org/officeDocument/2006/relationships" xmlns:p="http://schemas.openxmlformats.org/presentationml/2006/main">
+  <p:cSld>
+    <p:spTree>
+      <p:nvGrpSpPr>
+        <p:cNvPr id="1" name=""/>
+        <p:cNvGrpSpPr/>
+        <p:nvPr/>
+      </p:nvGrpSpPr>
+      <p:grpSpPr>
+        <a:xfrm>
+          <a:off x="0" y="0"/>
+          <a:ext cx="0" cy="0"/>
+          <a:chOff x="0" y="0"/>
+          <a:chExt cx="0" cy="0"/>
+        </a:xfrm>
+      </p:grpSpPr>
+      <p:sp>
+        <p:nvSpPr>
+          <p:cNvPr id="2" name="幻灯片图像占位符 1"/>
+          <p:cNvSpPr>
+            <a:spLocks noGrp="1" noRot="1" noChangeAspect="1"/>
+          </p:cNvSpPr>
+          <p:nvPr>
+            <p:ph type="sldImg"/>
+          </p:nvPr>
+        </p:nvSpPr>
+        <p:spPr/>
+      </p:sp>
+      <p:sp>
+        <p:nvSpPr>
+          <p:cNvPr id="3" name="备注占位符 2"/>
+          <p:cNvSpPr>
+            <a:spLocks noGrp="1"/>
+          </p:cNvSpPr>
+          <p:nvPr>
+            <p:ph type="body" idx="1"/>
+          </p:nvPr>
+        </p:nvSpPr>
+        <p:spPr/>
+        <p:txBody>
+          <a:bodyPr/>
+          <a:lstStyle/>
+          <a:p>
+            <a:pPr algn="l"/>
+            <a:r>
+              <a:rPr lang="en-US" altLang="zh-CN" b="0" i="0" u="none" strike="noStrike" dirty="0">
+                <a:solidFill>
+                  <a:srgbClr val="B0B1AC"/>
+                </a:solidFill>
+                <a:effectLst/>
+                <a:latin typeface="Helvetica Neue" panose="02000503000000020004" pitchFamily="2" charset="0"/>
+              </a:rPr>
+              <a:t>Service </a:t>
+            </a:r>
+            <a:r>
+              <a:rPr lang="zh-CN" altLang="en-US" b="0" i="0" u="none" strike="noStrike" dirty="0">
+                <a:solidFill>
+                  <a:srgbClr val="B0B1AC"/>
+                </a:solidFill>
+                <a:effectLst/>
+                <a:latin typeface="Helvetica Neue" panose="02000503000000020004" pitchFamily="2" charset="0"/>
+              </a:rPr>
+              <a:t>记录了这个服务发布了那些端口，定义了哪些负载均衡策略来让别人访问</a:t>
+            </a:r>
+          </a:p>
+          <a:p>
+            <a:pPr algn="l"/>
+            <a:r>
+              <a:rPr lang="en-US" altLang="zh-CN" b="0" i="0" u="none" strike="noStrike" dirty="0">
+                <a:solidFill>
+                  <a:srgbClr val="B0B1AC"/>
+                </a:solidFill>
+                <a:effectLst/>
+                <a:latin typeface="Helvetica Neue" panose="02000503000000020004" pitchFamily="2" charset="0"/>
+              </a:rPr>
+              <a:t>Ingress</a:t>
+            </a:r>
+            <a:r>
+              <a:rPr lang="zh-CN" altLang="en-US" b="0" i="0" u="none" strike="noStrike" dirty="0">
+                <a:solidFill>
+                  <a:srgbClr val="B0B1AC"/>
+                </a:solidFill>
+                <a:effectLst/>
+                <a:latin typeface="Helvetica Neue" panose="02000503000000020004" pitchFamily="2" charset="0"/>
+              </a:rPr>
+              <a:t>就是表示怎么发布一个对外的入口。配置入站的路由规则</a:t>
+            </a:r>
+          </a:p>
+          <a:p>
+            <a:pPr algn="l"/>
+            <a:r>
+              <a:rPr lang="zh-CN" altLang="en-US" b="0" i="0" u="none" strike="noStrike" dirty="0">
+                <a:solidFill>
+                  <a:srgbClr val="B0B1AC"/>
+                </a:solidFill>
+                <a:effectLst/>
+                <a:latin typeface="Helvetica Neue" panose="02000503000000020004" pitchFamily="2" charset="0"/>
+              </a:rPr>
+              <a:t>一般在微服务的部署的时候需要做代码和配置的分离，因此就把这些配置提出来，如果这些配置是明文可读的就存</a:t>
+            </a:r>
+            <a:r>
+              <a:rPr lang="en-US" altLang="zh-CN" b="0" i="0" u="none" strike="noStrike" dirty="0" err="1">
+                <a:solidFill>
+                  <a:srgbClr val="B0B1AC"/>
+                </a:solidFill>
+                <a:effectLst/>
+                <a:latin typeface="Helvetica Neue" panose="02000503000000020004" pitchFamily="2" charset="0"/>
+              </a:rPr>
+              <a:t>configmap</a:t>
+            </a:r>
+            <a:r>
+              <a:rPr lang="en-US" altLang="zh-CN" b="0" i="0" u="none" strike="noStrike" dirty="0">
+                <a:solidFill>
+                  <a:srgbClr val="B0B1AC"/>
+                </a:solidFill>
+                <a:effectLst/>
+                <a:latin typeface="Helvetica Neue" panose="02000503000000020004" pitchFamily="2" charset="0"/>
+              </a:rPr>
+              <a:t> </a:t>
+            </a:r>
+            <a:r>
+              <a:rPr lang="zh-CN" altLang="en-US" b="0" i="0" u="none" strike="noStrike" dirty="0">
+                <a:solidFill>
+                  <a:srgbClr val="B0B1AC"/>
+                </a:solidFill>
+                <a:effectLst/>
+                <a:latin typeface="Helvetica Neue" panose="02000503000000020004" pitchFamily="2" charset="0"/>
+              </a:rPr>
+              <a:t>如果是需要安全保护的就存</a:t>
+            </a:r>
+            <a:r>
+              <a:rPr lang="en-US" altLang="zh-CN" b="0" i="0" u="none" strike="noStrike" dirty="0">
+                <a:solidFill>
+                  <a:srgbClr val="B0B1AC"/>
+                </a:solidFill>
+                <a:effectLst/>
+                <a:latin typeface="Helvetica Neue" panose="02000503000000020004" pitchFamily="2" charset="0"/>
+              </a:rPr>
+              <a:t>secret</a:t>
+            </a:r>
+            <a:r>
+              <a:rPr lang="zh-CN" altLang="en-US" b="0" i="0" u="none" strike="noStrike" dirty="0">
+                <a:solidFill>
+                  <a:srgbClr val="B0B1AC"/>
+                </a:solidFill>
+                <a:effectLst/>
+                <a:latin typeface="Helvetica Neue" panose="02000503000000020004" pitchFamily="2" charset="0"/>
+              </a:rPr>
+              <a:t>。如果需要存一些大的数据就使用</a:t>
+            </a:r>
+            <a:r>
+              <a:rPr lang="en-US" altLang="zh-CN" b="0" i="0" u="none" strike="noStrike" dirty="0" err="1">
+                <a:solidFill>
+                  <a:srgbClr val="B0B1AC"/>
+                </a:solidFill>
+                <a:effectLst/>
+                <a:latin typeface="Helvetica Neue" panose="02000503000000020004" pitchFamily="2" charset="0"/>
+              </a:rPr>
+              <a:t>pvc</a:t>
+            </a:r>
+            <a:endParaRPr lang="en-US" altLang="zh-CN" b="0" i="0" u="none" strike="noStrike" dirty="0">
+              <a:solidFill>
+                <a:srgbClr val="B0B1AC"/>
+              </a:solidFill>
+              <a:effectLst/>
+              <a:latin typeface="Helvetica Neue" panose="02000503000000020004" pitchFamily="2" charset="0"/>
+            </a:endParaRPr>
+          </a:p>
+          <a:p>
+            <a:pPr algn="l">
+              <a:buFont typeface="Arial" panose="020B0604020202020204" pitchFamily="34" charset="0"/>
+              <a:buChar char="•"/>
+            </a:pPr>
+            <a:r>
+              <a:rPr lang="en-US" altLang="zh-CN" b="0" i="0" u="none" strike="noStrike" dirty="0">
+                <a:solidFill>
+                  <a:srgbClr val="B0B1AC"/>
+                </a:solidFill>
+                <a:effectLst/>
+                <a:latin typeface="Helvetica Neue" panose="02000503000000020004" pitchFamily="2" charset="0"/>
+              </a:rPr>
+              <a:t>PV</a:t>
+            </a:r>
+            <a:r>
+              <a:rPr lang="zh-CN" altLang="en-US" b="0" i="0" u="none" strike="noStrike" dirty="0">
+                <a:solidFill>
+                  <a:srgbClr val="B0B1AC"/>
+                </a:solidFill>
+                <a:effectLst/>
+                <a:latin typeface="Helvetica Neue" panose="02000503000000020004" pitchFamily="2" charset="0"/>
+              </a:rPr>
+              <a:t>：</a:t>
+            </a:r>
+            <a:r>
+              <a:rPr lang="en-US" altLang="zh-CN" b="0" i="0" u="none" strike="noStrike" dirty="0">
+                <a:solidFill>
+                  <a:srgbClr val="B0B1AC"/>
+                </a:solidFill>
+                <a:effectLst/>
+                <a:latin typeface="Helvetica Neue" panose="02000503000000020004" pitchFamily="2" charset="0"/>
+              </a:rPr>
+              <a:t>PV</a:t>
+            </a:r>
+            <a:r>
+              <a:rPr lang="zh-CN" altLang="en-US" b="0" i="0" u="none" strike="noStrike" dirty="0">
+                <a:solidFill>
+                  <a:srgbClr val="B0B1AC"/>
+                </a:solidFill>
+                <a:effectLst/>
+                <a:latin typeface="Helvetica Neue" panose="02000503000000020004" pitchFamily="2" charset="0"/>
+              </a:rPr>
+              <a:t>描述的是持久化存储卷，主要定义的是一个持久化存储在宿主机上的目录，比如一个</a:t>
+            </a:r>
+            <a:r>
+              <a:rPr lang="en-US" altLang="zh-CN" b="0" i="0" u="none" strike="noStrike" dirty="0">
+                <a:solidFill>
+                  <a:srgbClr val="B0B1AC"/>
+                </a:solidFill>
+                <a:effectLst/>
+                <a:latin typeface="Helvetica Neue" panose="02000503000000020004" pitchFamily="2" charset="0"/>
+              </a:rPr>
+              <a:t>NFS</a:t>
+            </a:r>
+            <a:r>
+              <a:rPr lang="zh-CN" altLang="en-US" b="0" i="0" u="none" strike="noStrike" dirty="0">
+                <a:solidFill>
+                  <a:srgbClr val="B0B1AC"/>
+                </a:solidFill>
+                <a:effectLst/>
+                <a:latin typeface="Helvetica Neue" panose="02000503000000020004" pitchFamily="2" charset="0"/>
+              </a:rPr>
+              <a:t>的挂载目录。</a:t>
+            </a:r>
+          </a:p>
+          <a:p>
+            <a:pPr algn="l">
+              <a:buFont typeface="Arial" panose="020B0604020202020204" pitchFamily="34" charset="0"/>
+              <a:buChar char="•"/>
+            </a:pPr>
+            <a:r>
+              <a:rPr lang="en-US" altLang="zh-CN" b="0" i="0" u="none" strike="noStrike" dirty="0">
+                <a:solidFill>
+                  <a:srgbClr val="B0B1AC"/>
+                </a:solidFill>
+                <a:effectLst/>
+                <a:latin typeface="Helvetica Neue" panose="02000503000000020004" pitchFamily="2" charset="0"/>
+              </a:rPr>
+              <a:t>PVC</a:t>
+            </a:r>
+            <a:r>
+              <a:rPr lang="zh-CN" altLang="en-US" b="0" i="0" u="none" strike="noStrike" dirty="0">
+                <a:solidFill>
+                  <a:srgbClr val="B0B1AC"/>
+                </a:solidFill>
+                <a:effectLst/>
+                <a:latin typeface="Helvetica Neue" panose="02000503000000020004" pitchFamily="2" charset="0"/>
+              </a:rPr>
+              <a:t>：</a:t>
+            </a:r>
+            <a:r>
+              <a:rPr lang="en-US" altLang="zh-CN" b="0" i="0" u="none" strike="noStrike" dirty="0">
+                <a:solidFill>
+                  <a:srgbClr val="B0B1AC"/>
+                </a:solidFill>
+                <a:effectLst/>
+                <a:latin typeface="Helvetica Neue" panose="02000503000000020004" pitchFamily="2" charset="0"/>
+              </a:rPr>
+              <a:t>PVC</a:t>
+            </a:r>
+            <a:r>
+              <a:rPr lang="zh-CN" altLang="en-US" b="0" i="0" u="none" strike="noStrike" dirty="0">
+                <a:solidFill>
+                  <a:srgbClr val="B0B1AC"/>
+                </a:solidFill>
+                <a:effectLst/>
+                <a:latin typeface="Helvetica Neue" panose="02000503000000020004" pitchFamily="2" charset="0"/>
+              </a:rPr>
+              <a:t>描述的是</a:t>
+            </a:r>
+            <a:r>
+              <a:rPr lang="en-US" altLang="zh-CN" b="0" i="0" u="none" strike="noStrike" dirty="0">
+                <a:solidFill>
+                  <a:srgbClr val="B0B1AC"/>
+                </a:solidFill>
+                <a:effectLst/>
+                <a:latin typeface="Helvetica Neue" panose="02000503000000020004" pitchFamily="2" charset="0"/>
+              </a:rPr>
+              <a:t>Pod</a:t>
+            </a:r>
+            <a:r>
+              <a:rPr lang="zh-CN" altLang="en-US" b="0" i="0" u="none" strike="noStrike" dirty="0">
+                <a:solidFill>
+                  <a:srgbClr val="B0B1AC"/>
+                </a:solidFill>
+                <a:effectLst/>
+                <a:latin typeface="Helvetica Neue" panose="02000503000000020004" pitchFamily="2" charset="0"/>
+              </a:rPr>
+              <a:t>所希望使用的持久化存储的属性，比如，</a:t>
+            </a:r>
+            <a:r>
+              <a:rPr lang="en-US" altLang="zh-CN" b="0" i="0" u="none" strike="noStrike" dirty="0">
+                <a:solidFill>
+                  <a:srgbClr val="B0B1AC"/>
+                </a:solidFill>
+                <a:effectLst/>
+                <a:latin typeface="Helvetica Neue" panose="02000503000000020004" pitchFamily="2" charset="0"/>
+              </a:rPr>
+              <a:t>Volume</a:t>
+            </a:r>
+            <a:r>
+              <a:rPr lang="zh-CN" altLang="en-US" b="0" i="0" u="none" strike="noStrike" dirty="0">
+                <a:solidFill>
+                  <a:srgbClr val="B0B1AC"/>
+                </a:solidFill>
+                <a:effectLst/>
+                <a:latin typeface="Helvetica Neue" panose="02000503000000020004" pitchFamily="2" charset="0"/>
+              </a:rPr>
+              <a:t>存储的大小、可读写权限等等。</a:t>
+            </a:r>
+          </a:p>
+          <a:p>
+            <a:pPr algn="l"/>
+            <a:endParaRPr lang="en-US" altLang="zh-CN" b="0" i="0" u="none" strike="noStrike" dirty="0">
+              <a:solidFill>
+                <a:srgbClr val="B0B1AC"/>
+              </a:solidFill>
+              <a:effectLst/>
+              <a:latin typeface="Helvetica Neue" panose="02000503000000020004" pitchFamily="2" charset="0"/>
+            </a:endParaRPr>
+          </a:p>
+          <a:p>
+            <a:endParaRPr kumimoji="1" lang="en-US" altLang="zh-CN" dirty="0"/>
+          </a:p>
+          <a:p>
+            <a:endParaRPr kumimoji="1" lang="zh-CN" altLang="en-US" dirty="0"/>
+          </a:p>
+        </p:txBody>
+      </p:sp>
+      <p:sp>
+        <p:nvSpPr>
+          <p:cNvPr id="4" name="灯片编号占位符 3"/>
+          <p:cNvSpPr>
+            <a:spLocks noGrp="1"/>
+          </p:cNvSpPr>
+          <p:nvPr>
+            <p:ph type="sldNum" sz="quarter" idx="5"/>
+          </p:nvPr>
+        </p:nvSpPr>
+        <p:spPr/>
+        <p:txBody>
+          <a:bodyPr/>
+          <a:lstStyle/>
+          <a:p>
+            <a:fld id="{31EA30B6-CE17-D541-8DE4-B2D16378256D}" type="slidenum">
+              <a:rPr kumimoji="1" lang="zh-CN" altLang="en-US" smtClean="0"/>
+              <a:t>8</a:t>
+            </a:fld>
+            <a:endParaRPr kumimoji="1" lang="zh-CN" altLang="en-US"/>
+          </a:p>
+        </p:txBody>
+      </p:sp>
+    </p:spTree>
+    <p:extLst>
+      <p:ext uri="{BB962C8B-B14F-4D97-AF65-F5344CB8AC3E}">
+        <p14:creationId xmlns:p14="http://schemas.microsoft.com/office/powerpoint/2010/main" val="1700871595"/>
+      </p:ext>
+    </p:extLst>
+  </p:cSld>
+  <p:clrMapOvr>
+    <a:masterClrMapping/>
+  </p:clrMapOvr>
+</p:notes>
+</file>
+
+<file path=ppt/notesSlides/notesSlide7.xml><?xml version="1.0" encoding="utf-8"?>
+<p:notes xmlns:a="http://schemas.openxmlformats.org/drawingml/2006/main" xmlns:r="http://schemas.openxmlformats.org/officeDocument/2006/relationships" xmlns:p="http://schemas.openxmlformats.org/presentationml/2006/main">
+  <p:cSld>
+    <p:spTree>
+      <p:nvGrpSpPr>
+        <p:cNvPr id="1" name=""/>
+        <p:cNvGrpSpPr/>
+        <p:nvPr/>
+      </p:nvGrpSpPr>
+      <p:grpSpPr>
+        <a:xfrm>
+          <a:off x="0" y="0"/>
+          <a:ext cx="0" cy="0"/>
+          <a:chOff x="0" y="0"/>
+          <a:chExt cx="0" cy="0"/>
+        </a:xfrm>
+      </p:grpSpPr>
+      <p:sp>
+        <p:nvSpPr>
+          <p:cNvPr id="2" name="幻灯片图像占位符 1"/>
+          <p:cNvSpPr>
+            <a:spLocks noGrp="1" noRot="1" noChangeAspect="1"/>
+          </p:cNvSpPr>
+          <p:nvPr>
+            <p:ph type="sldImg"/>
+          </p:nvPr>
+        </p:nvSpPr>
+        <p:spPr/>
+      </p:sp>
+      <p:sp>
+        <p:nvSpPr>
+          <p:cNvPr id="3" name="备注占位符 2"/>
+          <p:cNvSpPr>
+            <a:spLocks noGrp="1"/>
+          </p:cNvSpPr>
+          <p:nvPr>
+            <p:ph type="body" idx="1"/>
+          </p:nvPr>
+        </p:nvSpPr>
+        <p:spPr/>
+        <p:txBody>
+          <a:bodyPr/>
+          <a:lstStyle/>
+          <a:p>
+            <a:r>
+              <a:rPr kumimoji="1" lang="zh-CN" altLang="en-US" dirty="0"/>
+              <a:t>查看节点资源 </a:t>
+            </a:r>
+            <a:r>
+              <a:rPr kumimoji="1" lang="en-US" altLang="zh-CN" dirty="0" err="1"/>
+              <a:t>kubectl</a:t>
+            </a:r>
+            <a:r>
+              <a:rPr kumimoji="1" lang="en-US" altLang="zh-CN" dirty="0"/>
+              <a:t> describe node </a:t>
+            </a:r>
+          </a:p>
+          <a:p>
+            <a:endParaRPr kumimoji="1" lang="zh-CN" altLang="en-US" dirty="0"/>
+          </a:p>
+        </p:txBody>
+      </p:sp>
+      <p:sp>
+        <p:nvSpPr>
+          <p:cNvPr id="4" name="灯片编号占位符 3"/>
+          <p:cNvSpPr>
+            <a:spLocks noGrp="1"/>
+          </p:cNvSpPr>
+          <p:nvPr>
+            <p:ph type="sldNum" sz="quarter" idx="5"/>
+          </p:nvPr>
+        </p:nvSpPr>
+        <p:spPr/>
+        <p:txBody>
+          <a:bodyPr/>
+          <a:lstStyle/>
+          <a:p>
+            <a:fld id="{31EA30B6-CE17-D541-8DE4-B2D16378256D}" type="slidenum">
+              <a:rPr kumimoji="1" lang="zh-CN" altLang="en-US" smtClean="0"/>
+              <a:t>9</a:t>
+            </a:fld>
+            <a:endParaRPr kumimoji="1" lang="zh-CN" altLang="en-US"/>
+          </a:p>
+        </p:txBody>
+      </p:sp>
+    </p:spTree>
+    <p:extLst>
+      <p:ext uri="{BB962C8B-B14F-4D97-AF65-F5344CB8AC3E}">
+        <p14:creationId xmlns:p14="http://schemas.microsoft.com/office/powerpoint/2010/main" val="852709766"/>
+      </p:ext>
+    </p:extLst>
+  </p:cSld>
+  <p:clrMapOvr>
+    <a:masterClrMapping/>
+  </p:clrMapOvr>
+</p:notes>
+</file>
+
+<file path=ppt/notesSlides/notesSlide8.xml><?xml version="1.0" encoding="utf-8"?>
+<p:notes xmlns:a="http://schemas.openxmlformats.org/drawingml/2006/main" xmlns:r="http://schemas.openxmlformats.org/officeDocument/2006/relationships" xmlns:p="http://schemas.openxmlformats.org/presentationml/2006/main">
+  <p:cSld>
+    <p:spTree>
+      <p:nvGrpSpPr>
+        <p:cNvPr id="1" name=""/>
+        <p:cNvGrpSpPr/>
+        <p:nvPr/>
+      </p:nvGrpSpPr>
+      <p:grpSpPr>
+        <a:xfrm>
+          <a:off x="0" y="0"/>
+          <a:ext cx="0" cy="0"/>
+          <a:chOff x="0" y="0"/>
+          <a:chExt cx="0" cy="0"/>
+        </a:xfrm>
+      </p:grpSpPr>
+      <p:sp>
+        <p:nvSpPr>
+          <p:cNvPr id="2" name="幻灯片图像占位符 1"/>
+          <p:cNvSpPr>
+            <a:spLocks noGrp="1" noRot="1" noChangeAspect="1"/>
+          </p:cNvSpPr>
+          <p:nvPr>
+            <p:ph type="sldImg"/>
+          </p:nvPr>
+        </p:nvSpPr>
+        <p:spPr/>
+      </p:sp>
+      <p:sp>
+        <p:nvSpPr>
+          <p:cNvPr id="3" name="备注占位符 2"/>
+          <p:cNvSpPr>
+            <a:spLocks noGrp="1"/>
+          </p:cNvSpPr>
+          <p:nvPr>
+            <p:ph type="body" idx="1"/>
+          </p:nvPr>
+        </p:nvSpPr>
+        <p:spPr/>
+        <p:txBody>
+          <a:bodyPr/>
+          <a:lstStyle/>
+          <a:p>
+            <a:r>
+              <a:rPr kumimoji="1" lang="en-US" altLang="zh-CN" dirty="0"/>
+              <a:t>Pod</a:t>
+            </a:r>
+            <a:r>
+              <a:rPr kumimoji="1" lang="zh-CN" altLang="en-US" dirty="0"/>
+              <a:t>是一个应用实例。</a:t>
+            </a:r>
+          </a:p>
+        </p:txBody>
+      </p:sp>
+      <p:sp>
+        <p:nvSpPr>
+          <p:cNvPr id="4" name="灯片编号占位符 3"/>
+          <p:cNvSpPr>
+            <a:spLocks noGrp="1"/>
+          </p:cNvSpPr>
+          <p:nvPr>
+            <p:ph type="sldNum" sz="quarter" idx="5"/>
+          </p:nvPr>
+        </p:nvSpPr>
+        <p:spPr/>
+        <p:txBody>
+          <a:bodyPr/>
+          <a:lstStyle/>
+          <a:p>
+            <a:fld id="{31EA30B6-CE17-D541-8DE4-B2D16378256D}" type="slidenum">
+              <a:rPr kumimoji="1" lang="zh-CN" altLang="en-US" smtClean="0"/>
+              <a:t>10</a:t>
+            </a:fld>
+            <a:endParaRPr kumimoji="1" lang="zh-CN" altLang="en-US"/>
+          </a:p>
+        </p:txBody>
+      </p:sp>
+    </p:spTree>
+    <p:extLst>
+      <p:ext uri="{BB962C8B-B14F-4D97-AF65-F5344CB8AC3E}">
+        <p14:creationId xmlns:p14="http://schemas.microsoft.com/office/powerpoint/2010/main" val="1527882770"/>
+      </p:ext>
+    </p:extLst>
+  </p:cSld>
+  <p:clrMapOvr>
+    <a:masterClrMapping/>
+  </p:clrMapOvr>
+</p:notes>
+</file>
+
+<file path=ppt/notesSlides/notesSlide9.xml><?xml version="1.0" encoding="utf-8"?>
+<p:notes xmlns:a="http://schemas.openxmlformats.org/drawingml/2006/main" xmlns:r="http://schemas.openxmlformats.org/officeDocument/2006/relationships" xmlns:p="http://schemas.openxmlformats.org/presentationml/2006/main">
+  <p:cSld>
+    <p:spTree>
+      <p:nvGrpSpPr>
+        <p:cNvPr id="1" name=""/>
+        <p:cNvGrpSpPr/>
+        <p:nvPr/>
+      </p:nvGrpSpPr>
+      <p:grpSpPr>
+        <a:xfrm>
+          <a:off x="0" y="0"/>
+          <a:ext cx="0" cy="0"/>
+          <a:chOff x="0" y="0"/>
+          <a:chExt cx="0" cy="0"/>
+        </a:xfrm>
+      </p:grpSpPr>
+      <p:sp>
+        <p:nvSpPr>
+          <p:cNvPr id="2" name="幻灯片图像占位符 1"/>
+          <p:cNvSpPr>
+            <a:spLocks noGrp="1" noRot="1" noChangeAspect="1"/>
+          </p:cNvSpPr>
+          <p:nvPr>
+            <p:ph type="sldImg"/>
+          </p:nvPr>
+        </p:nvSpPr>
+        <p:spPr/>
+      </p:sp>
+      <p:sp>
+        <p:nvSpPr>
+          <p:cNvPr id="3" name="备注占位符 2"/>
+          <p:cNvSpPr>
+            <a:spLocks noGrp="1"/>
+          </p:cNvSpPr>
+          <p:nvPr>
+            <p:ph type="body" idx="1"/>
+          </p:nvPr>
+        </p:nvSpPr>
+        <p:spPr/>
+        <p:txBody>
+          <a:bodyPr/>
+          <a:lstStyle/>
+          <a:p>
+            <a:r>
+              <a:rPr kumimoji="1" lang="en-US" altLang="zh-CN" dirty="0"/>
+              <a:t>Pod</a:t>
+            </a:r>
+            <a:r>
+              <a:rPr kumimoji="1" lang="zh-CN" altLang="en-US" dirty="0"/>
+              <a:t>在不熟的时候不是部署一个，而是采用冗余部署负载均衡的策略。</a:t>
+            </a:r>
+          </a:p>
+        </p:txBody>
+      </p:sp>
+      <p:sp>
+        <p:nvSpPr>
+          <p:cNvPr id="4" name="灯片编号占位符 3"/>
+          <p:cNvSpPr>
+            <a:spLocks noGrp="1"/>
+          </p:cNvSpPr>
+          <p:nvPr>
+            <p:ph type="sldNum" sz="quarter" idx="5"/>
+          </p:nvPr>
+        </p:nvSpPr>
+        <p:spPr/>
+        <p:txBody>
+          <a:bodyPr/>
+          <a:lstStyle/>
+          <a:p>
+            <a:fld id="{31EA30B6-CE17-D541-8DE4-B2D16378256D}" type="slidenum">
+              <a:rPr kumimoji="1" lang="zh-CN" altLang="en-US" smtClean="0"/>
+              <a:t>11</a:t>
+            </a:fld>
+            <a:endParaRPr kumimoji="1" lang="zh-CN" altLang="en-US"/>
+          </a:p>
+        </p:txBody>
+      </p:sp>
+    </p:spTree>
+    <p:extLst>
+      <p:ext uri="{BB962C8B-B14F-4D97-AF65-F5344CB8AC3E}">
+        <p14:creationId xmlns:p14="http://schemas.microsoft.com/office/powerpoint/2010/main" val="4049814234"/>
       </p:ext>
     </p:extLst>
   </p:cSld>
@@ -1947,7 +5163,7 @@
           <a:p>
             <a:fld id="{1BB29120-F4E4-3F43-9172-4E2F9F8002C3}" type="datetimeFigureOut">
               <a:rPr kumimoji="1" lang="zh-CN" altLang="en-US" smtClean="0"/>
-              <a:t>2022/9/16</a:t>
+              <a:t>2022/9/17</a:t>
             </a:fld>
             <a:endParaRPr kumimoji="1" lang="zh-CN" altLang="en-US"/>
           </a:p>
@@ -2145,7 +5361,7 @@
           <a:p>
             <a:fld id="{1BB29120-F4E4-3F43-9172-4E2F9F8002C3}" type="datetimeFigureOut">
               <a:rPr kumimoji="1" lang="zh-CN" altLang="en-US" smtClean="0"/>
-              <a:t>2022/9/16</a:t>
+              <a:t>2022/9/17</a:t>
             </a:fld>
             <a:endParaRPr kumimoji="1" lang="zh-CN" altLang="en-US"/>
           </a:p>
@@ -2353,7 +5569,7 @@
           <a:p>
             <a:fld id="{1BB29120-F4E4-3F43-9172-4E2F9F8002C3}" type="datetimeFigureOut">
               <a:rPr kumimoji="1" lang="zh-CN" altLang="en-US" smtClean="0"/>
-              <a:t>2022/9/16</a:t>
+              <a:t>2022/9/17</a:t>
             </a:fld>
             <a:endParaRPr kumimoji="1" lang="zh-CN" altLang="en-US"/>
           </a:p>
@@ -2551,7 +5767,7 @@
           <a:p>
             <a:fld id="{1BB29120-F4E4-3F43-9172-4E2F9F8002C3}" type="datetimeFigureOut">
               <a:rPr kumimoji="1" lang="zh-CN" altLang="en-US" smtClean="0"/>
-              <a:t>2022/9/16</a:t>
+              <a:t>2022/9/17</a:t>
             </a:fld>
             <a:endParaRPr kumimoji="1" lang="zh-CN" altLang="en-US"/>
           </a:p>
@@ -2826,7 +6042,7 @@
           <a:p>
             <a:fld id="{1BB29120-F4E4-3F43-9172-4E2F9F8002C3}" type="datetimeFigureOut">
               <a:rPr kumimoji="1" lang="zh-CN" altLang="en-US" smtClean="0"/>
-              <a:t>2022/9/16</a:t>
+              <a:t>2022/9/17</a:t>
             </a:fld>
             <a:endParaRPr kumimoji="1" lang="zh-CN" altLang="en-US"/>
           </a:p>
@@ -3091,7 +6307,7 @@
           <a:p>
             <a:fld id="{1BB29120-F4E4-3F43-9172-4E2F9F8002C3}" type="datetimeFigureOut">
               <a:rPr kumimoji="1" lang="zh-CN" altLang="en-US" smtClean="0"/>
-              <a:t>2022/9/16</a:t>
+              <a:t>2022/9/17</a:t>
             </a:fld>
             <a:endParaRPr kumimoji="1" lang="zh-CN" altLang="en-US"/>
           </a:p>
@@ -3503,7 +6719,7 @@
           <a:p>
             <a:fld id="{1BB29120-F4E4-3F43-9172-4E2F9F8002C3}" type="datetimeFigureOut">
               <a:rPr kumimoji="1" lang="zh-CN" altLang="en-US" smtClean="0"/>
-              <a:t>2022/9/16</a:t>
+              <a:t>2022/9/17</a:t>
             </a:fld>
             <a:endParaRPr kumimoji="1" lang="zh-CN" altLang="en-US"/>
           </a:p>
@@ -3644,7 +6860,7 @@
           <a:p>
             <a:fld id="{1BB29120-F4E4-3F43-9172-4E2F9F8002C3}" type="datetimeFigureOut">
               <a:rPr kumimoji="1" lang="zh-CN" altLang="en-US" smtClean="0"/>
-              <a:t>2022/9/16</a:t>
+              <a:t>2022/9/17</a:t>
             </a:fld>
             <a:endParaRPr kumimoji="1" lang="zh-CN" altLang="en-US"/>
           </a:p>
@@ -3757,7 +6973,7 @@
           <a:p>
             <a:fld id="{1BB29120-F4E4-3F43-9172-4E2F9F8002C3}" type="datetimeFigureOut">
               <a:rPr kumimoji="1" lang="zh-CN" altLang="en-US" smtClean="0"/>
-              <a:t>2022/9/16</a:t>
+              <a:t>2022/9/17</a:t>
             </a:fld>
             <a:endParaRPr kumimoji="1" lang="zh-CN" altLang="en-US"/>
           </a:p>
@@ -4068,7 +7284,7 @@
           <a:p>
             <a:fld id="{1BB29120-F4E4-3F43-9172-4E2F9F8002C3}" type="datetimeFigureOut">
               <a:rPr kumimoji="1" lang="zh-CN" altLang="en-US" smtClean="0"/>
-              <a:t>2022/9/16</a:t>
+              <a:t>2022/9/17</a:t>
             </a:fld>
             <a:endParaRPr kumimoji="1" lang="zh-CN" altLang="en-US"/>
           </a:p>
@@ -4356,7 +7572,7 @@
           <a:p>
             <a:fld id="{1BB29120-F4E4-3F43-9172-4E2F9F8002C3}" type="datetimeFigureOut">
               <a:rPr kumimoji="1" lang="zh-CN" altLang="en-US" smtClean="0"/>
-              <a:t>2022/9/16</a:t>
+              <a:t>2022/9/17</a:t>
             </a:fld>
             <a:endParaRPr kumimoji="1" lang="zh-CN" altLang="en-US"/>
           </a:p>
@@ -4597,7 +7813,7 @@
           <a:p>
             <a:fld id="{1BB29120-F4E4-3F43-9172-4E2F9F8002C3}" type="datetimeFigureOut">
               <a:rPr kumimoji="1" lang="zh-CN" altLang="en-US" smtClean="0"/>
-              <a:t>2022/9/16</a:t>
+              <a:t>2022/9/17</a:t>
             </a:fld>
             <a:endParaRPr kumimoji="1" lang="zh-CN" altLang="en-US"/>
           </a:p>
@@ -5116,6 +8332,1836 @@
 </p:sld>
 </file>
 
+<file path=ppt/slides/slide10.xml><?xml version="1.0" encoding="utf-8"?>
+<p:sld xmlns:a="http://schemas.openxmlformats.org/drawingml/2006/main" xmlns:r="http://schemas.openxmlformats.org/officeDocument/2006/relationships" xmlns:p="http://schemas.openxmlformats.org/presentationml/2006/main">
+  <p:cSld>
+    <p:spTree>
+      <p:nvGrpSpPr>
+        <p:cNvPr id="1" name=""/>
+        <p:cNvGrpSpPr/>
+        <p:nvPr/>
+      </p:nvGrpSpPr>
+      <p:grpSpPr>
+        <a:xfrm>
+          <a:off x="0" y="0"/>
+          <a:ext cx="0" cy="0"/>
+          <a:chOff x="0" y="0"/>
+          <a:chExt cx="0" cy="0"/>
+        </a:xfrm>
+      </p:grpSpPr>
+      <p:pic>
+        <p:nvPicPr>
+          <p:cNvPr id="4" name="图片 3">
+            <a:extLst>
+              <a:ext uri="{FF2B5EF4-FFF2-40B4-BE49-F238E27FC236}">
+                <a16:creationId xmlns:a16="http://schemas.microsoft.com/office/drawing/2014/main" id="{E51F98A8-0F43-1B45-B691-4D757542DBD2}"/>
+              </a:ext>
+            </a:extLst>
+          </p:cNvPr>
+          <p:cNvPicPr>
+            <a:picLocks noChangeAspect="1"/>
+          </p:cNvPicPr>
+          <p:nvPr/>
+        </p:nvPicPr>
+        <p:blipFill>
+          <a:blip r:embed="rId3"/>
+          <a:stretch>
+            <a:fillRect/>
+          </a:stretch>
+        </p:blipFill>
+        <p:spPr>
+          <a:xfrm>
+            <a:off x="0" y="0"/>
+            <a:ext cx="1089771" cy="733010"/>
+          </a:xfrm>
+          <a:prstGeom prst="rect">
+            <a:avLst/>
+          </a:prstGeom>
+        </p:spPr>
+      </p:pic>
+      <p:sp>
+        <p:nvSpPr>
+          <p:cNvPr id="5" name="文本框 4">
+            <a:extLst>
+              <a:ext uri="{FF2B5EF4-FFF2-40B4-BE49-F238E27FC236}">
+                <a16:creationId xmlns:a16="http://schemas.microsoft.com/office/drawing/2014/main" id="{6D4A32F6-6A7E-5E47-B75F-CFDCD319A5A7}"/>
+              </a:ext>
+            </a:extLst>
+          </p:cNvPr>
+          <p:cNvSpPr txBox="1"/>
+          <p:nvPr/>
+        </p:nvSpPr>
+        <p:spPr>
+          <a:xfrm>
+            <a:off x="5069840" y="348289"/>
+            <a:ext cx="1191352" cy="769441"/>
+          </a:xfrm>
+          <a:prstGeom prst="rect">
+            <a:avLst/>
+          </a:prstGeom>
+          <a:noFill/>
+        </p:spPr>
+        <p:txBody>
+          <a:bodyPr wrap="none" rtlCol="0">
+            <a:spAutoFit/>
+          </a:bodyPr>
+          <a:lstStyle/>
+          <a:p>
+            <a:r>
+              <a:rPr kumimoji="1" lang="en-US" altLang="zh-CN" sz="4400" b="1" dirty="0"/>
+              <a:t>Pod</a:t>
+            </a:r>
+          </a:p>
+        </p:txBody>
+      </p:sp>
+      <p:sp>
+        <p:nvSpPr>
+          <p:cNvPr id="6" name="文本框 5">
+            <a:extLst>
+              <a:ext uri="{FF2B5EF4-FFF2-40B4-BE49-F238E27FC236}">
+                <a16:creationId xmlns:a16="http://schemas.microsoft.com/office/drawing/2014/main" id="{37881278-659D-A541-8DC5-520D4D2EFE87}"/>
+              </a:ext>
+            </a:extLst>
+          </p:cNvPr>
+          <p:cNvSpPr txBox="1"/>
+          <p:nvPr/>
+        </p:nvSpPr>
+        <p:spPr>
+          <a:xfrm>
+            <a:off x="243840" y="1818640"/>
+            <a:ext cx="11348720" cy="1477328"/>
+          </a:xfrm>
+          <a:prstGeom prst="rect">
+            <a:avLst/>
+          </a:prstGeom>
+          <a:noFill/>
+        </p:spPr>
+        <p:txBody>
+          <a:bodyPr wrap="square" rtlCol="0">
+            <a:spAutoFit/>
+          </a:bodyPr>
+          <a:lstStyle/>
+          <a:p>
+            <a:pPr marL="285750" indent="-285750">
+              <a:buFont typeface="Arial" panose="020B0604020202020204" pitchFamily="34" charset="0"/>
+              <a:buChar char="•"/>
+            </a:pPr>
+            <a:r>
+              <a:rPr kumimoji="1" lang="en-US" altLang="zh-CN" dirty="0"/>
+              <a:t>Pod</a:t>
+            </a:r>
+            <a:r>
+              <a:rPr kumimoji="1" lang="zh-CN" altLang="en-US" dirty="0"/>
+              <a:t>是一组紧密关联的容器集合，是</a:t>
+            </a:r>
+            <a:r>
+              <a:rPr kumimoji="1" lang="en-US" altLang="zh-CN" dirty="0"/>
+              <a:t>k8s</a:t>
+            </a:r>
+            <a:r>
+              <a:rPr kumimoji="1" lang="zh-CN" altLang="en-US" dirty="0"/>
+              <a:t>调度的基本单位。</a:t>
+            </a:r>
+            <a:endParaRPr kumimoji="1" lang="en-US" altLang="zh-CN" dirty="0"/>
+          </a:p>
+          <a:p>
+            <a:pPr marL="285750" indent="-285750">
+              <a:buFont typeface="Arial" panose="020B0604020202020204" pitchFamily="34" charset="0"/>
+              <a:buChar char="•"/>
+            </a:pPr>
+            <a:r>
+              <a:rPr kumimoji="1" lang="en-US" altLang="zh-CN" dirty="0"/>
+              <a:t>Pod</a:t>
+            </a:r>
+            <a:r>
+              <a:rPr kumimoji="1" lang="zh-CN" altLang="en-US" dirty="0"/>
+              <a:t>的设计理念是支持多个容器在一个</a:t>
+            </a:r>
+            <a:r>
+              <a:rPr kumimoji="1" lang="en-US" altLang="zh-CN" dirty="0"/>
+              <a:t>Pod</a:t>
+            </a:r>
+            <a:r>
+              <a:rPr kumimoji="1" lang="zh-CN" altLang="en-US" dirty="0"/>
+              <a:t>中共享网络和文件系统，可以通过进程间通信和文件共享这种简单高效的方式组合完成服务。</a:t>
+            </a:r>
+            <a:endParaRPr kumimoji="1" lang="en-US" altLang="zh-CN" dirty="0"/>
+          </a:p>
+          <a:p>
+            <a:pPr marL="285750" indent="-285750">
+              <a:buFont typeface="Arial" panose="020B0604020202020204" pitchFamily="34" charset="0"/>
+              <a:buChar char="•"/>
+            </a:pPr>
+            <a:endParaRPr kumimoji="1" lang="en-US" altLang="zh-CN" dirty="0"/>
+          </a:p>
+          <a:p>
+            <a:pPr marL="285750" indent="-285750">
+              <a:buFont typeface="Arial" panose="020B0604020202020204" pitchFamily="34" charset="0"/>
+              <a:buChar char="•"/>
+            </a:pPr>
+            <a:endParaRPr kumimoji="1" lang="en-US" altLang="zh-CN" dirty="0"/>
+          </a:p>
+        </p:txBody>
+      </p:sp>
+    </p:spTree>
+    <p:extLst>
+      <p:ext uri="{BB962C8B-B14F-4D97-AF65-F5344CB8AC3E}">
+        <p14:creationId xmlns:p14="http://schemas.microsoft.com/office/powerpoint/2010/main" val="2990749333"/>
+      </p:ext>
+    </p:extLst>
+  </p:cSld>
+  <p:clrMapOvr>
+    <a:masterClrMapping/>
+  </p:clrMapOvr>
+</p:sld>
+</file>
+
+<file path=ppt/slides/slide11.xml><?xml version="1.0" encoding="utf-8"?>
+<p:sld xmlns:a="http://schemas.openxmlformats.org/drawingml/2006/main" xmlns:r="http://schemas.openxmlformats.org/officeDocument/2006/relationships" xmlns:p="http://schemas.openxmlformats.org/presentationml/2006/main">
+  <p:cSld>
+    <p:spTree>
+      <p:nvGrpSpPr>
+        <p:cNvPr id="1" name=""/>
+        <p:cNvGrpSpPr/>
+        <p:nvPr/>
+      </p:nvGrpSpPr>
+      <p:grpSpPr>
+        <a:xfrm>
+          <a:off x="0" y="0"/>
+          <a:ext cx="0" cy="0"/>
+          <a:chOff x="0" y="0"/>
+          <a:chExt cx="0" cy="0"/>
+        </a:xfrm>
+      </p:grpSpPr>
+      <p:pic>
+        <p:nvPicPr>
+          <p:cNvPr id="4" name="图片 3">
+            <a:extLst>
+              <a:ext uri="{FF2B5EF4-FFF2-40B4-BE49-F238E27FC236}">
+                <a16:creationId xmlns:a16="http://schemas.microsoft.com/office/drawing/2014/main" id="{E51F98A8-0F43-1B45-B691-4D757542DBD2}"/>
+              </a:ext>
+            </a:extLst>
+          </p:cNvPr>
+          <p:cNvPicPr>
+            <a:picLocks noChangeAspect="1"/>
+          </p:cNvPicPr>
+          <p:nvPr/>
+        </p:nvPicPr>
+        <p:blipFill>
+          <a:blip r:embed="rId3"/>
+          <a:stretch>
+            <a:fillRect/>
+          </a:stretch>
+        </p:blipFill>
+        <p:spPr>
+          <a:xfrm>
+            <a:off x="0" y="0"/>
+            <a:ext cx="1089771" cy="733010"/>
+          </a:xfrm>
+          <a:prstGeom prst="rect">
+            <a:avLst/>
+          </a:prstGeom>
+        </p:spPr>
+      </p:pic>
+      <p:sp>
+        <p:nvSpPr>
+          <p:cNvPr id="5" name="文本框 4">
+            <a:extLst>
+              <a:ext uri="{FF2B5EF4-FFF2-40B4-BE49-F238E27FC236}">
+                <a16:creationId xmlns:a16="http://schemas.microsoft.com/office/drawing/2014/main" id="{6D4A32F6-6A7E-5E47-B75F-CFDCD319A5A7}"/>
+              </a:ext>
+            </a:extLst>
+          </p:cNvPr>
+          <p:cNvSpPr txBox="1"/>
+          <p:nvPr/>
+        </p:nvSpPr>
+        <p:spPr>
+          <a:xfrm>
+            <a:off x="3952240" y="506384"/>
+            <a:ext cx="5663730" cy="769441"/>
+          </a:xfrm>
+          <a:prstGeom prst="rect">
+            <a:avLst/>
+          </a:prstGeom>
+          <a:noFill/>
+        </p:spPr>
+        <p:txBody>
+          <a:bodyPr wrap="none" rtlCol="0">
+            <a:spAutoFit/>
+          </a:bodyPr>
+          <a:lstStyle/>
+          <a:p>
+            <a:r>
+              <a:rPr kumimoji="1" lang="zh-CN" altLang="en-US" sz="4400" b="1" dirty="0"/>
+              <a:t>副本集（</a:t>
+            </a:r>
+            <a:r>
+              <a:rPr kumimoji="1" lang="en-US" altLang="zh-CN" sz="4400" b="1" dirty="0" err="1"/>
+              <a:t>ReplicaSet</a:t>
+            </a:r>
+            <a:r>
+              <a:rPr kumimoji="1" lang="zh-CN" altLang="en-US" sz="4400" b="1" dirty="0"/>
+              <a:t>）</a:t>
+            </a:r>
+            <a:endParaRPr kumimoji="1" lang="en-US" altLang="zh-CN" sz="4400" b="1" dirty="0"/>
+          </a:p>
+        </p:txBody>
+      </p:sp>
+      <p:sp>
+        <p:nvSpPr>
+          <p:cNvPr id="6" name="文本框 5">
+            <a:extLst>
+              <a:ext uri="{FF2B5EF4-FFF2-40B4-BE49-F238E27FC236}">
+                <a16:creationId xmlns:a16="http://schemas.microsoft.com/office/drawing/2014/main" id="{37881278-659D-A541-8DC5-520D4D2EFE87}"/>
+              </a:ext>
+            </a:extLst>
+          </p:cNvPr>
+          <p:cNvSpPr txBox="1"/>
+          <p:nvPr/>
+        </p:nvSpPr>
+        <p:spPr>
+          <a:xfrm>
+            <a:off x="243840" y="1818640"/>
+            <a:ext cx="11348720" cy="1200329"/>
+          </a:xfrm>
+          <a:prstGeom prst="rect">
+            <a:avLst/>
+          </a:prstGeom>
+          <a:noFill/>
+        </p:spPr>
+        <p:txBody>
+          <a:bodyPr wrap="square" rtlCol="0">
+            <a:spAutoFit/>
+          </a:bodyPr>
+          <a:lstStyle/>
+          <a:p>
+            <a:pPr marL="285750" indent="-285750">
+              <a:buFont typeface="Arial" panose="020B0604020202020204" pitchFamily="34" charset="0"/>
+              <a:buChar char="•"/>
+            </a:pPr>
+            <a:r>
+              <a:rPr kumimoji="1" lang="en-US" altLang="zh-CN" dirty="0"/>
+              <a:t>Pod</a:t>
+            </a:r>
+            <a:r>
+              <a:rPr kumimoji="1" lang="zh-CN" altLang="en-US" dirty="0"/>
+              <a:t>描述的是具体的应用实例，当</a:t>
+            </a:r>
+            <a:r>
+              <a:rPr kumimoji="1" lang="en-US" altLang="zh-CN" dirty="0"/>
+              <a:t>pod</a:t>
+            </a:r>
+            <a:r>
+              <a:rPr kumimoji="1" lang="zh-CN" altLang="en-US" dirty="0"/>
+              <a:t>被删除后就彻底消失了。</a:t>
+            </a:r>
+            <a:endParaRPr kumimoji="1" lang="en-US" altLang="zh-CN" dirty="0"/>
+          </a:p>
+          <a:p>
+            <a:pPr marL="285750" indent="-285750">
+              <a:buFont typeface="Arial" panose="020B0604020202020204" pitchFamily="34" charset="0"/>
+              <a:buChar char="•"/>
+            </a:pPr>
+            <a:r>
+              <a:rPr kumimoji="1" lang="zh-CN" altLang="en-US" dirty="0"/>
+              <a:t>为了保证应用的高可用，引入副本集来确保应用的总副本数永远与期望保持一致。</a:t>
+            </a:r>
+            <a:endParaRPr kumimoji="1" lang="en-US" altLang="zh-CN" dirty="0"/>
+          </a:p>
+          <a:p>
+            <a:pPr marL="285750" indent="-285750">
+              <a:buFont typeface="Arial" panose="020B0604020202020204" pitchFamily="34" charset="0"/>
+              <a:buChar char="•"/>
+            </a:pPr>
+            <a:r>
+              <a:rPr kumimoji="1" lang="zh-CN" altLang="en-US" dirty="0"/>
+              <a:t>若某个</a:t>
+            </a:r>
+            <a:r>
+              <a:rPr kumimoji="1" lang="en-US" altLang="zh-CN" dirty="0"/>
+              <a:t>Pod</a:t>
+            </a:r>
+            <a:r>
+              <a:rPr kumimoji="1" lang="zh-CN" altLang="en-US" dirty="0"/>
+              <a:t>隶属于某个副本集，若该</a:t>
+            </a:r>
+            <a:r>
+              <a:rPr kumimoji="1" lang="en-US" altLang="zh-CN" dirty="0"/>
+              <a:t>Pod</a:t>
+            </a:r>
+            <a:r>
+              <a:rPr kumimoji="1" lang="zh-CN" altLang="en-US" dirty="0"/>
+              <a:t>被删除，则</a:t>
+            </a:r>
+            <a:r>
+              <a:rPr kumimoji="1" lang="en-US" altLang="zh-CN" dirty="0" err="1"/>
+              <a:t>ReplicaSet</a:t>
+            </a:r>
+            <a:r>
+              <a:rPr kumimoji="1" lang="zh-CN" altLang="en-US" dirty="0"/>
+              <a:t> </a:t>
+            </a:r>
+            <a:r>
+              <a:rPr kumimoji="1" lang="en-US" altLang="zh-CN" dirty="0"/>
+              <a:t>Controller</a:t>
+            </a:r>
+            <a:r>
+              <a:rPr kumimoji="1" lang="zh-CN" altLang="en-US" dirty="0"/>
+              <a:t>会发现当前运行的副本数量与用户期望的不一致，则会创建新的</a:t>
+            </a:r>
+            <a:r>
+              <a:rPr kumimoji="1" lang="en-US" altLang="zh-CN" dirty="0"/>
+              <a:t>Pod</a:t>
+            </a:r>
+          </a:p>
+        </p:txBody>
+      </p:sp>
+    </p:spTree>
+    <p:extLst>
+      <p:ext uri="{BB962C8B-B14F-4D97-AF65-F5344CB8AC3E}">
+        <p14:creationId xmlns:p14="http://schemas.microsoft.com/office/powerpoint/2010/main" val="593390705"/>
+      </p:ext>
+    </p:extLst>
+  </p:cSld>
+  <p:clrMapOvr>
+    <a:masterClrMapping/>
+  </p:clrMapOvr>
+</p:sld>
+</file>
+
+<file path=ppt/slides/slide12.xml><?xml version="1.0" encoding="utf-8"?>
+<p:sld xmlns:a="http://schemas.openxmlformats.org/drawingml/2006/main" xmlns:r="http://schemas.openxmlformats.org/officeDocument/2006/relationships" xmlns:p="http://schemas.openxmlformats.org/presentationml/2006/main">
+  <p:cSld>
+    <p:spTree>
+      <p:nvGrpSpPr>
+        <p:cNvPr id="1" name=""/>
+        <p:cNvGrpSpPr/>
+        <p:nvPr/>
+      </p:nvGrpSpPr>
+      <p:grpSpPr>
+        <a:xfrm>
+          <a:off x="0" y="0"/>
+          <a:ext cx="0" cy="0"/>
+          <a:chOff x="0" y="0"/>
+          <a:chExt cx="0" cy="0"/>
+        </a:xfrm>
+      </p:grpSpPr>
+      <p:pic>
+        <p:nvPicPr>
+          <p:cNvPr id="4" name="图片 3">
+            <a:extLst>
+              <a:ext uri="{FF2B5EF4-FFF2-40B4-BE49-F238E27FC236}">
+                <a16:creationId xmlns:a16="http://schemas.microsoft.com/office/drawing/2014/main" id="{E51F98A8-0F43-1B45-B691-4D757542DBD2}"/>
+              </a:ext>
+            </a:extLst>
+          </p:cNvPr>
+          <p:cNvPicPr>
+            <a:picLocks noChangeAspect="1"/>
+          </p:cNvPicPr>
+          <p:nvPr/>
+        </p:nvPicPr>
+        <p:blipFill>
+          <a:blip r:embed="rId3"/>
+          <a:stretch>
+            <a:fillRect/>
+          </a:stretch>
+        </p:blipFill>
+        <p:spPr>
+          <a:xfrm>
+            <a:off x="0" y="0"/>
+            <a:ext cx="1089771" cy="733010"/>
+          </a:xfrm>
+          <a:prstGeom prst="rect">
+            <a:avLst/>
+          </a:prstGeom>
+        </p:spPr>
+      </p:pic>
+      <p:sp>
+        <p:nvSpPr>
+          <p:cNvPr id="5" name="文本框 4">
+            <a:extLst>
+              <a:ext uri="{FF2B5EF4-FFF2-40B4-BE49-F238E27FC236}">
+                <a16:creationId xmlns:a16="http://schemas.microsoft.com/office/drawing/2014/main" id="{6D4A32F6-6A7E-5E47-B75F-CFDCD319A5A7}"/>
+              </a:ext>
+            </a:extLst>
+          </p:cNvPr>
+          <p:cNvSpPr txBox="1"/>
+          <p:nvPr/>
+        </p:nvSpPr>
+        <p:spPr>
+          <a:xfrm>
+            <a:off x="3688080" y="366505"/>
+            <a:ext cx="5588389" cy="769441"/>
+          </a:xfrm>
+          <a:prstGeom prst="rect">
+            <a:avLst/>
+          </a:prstGeom>
+          <a:noFill/>
+        </p:spPr>
+        <p:txBody>
+          <a:bodyPr wrap="none" rtlCol="0">
+            <a:spAutoFit/>
+          </a:bodyPr>
+          <a:lstStyle/>
+          <a:p>
+            <a:r>
+              <a:rPr kumimoji="1" lang="zh-CN" altLang="en-US" sz="4400" b="1" dirty="0"/>
+              <a:t>部署（</a:t>
+            </a:r>
+            <a:r>
+              <a:rPr kumimoji="1" lang="en-US" altLang="zh-CN" sz="4400" b="1" dirty="0"/>
+              <a:t>Deployment</a:t>
+            </a:r>
+            <a:r>
+              <a:rPr kumimoji="1" lang="zh-CN" altLang="en-US" sz="4400" b="1" dirty="0"/>
+              <a:t>）</a:t>
+            </a:r>
+            <a:endParaRPr kumimoji="1" lang="en-US" altLang="zh-CN" sz="4400" b="1" dirty="0"/>
+          </a:p>
+        </p:txBody>
+      </p:sp>
+      <p:sp>
+        <p:nvSpPr>
+          <p:cNvPr id="6" name="文本框 5">
+            <a:extLst>
+              <a:ext uri="{FF2B5EF4-FFF2-40B4-BE49-F238E27FC236}">
+                <a16:creationId xmlns:a16="http://schemas.microsoft.com/office/drawing/2014/main" id="{37881278-659D-A541-8DC5-520D4D2EFE87}"/>
+              </a:ext>
+            </a:extLst>
+          </p:cNvPr>
+          <p:cNvSpPr txBox="1"/>
+          <p:nvPr/>
+        </p:nvSpPr>
+        <p:spPr>
+          <a:xfrm>
+            <a:off x="243840" y="1818640"/>
+            <a:ext cx="11348720" cy="1754326"/>
+          </a:xfrm>
+          <a:prstGeom prst="rect">
+            <a:avLst/>
+          </a:prstGeom>
+          <a:noFill/>
+        </p:spPr>
+        <p:txBody>
+          <a:bodyPr wrap="square" rtlCol="0">
+            <a:spAutoFit/>
+          </a:bodyPr>
+          <a:lstStyle/>
+          <a:p>
+            <a:pPr marL="285750" indent="-285750">
+              <a:buFont typeface="Arial" panose="020B0604020202020204" pitchFamily="34" charset="0"/>
+              <a:buChar char="•"/>
+            </a:pPr>
+            <a:r>
+              <a:rPr kumimoji="1" lang="zh-CN" altLang="en-US" dirty="0"/>
+              <a:t>部署表示用户对</a:t>
+            </a:r>
+            <a:r>
+              <a:rPr kumimoji="1" lang="en-US" altLang="zh-CN" dirty="0"/>
+              <a:t>k8s</a:t>
+            </a:r>
+            <a:r>
+              <a:rPr kumimoji="1" lang="zh-CN" altLang="en-US" dirty="0"/>
+              <a:t>集群的一次更新操作</a:t>
+            </a:r>
+            <a:endParaRPr kumimoji="1" lang="en-US" altLang="zh-CN" dirty="0"/>
+          </a:p>
+          <a:p>
+            <a:pPr marL="285750" indent="-285750">
+              <a:buFont typeface="Arial" panose="020B0604020202020204" pitchFamily="34" charset="0"/>
+              <a:buChar char="•"/>
+            </a:pPr>
+            <a:r>
+              <a:rPr kumimoji="1" lang="zh-CN" altLang="en-US" dirty="0"/>
+              <a:t>部署是一个比</a:t>
+            </a:r>
+            <a:r>
+              <a:rPr kumimoji="1" lang="en-US" altLang="zh-CN" dirty="0"/>
+              <a:t>RS</a:t>
+            </a:r>
+            <a:r>
+              <a:rPr kumimoji="1" lang="zh-CN" altLang="en-US" dirty="0"/>
+              <a:t>应用模式更广的</a:t>
+            </a:r>
+            <a:r>
+              <a:rPr kumimoji="1" lang="en-US" altLang="zh-CN" dirty="0"/>
+              <a:t>API</a:t>
+            </a:r>
+            <a:r>
+              <a:rPr kumimoji="1" lang="zh-CN" altLang="en-US" dirty="0"/>
+              <a:t>对象，可以创建一个新的应用，更新一个已存在的应用，也可以是滚动升级一个应用。</a:t>
+            </a:r>
+            <a:endParaRPr kumimoji="1" lang="en-US" altLang="zh-CN" dirty="0"/>
+          </a:p>
+          <a:p>
+            <a:pPr marL="285750" indent="-285750">
+              <a:buFont typeface="Arial" panose="020B0604020202020204" pitchFamily="34" charset="0"/>
+              <a:buChar char="•"/>
+            </a:pPr>
+            <a:r>
+              <a:rPr kumimoji="1" lang="zh-CN" altLang="en-US" dirty="0"/>
+              <a:t>滚动升级一个服务，实际是创建一个新的</a:t>
+            </a:r>
+            <a:r>
+              <a:rPr kumimoji="1" lang="en-US" altLang="zh-CN" dirty="0"/>
+              <a:t>RS</a:t>
+            </a:r>
+            <a:r>
+              <a:rPr kumimoji="1" lang="zh-CN" altLang="en-US" dirty="0"/>
+              <a:t>，然后逐渐将新的</a:t>
+            </a:r>
+            <a:r>
+              <a:rPr kumimoji="1" lang="en-US" altLang="zh-CN" dirty="0"/>
+              <a:t>RS</a:t>
+            </a:r>
+            <a:r>
+              <a:rPr kumimoji="1" lang="zh-CN" altLang="en-US" dirty="0"/>
+              <a:t>中副本数量增加到理想状态，将旧</a:t>
+            </a:r>
+            <a:r>
+              <a:rPr kumimoji="1" lang="en-US" altLang="zh-CN" dirty="0"/>
+              <a:t>RS</a:t>
+            </a:r>
+          </a:p>
+          <a:p>
+            <a:pPr marL="285750" indent="-285750">
+              <a:buFont typeface="Arial" panose="020B0604020202020204" pitchFamily="34" charset="0"/>
+              <a:buChar char="•"/>
+            </a:pPr>
+            <a:r>
+              <a:rPr kumimoji="1" lang="zh-CN" altLang="en-US" dirty="0"/>
+              <a:t>中的副本数量减小到</a:t>
+            </a:r>
+            <a:r>
+              <a:rPr kumimoji="1" lang="en-US" altLang="zh-CN" dirty="0"/>
+              <a:t>0</a:t>
+            </a:r>
+            <a:r>
+              <a:rPr kumimoji="1" lang="zh-CN" altLang="en-US" dirty="0"/>
+              <a:t>的复合操作；这样一个复合操作用一个</a:t>
+            </a:r>
+            <a:r>
+              <a:rPr kumimoji="1" lang="en-US" altLang="zh-CN" dirty="0"/>
+              <a:t>RS</a:t>
+            </a:r>
+            <a:r>
+              <a:rPr kumimoji="1" lang="zh-CN" altLang="en-US" dirty="0"/>
+              <a:t>是不太好描述的，所以用一个更通用的</a:t>
+            </a:r>
+            <a:r>
+              <a:rPr kumimoji="1" lang="en-US" altLang="zh-CN" sz="1800" dirty="0"/>
+              <a:t>Deployment</a:t>
+            </a:r>
+            <a:r>
+              <a:rPr kumimoji="1" lang="zh-CN" altLang="en-US" sz="1800" dirty="0"/>
+              <a:t>来描述。</a:t>
+            </a:r>
+            <a:endParaRPr kumimoji="1" lang="en-US" altLang="zh-CN" dirty="0"/>
+          </a:p>
+        </p:txBody>
+      </p:sp>
+    </p:spTree>
+    <p:extLst>
+      <p:ext uri="{BB962C8B-B14F-4D97-AF65-F5344CB8AC3E}">
+        <p14:creationId xmlns:p14="http://schemas.microsoft.com/office/powerpoint/2010/main" val="3527754682"/>
+      </p:ext>
+    </p:extLst>
+  </p:cSld>
+  <p:clrMapOvr>
+    <a:masterClrMapping/>
+  </p:clrMapOvr>
+</p:sld>
+</file>
+
+<file path=ppt/slides/slide13.xml><?xml version="1.0" encoding="utf-8"?>
+<p:sld xmlns:a="http://schemas.openxmlformats.org/drawingml/2006/main" xmlns:r="http://schemas.openxmlformats.org/officeDocument/2006/relationships" xmlns:p="http://schemas.openxmlformats.org/presentationml/2006/main">
+  <p:cSld>
+    <p:spTree>
+      <p:nvGrpSpPr>
+        <p:cNvPr id="1" name=""/>
+        <p:cNvGrpSpPr/>
+        <p:nvPr/>
+      </p:nvGrpSpPr>
+      <p:grpSpPr>
+        <a:xfrm>
+          <a:off x="0" y="0"/>
+          <a:ext cx="0" cy="0"/>
+          <a:chOff x="0" y="0"/>
+          <a:chExt cx="0" cy="0"/>
+        </a:xfrm>
+      </p:grpSpPr>
+      <p:pic>
+        <p:nvPicPr>
+          <p:cNvPr id="4" name="图片 3">
+            <a:extLst>
+              <a:ext uri="{FF2B5EF4-FFF2-40B4-BE49-F238E27FC236}">
+                <a16:creationId xmlns:a16="http://schemas.microsoft.com/office/drawing/2014/main" id="{E51F98A8-0F43-1B45-B691-4D757542DBD2}"/>
+              </a:ext>
+            </a:extLst>
+          </p:cNvPr>
+          <p:cNvPicPr>
+            <a:picLocks noChangeAspect="1"/>
+          </p:cNvPicPr>
+          <p:nvPr/>
+        </p:nvPicPr>
+        <p:blipFill>
+          <a:blip r:embed="rId3"/>
+          <a:stretch>
+            <a:fillRect/>
+          </a:stretch>
+        </p:blipFill>
+        <p:spPr>
+          <a:xfrm>
+            <a:off x="0" y="0"/>
+            <a:ext cx="1089771" cy="733010"/>
+          </a:xfrm>
+          <a:prstGeom prst="rect">
+            <a:avLst/>
+          </a:prstGeom>
+        </p:spPr>
+      </p:pic>
+      <p:sp>
+        <p:nvSpPr>
+          <p:cNvPr id="5" name="文本框 4">
+            <a:extLst>
+              <a:ext uri="{FF2B5EF4-FFF2-40B4-BE49-F238E27FC236}">
+                <a16:creationId xmlns:a16="http://schemas.microsoft.com/office/drawing/2014/main" id="{6D4A32F6-6A7E-5E47-B75F-CFDCD319A5A7}"/>
+              </a:ext>
+            </a:extLst>
+          </p:cNvPr>
+          <p:cNvSpPr txBox="1"/>
+          <p:nvPr/>
+        </p:nvSpPr>
+        <p:spPr>
+          <a:xfrm>
+            <a:off x="3688080" y="366505"/>
+            <a:ext cx="4257897" cy="769441"/>
+          </a:xfrm>
+          <a:prstGeom prst="rect">
+            <a:avLst/>
+          </a:prstGeom>
+          <a:noFill/>
+        </p:spPr>
+        <p:txBody>
+          <a:bodyPr wrap="none" rtlCol="0">
+            <a:spAutoFit/>
+          </a:bodyPr>
+          <a:lstStyle/>
+          <a:p>
+            <a:r>
+              <a:rPr kumimoji="1" lang="zh-CN" altLang="en-US" sz="4400" b="1" dirty="0"/>
+              <a:t>服务（</a:t>
+            </a:r>
+            <a:r>
+              <a:rPr kumimoji="1" lang="en-US" altLang="zh-CN" sz="4400" b="1" dirty="0"/>
+              <a:t>Service</a:t>
+            </a:r>
+            <a:r>
+              <a:rPr kumimoji="1" lang="zh-CN" altLang="en-US" sz="4400" b="1" dirty="0"/>
+              <a:t>）</a:t>
+            </a:r>
+            <a:endParaRPr kumimoji="1" lang="en-US" altLang="zh-CN" sz="4400" b="1" dirty="0"/>
+          </a:p>
+        </p:txBody>
+      </p:sp>
+      <p:sp>
+        <p:nvSpPr>
+          <p:cNvPr id="3" name="文本框 2">
+            <a:extLst>
+              <a:ext uri="{FF2B5EF4-FFF2-40B4-BE49-F238E27FC236}">
+                <a16:creationId xmlns:a16="http://schemas.microsoft.com/office/drawing/2014/main" id="{C5659FA1-95FA-C240-A1EB-A0A1594FB9CD}"/>
+              </a:ext>
+            </a:extLst>
+          </p:cNvPr>
+          <p:cNvSpPr txBox="1"/>
+          <p:nvPr/>
+        </p:nvSpPr>
+        <p:spPr>
+          <a:xfrm>
+            <a:off x="5628640" y="1544320"/>
+            <a:ext cx="5836920" cy="923330"/>
+          </a:xfrm>
+          <a:prstGeom prst="rect">
+            <a:avLst/>
+          </a:prstGeom>
+          <a:noFill/>
+        </p:spPr>
+        <p:txBody>
+          <a:bodyPr wrap="square" rtlCol="0">
+            <a:spAutoFit/>
+          </a:bodyPr>
+          <a:lstStyle/>
+          <a:p>
+            <a:r>
+              <a:rPr lang="en-US" altLang="zh-CN" b="0" i="0" u="none" strike="noStrike" dirty="0">
+                <a:solidFill>
+                  <a:schemeClr val="tx1">
+                    <a:lumMod val="95000"/>
+                    <a:lumOff val="5000"/>
+                  </a:schemeClr>
+                </a:solidFill>
+                <a:effectLst/>
+                <a:latin typeface="Helvetica Neue" panose="02000503000000020004" pitchFamily="2" charset="0"/>
+              </a:rPr>
+              <a:t>Service </a:t>
+            </a:r>
+            <a:r>
+              <a:rPr lang="zh-CN" altLang="en-US" b="0" i="0" u="none" strike="noStrike" dirty="0">
+                <a:solidFill>
+                  <a:schemeClr val="tx1">
+                    <a:lumMod val="95000"/>
+                    <a:lumOff val="5000"/>
+                  </a:schemeClr>
+                </a:solidFill>
+                <a:effectLst/>
+                <a:latin typeface="Helvetica Neue" panose="02000503000000020004" pitchFamily="2" charset="0"/>
+              </a:rPr>
+              <a:t>是对一组提供相同功能的 </a:t>
+            </a:r>
+            <a:r>
+              <a:rPr lang="en-US" altLang="zh-CN" b="0" i="0" u="none" strike="noStrike" dirty="0">
+                <a:solidFill>
+                  <a:schemeClr val="tx1">
+                    <a:lumMod val="95000"/>
+                    <a:lumOff val="5000"/>
+                  </a:schemeClr>
+                </a:solidFill>
+                <a:effectLst/>
+                <a:latin typeface="Helvetica Neue" panose="02000503000000020004" pitchFamily="2" charset="0"/>
+              </a:rPr>
+              <a:t>Pods </a:t>
+            </a:r>
+            <a:r>
+              <a:rPr lang="zh-CN" altLang="en-US" b="0" i="0" u="none" strike="noStrike" dirty="0">
+                <a:solidFill>
+                  <a:schemeClr val="tx1">
+                    <a:lumMod val="95000"/>
+                    <a:lumOff val="5000"/>
+                  </a:schemeClr>
+                </a:solidFill>
+                <a:effectLst/>
+                <a:latin typeface="Helvetica Neue" panose="02000503000000020004" pitchFamily="2" charset="0"/>
+              </a:rPr>
+              <a:t>的抽象，并为它们提供一个统一的入口。借助 </a:t>
+            </a:r>
+            <a:r>
+              <a:rPr lang="en-US" altLang="zh-CN" b="0" i="0" u="none" strike="noStrike" dirty="0">
+                <a:solidFill>
+                  <a:schemeClr val="tx1">
+                    <a:lumMod val="95000"/>
+                    <a:lumOff val="5000"/>
+                  </a:schemeClr>
+                </a:solidFill>
+                <a:effectLst/>
+                <a:latin typeface="Helvetica Neue" panose="02000503000000020004" pitchFamily="2" charset="0"/>
+              </a:rPr>
+              <a:t>Service</a:t>
+            </a:r>
+            <a:r>
+              <a:rPr lang="zh-CN" altLang="en-US" b="0" i="0" u="none" strike="noStrike" dirty="0">
+                <a:solidFill>
+                  <a:schemeClr val="tx1">
+                    <a:lumMod val="95000"/>
+                    <a:lumOff val="5000"/>
+                  </a:schemeClr>
+                </a:solidFill>
+                <a:effectLst/>
+                <a:latin typeface="Helvetica Neue" panose="02000503000000020004" pitchFamily="2" charset="0"/>
+              </a:rPr>
+              <a:t>，应用可以方便的实现服务发现与负载均衡。</a:t>
+            </a:r>
+            <a:endParaRPr kumimoji="1" lang="zh-CN" altLang="en-US" dirty="0">
+              <a:solidFill>
+                <a:schemeClr val="tx1">
+                  <a:lumMod val="95000"/>
+                  <a:lumOff val="5000"/>
+                </a:schemeClr>
+              </a:solidFill>
+            </a:endParaRPr>
+          </a:p>
+        </p:txBody>
+      </p:sp>
+      <p:pic>
+        <p:nvPicPr>
+          <p:cNvPr id="7" name="图片 6">
+            <a:extLst>
+              <a:ext uri="{FF2B5EF4-FFF2-40B4-BE49-F238E27FC236}">
+                <a16:creationId xmlns:a16="http://schemas.microsoft.com/office/drawing/2014/main" id="{EDF432BA-985C-5744-A579-8115B6D0E632}"/>
+              </a:ext>
+            </a:extLst>
+          </p:cNvPr>
+          <p:cNvPicPr>
+            <a:picLocks noChangeAspect="1"/>
+          </p:cNvPicPr>
+          <p:nvPr/>
+        </p:nvPicPr>
+        <p:blipFill>
+          <a:blip r:embed="rId4"/>
+          <a:stretch>
+            <a:fillRect/>
+          </a:stretch>
+        </p:blipFill>
+        <p:spPr>
+          <a:xfrm>
+            <a:off x="111760" y="1290214"/>
+            <a:ext cx="5289794" cy="5567786"/>
+          </a:xfrm>
+          <a:prstGeom prst="rect">
+            <a:avLst/>
+          </a:prstGeom>
+        </p:spPr>
+      </p:pic>
+      <p:pic>
+        <p:nvPicPr>
+          <p:cNvPr id="8" name="图片 7">
+            <a:extLst>
+              <a:ext uri="{FF2B5EF4-FFF2-40B4-BE49-F238E27FC236}">
+                <a16:creationId xmlns:a16="http://schemas.microsoft.com/office/drawing/2014/main" id="{2E2F17C3-A25A-7B4C-9A92-3BA65D07A3BD}"/>
+              </a:ext>
+            </a:extLst>
+          </p:cNvPr>
+          <p:cNvPicPr>
+            <a:picLocks noChangeAspect="1"/>
+          </p:cNvPicPr>
+          <p:nvPr/>
+        </p:nvPicPr>
+        <p:blipFill>
+          <a:blip r:embed="rId5"/>
+          <a:stretch>
+            <a:fillRect/>
+          </a:stretch>
+        </p:blipFill>
+        <p:spPr>
+          <a:xfrm>
+            <a:off x="6001406" y="2764221"/>
+            <a:ext cx="5183571" cy="3912129"/>
+          </a:xfrm>
+          <a:prstGeom prst="rect">
+            <a:avLst/>
+          </a:prstGeom>
+        </p:spPr>
+      </p:pic>
+    </p:spTree>
+    <p:extLst>
+      <p:ext uri="{BB962C8B-B14F-4D97-AF65-F5344CB8AC3E}">
+        <p14:creationId xmlns:p14="http://schemas.microsoft.com/office/powerpoint/2010/main" val="453932792"/>
+      </p:ext>
+    </p:extLst>
+  </p:cSld>
+  <p:clrMapOvr>
+    <a:masterClrMapping/>
+  </p:clrMapOvr>
+</p:sld>
+</file>
+
+<file path=ppt/slides/slide14.xml><?xml version="1.0" encoding="utf-8"?>
+<p:sld xmlns:a="http://schemas.openxmlformats.org/drawingml/2006/main" xmlns:r="http://schemas.openxmlformats.org/officeDocument/2006/relationships" xmlns:p="http://schemas.openxmlformats.org/presentationml/2006/main">
+  <p:cSld>
+    <p:spTree>
+      <p:nvGrpSpPr>
+        <p:cNvPr id="1" name=""/>
+        <p:cNvGrpSpPr/>
+        <p:nvPr/>
+      </p:nvGrpSpPr>
+      <p:grpSpPr>
+        <a:xfrm>
+          <a:off x="0" y="0"/>
+          <a:ext cx="0" cy="0"/>
+          <a:chOff x="0" y="0"/>
+          <a:chExt cx="0" cy="0"/>
+        </a:xfrm>
+      </p:grpSpPr>
+      <p:pic>
+        <p:nvPicPr>
+          <p:cNvPr id="4" name="图片 3">
+            <a:extLst>
+              <a:ext uri="{FF2B5EF4-FFF2-40B4-BE49-F238E27FC236}">
+                <a16:creationId xmlns:a16="http://schemas.microsoft.com/office/drawing/2014/main" id="{E51F98A8-0F43-1B45-B691-4D757542DBD2}"/>
+              </a:ext>
+            </a:extLst>
+          </p:cNvPr>
+          <p:cNvPicPr>
+            <a:picLocks noChangeAspect="1"/>
+          </p:cNvPicPr>
+          <p:nvPr/>
+        </p:nvPicPr>
+        <p:blipFill>
+          <a:blip r:embed="rId3"/>
+          <a:stretch>
+            <a:fillRect/>
+          </a:stretch>
+        </p:blipFill>
+        <p:spPr>
+          <a:xfrm>
+            <a:off x="0" y="0"/>
+            <a:ext cx="1089771" cy="733010"/>
+          </a:xfrm>
+          <a:prstGeom prst="rect">
+            <a:avLst/>
+          </a:prstGeom>
+        </p:spPr>
+      </p:pic>
+      <p:sp>
+        <p:nvSpPr>
+          <p:cNvPr id="5" name="文本框 4">
+            <a:extLst>
+              <a:ext uri="{FF2B5EF4-FFF2-40B4-BE49-F238E27FC236}">
+                <a16:creationId xmlns:a16="http://schemas.microsoft.com/office/drawing/2014/main" id="{6D4A32F6-6A7E-5E47-B75F-CFDCD319A5A7}"/>
+              </a:ext>
+            </a:extLst>
+          </p:cNvPr>
+          <p:cNvSpPr txBox="1"/>
+          <p:nvPr/>
+        </p:nvSpPr>
+        <p:spPr>
+          <a:xfrm>
+            <a:off x="3688080" y="366505"/>
+            <a:ext cx="3156633" cy="769441"/>
+          </a:xfrm>
+          <a:prstGeom prst="rect">
+            <a:avLst/>
+          </a:prstGeom>
+          <a:noFill/>
+        </p:spPr>
+        <p:txBody>
+          <a:bodyPr wrap="none" rtlCol="0">
+            <a:spAutoFit/>
+          </a:bodyPr>
+          <a:lstStyle/>
+          <a:p>
+            <a:r>
+              <a:rPr kumimoji="1" lang="en-US" altLang="zh-CN" sz="4400" b="1" dirty="0"/>
+              <a:t>Namespace</a:t>
+            </a:r>
+          </a:p>
+        </p:txBody>
+      </p:sp>
+      <p:sp>
+        <p:nvSpPr>
+          <p:cNvPr id="7" name="文本框 6">
+            <a:extLst>
+              <a:ext uri="{FF2B5EF4-FFF2-40B4-BE49-F238E27FC236}">
+                <a16:creationId xmlns:a16="http://schemas.microsoft.com/office/drawing/2014/main" id="{C7F0079C-82A1-B745-8042-4B2570179C36}"/>
+              </a:ext>
+            </a:extLst>
+          </p:cNvPr>
+          <p:cNvSpPr txBox="1"/>
+          <p:nvPr/>
+        </p:nvSpPr>
+        <p:spPr>
+          <a:xfrm>
+            <a:off x="243840" y="1818640"/>
+            <a:ext cx="11348720" cy="1754326"/>
+          </a:xfrm>
+          <a:prstGeom prst="rect">
+            <a:avLst/>
+          </a:prstGeom>
+          <a:noFill/>
+        </p:spPr>
+        <p:txBody>
+          <a:bodyPr wrap="square" rtlCol="0">
+            <a:spAutoFit/>
+          </a:bodyPr>
+          <a:lstStyle/>
+          <a:p>
+            <a:pPr marL="285750" indent="-285750">
+              <a:buFont typeface="Arial" panose="020B0604020202020204" pitchFamily="34" charset="0"/>
+              <a:buChar char="•"/>
+            </a:pPr>
+            <a:r>
+              <a:rPr kumimoji="1" lang="en-US" altLang="zh-CN" dirty="0"/>
+              <a:t>Namespace</a:t>
+            </a:r>
+            <a:r>
+              <a:rPr kumimoji="1" lang="zh-CN" altLang="en-US" dirty="0"/>
+              <a:t>是对一组资源和对象的抽象集合，比如可以用来将系统内部的对象划分为不同的项目组或用户组</a:t>
+            </a:r>
+            <a:endParaRPr kumimoji="1" lang="en-US" altLang="zh-CN" dirty="0"/>
+          </a:p>
+          <a:p>
+            <a:pPr marL="285750" indent="-285750">
+              <a:buFont typeface="Arial" panose="020B0604020202020204" pitchFamily="34" charset="0"/>
+              <a:buChar char="•"/>
+            </a:pPr>
+            <a:r>
+              <a:rPr kumimoji="1" lang="zh-CN" altLang="en-US" dirty="0"/>
+              <a:t>从 </a:t>
+            </a:r>
+            <a:r>
+              <a:rPr kumimoji="1" lang="en-US" altLang="zh-CN" dirty="0"/>
+              <a:t>Namespace </a:t>
+            </a:r>
+            <a:r>
+              <a:rPr kumimoji="1" lang="zh-CN" altLang="en-US" dirty="0"/>
+              <a:t>划分的维度看</a:t>
+            </a:r>
+            <a:r>
+              <a:rPr kumimoji="1" lang="en-US" altLang="zh-CN" dirty="0"/>
+              <a:t>,Kubernetes </a:t>
+            </a:r>
+            <a:r>
+              <a:rPr kumimoji="1" lang="zh-CN" altLang="en-US" dirty="0"/>
+              <a:t>对象分为两类</a:t>
+            </a:r>
+            <a:r>
+              <a:rPr kumimoji="1" lang="en-US" altLang="zh-CN" dirty="0"/>
+              <a:t>:</a:t>
+            </a:r>
+          </a:p>
+          <a:p>
+            <a:pPr marL="742950" lvl="1" indent="-285750">
+              <a:buFont typeface="Arial" panose="020B0604020202020204" pitchFamily="34" charset="0"/>
+              <a:buChar char="•"/>
+            </a:pPr>
+            <a:r>
+              <a:rPr kumimoji="1" lang="en-US" altLang="zh-CN" dirty="0"/>
+              <a:t>Non-</a:t>
+            </a:r>
+            <a:r>
+              <a:rPr kumimoji="1" lang="en-US" altLang="zh-CN" dirty="0" err="1"/>
+              <a:t>namespaced</a:t>
+            </a:r>
+            <a:r>
+              <a:rPr kumimoji="1" lang="en-US" altLang="zh-CN" dirty="0"/>
+              <a:t> object:</a:t>
+            </a:r>
+            <a:r>
+              <a:rPr kumimoji="1" lang="zh-CN" altLang="en-US" dirty="0"/>
+              <a:t>全局对象</a:t>
+            </a:r>
+            <a:r>
+              <a:rPr kumimoji="1" lang="en-US" altLang="zh-CN" dirty="0"/>
+              <a:t>,</a:t>
+            </a:r>
+            <a:r>
+              <a:rPr kumimoji="1" lang="zh-CN" altLang="en-US" dirty="0"/>
+              <a:t>这些对象不与任何 </a:t>
+            </a:r>
+            <a:r>
+              <a:rPr kumimoji="1" lang="en-US" altLang="zh-CN" dirty="0"/>
+              <a:t>Namespace </a:t>
+            </a:r>
+            <a:r>
+              <a:rPr kumimoji="1" lang="zh-CN" altLang="en-US" dirty="0"/>
+              <a:t>绑定</a:t>
+            </a:r>
+            <a:r>
+              <a:rPr kumimoji="1" lang="en-US" altLang="zh-CN" dirty="0"/>
+              <a:t>,</a:t>
+            </a:r>
+            <a:r>
+              <a:rPr kumimoji="1" lang="zh-CN" altLang="en-US" dirty="0"/>
+              <a:t>属于集群范围的对象</a:t>
+            </a:r>
+            <a:r>
+              <a:rPr kumimoji="1" lang="en-US" altLang="zh-CN" dirty="0"/>
+              <a:t>.</a:t>
+            </a:r>
+            <a:r>
+              <a:rPr kumimoji="1" lang="zh-CN" altLang="en-US" dirty="0"/>
+              <a:t>如 </a:t>
+            </a:r>
+            <a:r>
+              <a:rPr kumimoji="1" lang="en-US" altLang="zh-CN" dirty="0"/>
+              <a:t>Node, </a:t>
+            </a:r>
+            <a:r>
+              <a:rPr kumimoji="1" lang="en-US" altLang="zh-CN" dirty="0" err="1"/>
+              <a:t>PersistVolume</a:t>
+            </a:r>
+            <a:r>
+              <a:rPr kumimoji="1" lang="en-US" altLang="zh-CN" dirty="0"/>
+              <a:t>, </a:t>
+            </a:r>
+            <a:r>
+              <a:rPr kumimoji="1" lang="en-US" altLang="zh-CN" dirty="0" err="1"/>
+              <a:t>ClusterRole</a:t>
+            </a:r>
+            <a:r>
+              <a:rPr kumimoji="1" lang="en-US" altLang="zh-CN" dirty="0"/>
+              <a:t>.</a:t>
+            </a:r>
+          </a:p>
+          <a:p>
+            <a:pPr marL="742950" lvl="1" indent="-285750">
+              <a:buFont typeface="Arial" panose="020B0604020202020204" pitchFamily="34" charset="0"/>
+              <a:buChar char="•"/>
+            </a:pPr>
+            <a:r>
+              <a:rPr kumimoji="1" lang="en-US" altLang="zh-CN" dirty="0" err="1"/>
+              <a:t>Namespaced</a:t>
+            </a:r>
+            <a:r>
+              <a:rPr kumimoji="1" lang="en-US" altLang="zh-CN" dirty="0"/>
+              <a:t> object:</a:t>
+            </a:r>
+            <a:r>
+              <a:rPr kumimoji="1" lang="zh-CN" altLang="en-US" dirty="0"/>
+              <a:t>与具体 </a:t>
+            </a:r>
+            <a:r>
+              <a:rPr kumimoji="1" lang="en-US" altLang="zh-CN" dirty="0"/>
+              <a:t>Namespace </a:t>
+            </a:r>
+            <a:r>
+              <a:rPr kumimoji="1" lang="zh-CN" altLang="en-US" dirty="0"/>
+              <a:t>绑定对象，如 </a:t>
+            </a:r>
+            <a:r>
+              <a:rPr kumimoji="1" lang="en-US" altLang="zh-CN" dirty="0"/>
+              <a:t>Pod </a:t>
+            </a:r>
+            <a:r>
+              <a:rPr kumimoji="1" lang="zh-CN" altLang="en-US" dirty="0"/>
+              <a:t>， </a:t>
+            </a:r>
+            <a:r>
+              <a:rPr kumimoji="1" lang="en-US" altLang="zh-CN" dirty="0"/>
+              <a:t>Service</a:t>
+            </a:r>
+            <a:r>
+              <a:rPr kumimoji="1" lang="zh-CN" altLang="en-US" dirty="0"/>
+              <a:t>。</a:t>
+            </a:r>
+            <a:endParaRPr kumimoji="1" lang="en-US" altLang="zh-CN" dirty="0"/>
+          </a:p>
+          <a:p>
+            <a:pPr marL="742950" lvl="1" indent="-285750">
+              <a:buFont typeface="Arial" panose="020B0604020202020204" pitchFamily="34" charset="0"/>
+              <a:buChar char="•"/>
+            </a:pPr>
+            <a:endParaRPr kumimoji="1" lang="en-US" altLang="zh-CN" dirty="0"/>
+          </a:p>
+        </p:txBody>
+      </p:sp>
+    </p:spTree>
+    <p:extLst>
+      <p:ext uri="{BB962C8B-B14F-4D97-AF65-F5344CB8AC3E}">
+        <p14:creationId xmlns:p14="http://schemas.microsoft.com/office/powerpoint/2010/main" val="731138079"/>
+      </p:ext>
+    </p:extLst>
+  </p:cSld>
+  <p:clrMapOvr>
+    <a:masterClrMapping/>
+  </p:clrMapOvr>
+</p:sld>
+</file>
+
+<file path=ppt/slides/slide15.xml><?xml version="1.0" encoding="utf-8"?>
+<p:sld xmlns:a="http://schemas.openxmlformats.org/drawingml/2006/main" xmlns:r="http://schemas.openxmlformats.org/officeDocument/2006/relationships" xmlns:p="http://schemas.openxmlformats.org/presentationml/2006/main">
+  <p:cSld>
+    <p:spTree>
+      <p:nvGrpSpPr>
+        <p:cNvPr id="1" name=""/>
+        <p:cNvGrpSpPr/>
+        <p:nvPr/>
+      </p:nvGrpSpPr>
+      <p:grpSpPr>
+        <a:xfrm>
+          <a:off x="0" y="0"/>
+          <a:ext cx="0" cy="0"/>
+          <a:chOff x="0" y="0"/>
+          <a:chExt cx="0" cy="0"/>
+        </a:xfrm>
+      </p:grpSpPr>
+      <p:pic>
+        <p:nvPicPr>
+          <p:cNvPr id="4" name="图片 3">
+            <a:extLst>
+              <a:ext uri="{FF2B5EF4-FFF2-40B4-BE49-F238E27FC236}">
+                <a16:creationId xmlns:a16="http://schemas.microsoft.com/office/drawing/2014/main" id="{E51F98A8-0F43-1B45-B691-4D757542DBD2}"/>
+              </a:ext>
+            </a:extLst>
+          </p:cNvPr>
+          <p:cNvPicPr>
+            <a:picLocks noChangeAspect="1"/>
+          </p:cNvPicPr>
+          <p:nvPr/>
+        </p:nvPicPr>
+        <p:blipFill>
+          <a:blip r:embed="rId3"/>
+          <a:stretch>
+            <a:fillRect/>
+          </a:stretch>
+        </p:blipFill>
+        <p:spPr>
+          <a:xfrm>
+            <a:off x="0" y="0"/>
+            <a:ext cx="1089771" cy="733010"/>
+          </a:xfrm>
+          <a:prstGeom prst="rect">
+            <a:avLst/>
+          </a:prstGeom>
+        </p:spPr>
+      </p:pic>
+      <p:sp>
+        <p:nvSpPr>
+          <p:cNvPr id="6" name="文本框 5">
+            <a:extLst>
+              <a:ext uri="{FF2B5EF4-FFF2-40B4-BE49-F238E27FC236}">
+                <a16:creationId xmlns:a16="http://schemas.microsoft.com/office/drawing/2014/main" id="{199BB9EE-FA9C-9F47-B170-B2B7099F0B92}"/>
+              </a:ext>
+            </a:extLst>
+          </p:cNvPr>
+          <p:cNvSpPr txBox="1"/>
+          <p:nvPr/>
+        </p:nvSpPr>
+        <p:spPr>
+          <a:xfrm>
+            <a:off x="3688080" y="366505"/>
+            <a:ext cx="4698722" cy="769441"/>
+          </a:xfrm>
+          <a:prstGeom prst="rect">
+            <a:avLst/>
+          </a:prstGeom>
+          <a:noFill/>
+        </p:spPr>
+        <p:txBody>
+          <a:bodyPr wrap="none" rtlCol="0">
+            <a:spAutoFit/>
+          </a:bodyPr>
+          <a:lstStyle/>
+          <a:p>
+            <a:r>
+              <a:rPr kumimoji="1" lang="zh-CN" altLang="en-US" sz="4400" b="1" dirty="0"/>
+              <a:t>控制器的工作流程</a:t>
+            </a:r>
+            <a:endParaRPr kumimoji="1" lang="en-US" altLang="zh-CN" sz="4400" b="1" dirty="0"/>
+          </a:p>
+        </p:txBody>
+      </p:sp>
+      <p:pic>
+        <p:nvPicPr>
+          <p:cNvPr id="3" name="图片 2">
+            <a:extLst>
+              <a:ext uri="{FF2B5EF4-FFF2-40B4-BE49-F238E27FC236}">
+                <a16:creationId xmlns:a16="http://schemas.microsoft.com/office/drawing/2014/main" id="{2F2E14C7-4057-5C4A-9C41-F4B234094AF1}"/>
+              </a:ext>
+            </a:extLst>
+          </p:cNvPr>
+          <p:cNvPicPr>
+            <a:picLocks noChangeAspect="1"/>
+          </p:cNvPicPr>
+          <p:nvPr/>
+        </p:nvPicPr>
+        <p:blipFill>
+          <a:blip r:embed="rId4"/>
+          <a:stretch>
+            <a:fillRect/>
+          </a:stretch>
+        </p:blipFill>
+        <p:spPr>
+          <a:xfrm>
+            <a:off x="2509520" y="1135946"/>
+            <a:ext cx="8364220" cy="5292806"/>
+          </a:xfrm>
+          <a:prstGeom prst="rect">
+            <a:avLst/>
+          </a:prstGeom>
+        </p:spPr>
+      </p:pic>
+    </p:spTree>
+    <p:extLst>
+      <p:ext uri="{BB962C8B-B14F-4D97-AF65-F5344CB8AC3E}">
+        <p14:creationId xmlns:p14="http://schemas.microsoft.com/office/powerpoint/2010/main" val="996979386"/>
+      </p:ext>
+    </p:extLst>
+  </p:cSld>
+  <p:clrMapOvr>
+    <a:masterClrMapping/>
+  </p:clrMapOvr>
+</p:sld>
+</file>
+
+<file path=ppt/slides/slide16.xml><?xml version="1.0" encoding="utf-8"?>
+<p:sld xmlns:a="http://schemas.openxmlformats.org/drawingml/2006/main" xmlns:r="http://schemas.openxmlformats.org/officeDocument/2006/relationships" xmlns:p="http://schemas.openxmlformats.org/presentationml/2006/main">
+  <p:cSld>
+    <p:spTree>
+      <p:nvGrpSpPr>
+        <p:cNvPr id="1" name=""/>
+        <p:cNvGrpSpPr/>
+        <p:nvPr/>
+      </p:nvGrpSpPr>
+      <p:grpSpPr>
+        <a:xfrm>
+          <a:off x="0" y="0"/>
+          <a:ext cx="0" cy="0"/>
+          <a:chOff x="0" y="0"/>
+          <a:chExt cx="0" cy="0"/>
+        </a:xfrm>
+      </p:grpSpPr>
+      <p:pic>
+        <p:nvPicPr>
+          <p:cNvPr id="4" name="图片 3">
+            <a:extLst>
+              <a:ext uri="{FF2B5EF4-FFF2-40B4-BE49-F238E27FC236}">
+                <a16:creationId xmlns:a16="http://schemas.microsoft.com/office/drawing/2014/main" id="{E51F98A8-0F43-1B45-B691-4D757542DBD2}"/>
+              </a:ext>
+            </a:extLst>
+          </p:cNvPr>
+          <p:cNvPicPr>
+            <a:picLocks noChangeAspect="1"/>
+          </p:cNvPicPr>
+          <p:nvPr/>
+        </p:nvPicPr>
+        <p:blipFill>
+          <a:blip r:embed="rId3"/>
+          <a:stretch>
+            <a:fillRect/>
+          </a:stretch>
+        </p:blipFill>
+        <p:spPr>
+          <a:xfrm>
+            <a:off x="0" y="0"/>
+            <a:ext cx="1089771" cy="733010"/>
+          </a:xfrm>
+          <a:prstGeom prst="rect">
+            <a:avLst/>
+          </a:prstGeom>
+        </p:spPr>
+      </p:pic>
+      <p:sp>
+        <p:nvSpPr>
+          <p:cNvPr id="6" name="文本框 5">
+            <a:extLst>
+              <a:ext uri="{FF2B5EF4-FFF2-40B4-BE49-F238E27FC236}">
+                <a16:creationId xmlns:a16="http://schemas.microsoft.com/office/drawing/2014/main" id="{199BB9EE-FA9C-9F47-B170-B2B7099F0B92}"/>
+              </a:ext>
+            </a:extLst>
+          </p:cNvPr>
+          <p:cNvSpPr txBox="1"/>
+          <p:nvPr/>
+        </p:nvSpPr>
+        <p:spPr>
+          <a:xfrm>
+            <a:off x="3413760" y="366505"/>
+            <a:ext cx="5827236" cy="769441"/>
+          </a:xfrm>
+          <a:prstGeom prst="rect">
+            <a:avLst/>
+          </a:prstGeom>
+          <a:noFill/>
+        </p:spPr>
+        <p:txBody>
+          <a:bodyPr wrap="none" rtlCol="0">
+            <a:spAutoFit/>
+          </a:bodyPr>
+          <a:lstStyle/>
+          <a:p>
+            <a:r>
+              <a:rPr kumimoji="1" lang="zh-CN" altLang="en-US" sz="4400" b="1" dirty="0"/>
+              <a:t>控制器的协同工作原理</a:t>
+            </a:r>
+            <a:endParaRPr kumimoji="1" lang="en-US" altLang="zh-CN" sz="4400" b="1" dirty="0"/>
+          </a:p>
+        </p:txBody>
+      </p:sp>
+      <p:pic>
+        <p:nvPicPr>
+          <p:cNvPr id="2" name="图片 1">
+            <a:extLst>
+              <a:ext uri="{FF2B5EF4-FFF2-40B4-BE49-F238E27FC236}">
+                <a16:creationId xmlns:a16="http://schemas.microsoft.com/office/drawing/2014/main" id="{4260229F-F796-3544-9CB0-B754F60E2A6A}"/>
+              </a:ext>
+            </a:extLst>
+          </p:cNvPr>
+          <p:cNvPicPr>
+            <a:picLocks noChangeAspect="1"/>
+          </p:cNvPicPr>
+          <p:nvPr/>
+        </p:nvPicPr>
+        <p:blipFill>
+          <a:blip r:embed="rId4"/>
+          <a:stretch>
+            <a:fillRect/>
+          </a:stretch>
+        </p:blipFill>
+        <p:spPr>
+          <a:xfrm>
+            <a:off x="0" y="1656569"/>
+            <a:ext cx="12192000" cy="3544862"/>
+          </a:xfrm>
+          <a:prstGeom prst="rect">
+            <a:avLst/>
+          </a:prstGeom>
+        </p:spPr>
+      </p:pic>
+    </p:spTree>
+    <p:extLst>
+      <p:ext uri="{BB962C8B-B14F-4D97-AF65-F5344CB8AC3E}">
+        <p14:creationId xmlns:p14="http://schemas.microsoft.com/office/powerpoint/2010/main" val="2247203698"/>
+      </p:ext>
+    </p:extLst>
+  </p:cSld>
+  <p:clrMapOvr>
+    <a:masterClrMapping/>
+  </p:clrMapOvr>
+</p:sld>
+</file>
+
+<file path=ppt/slides/slide17.xml><?xml version="1.0" encoding="utf-8"?>
+<p:sld xmlns:a="http://schemas.openxmlformats.org/drawingml/2006/main" xmlns:r="http://schemas.openxmlformats.org/officeDocument/2006/relationships" xmlns:p="http://schemas.openxmlformats.org/presentationml/2006/main">
+  <p:cSld>
+    <p:spTree>
+      <p:nvGrpSpPr>
+        <p:cNvPr id="1" name=""/>
+        <p:cNvGrpSpPr/>
+        <p:nvPr/>
+      </p:nvGrpSpPr>
+      <p:grpSpPr>
+        <a:xfrm>
+          <a:off x="0" y="0"/>
+          <a:ext cx="0" cy="0"/>
+          <a:chOff x="0" y="0"/>
+          <a:chExt cx="0" cy="0"/>
+        </a:xfrm>
+      </p:grpSpPr>
+      <p:sp>
+        <p:nvSpPr>
+          <p:cNvPr id="15" name="文本框 14">
+            <a:extLst>
+              <a:ext uri="{FF2B5EF4-FFF2-40B4-BE49-F238E27FC236}">
+                <a16:creationId xmlns:a16="http://schemas.microsoft.com/office/drawing/2014/main" id="{B7587662-A184-0F4E-9480-4B3E755658BF}"/>
+              </a:ext>
+            </a:extLst>
+          </p:cNvPr>
+          <p:cNvSpPr txBox="1"/>
+          <p:nvPr/>
+        </p:nvSpPr>
+        <p:spPr>
+          <a:xfrm>
+            <a:off x="596767" y="1837666"/>
+            <a:ext cx="7390998" cy="2677656"/>
+          </a:xfrm>
+          <a:prstGeom prst="rect">
+            <a:avLst/>
+          </a:prstGeom>
+          <a:noFill/>
+        </p:spPr>
+        <p:txBody>
+          <a:bodyPr wrap="none" rtlCol="0">
+            <a:spAutoFit/>
+          </a:bodyPr>
+          <a:lstStyle/>
+          <a:p>
+            <a:pPr marL="285750" indent="-285750">
+              <a:buFont typeface="Arial" panose="020B0604020202020204" pitchFamily="34" charset="0"/>
+              <a:buChar char="•"/>
+            </a:pPr>
+            <a:r>
+              <a:rPr kumimoji="1" lang="zh-CN" altLang="en-US" sz="2800" dirty="0"/>
+              <a:t>自动化运维</a:t>
+            </a:r>
+            <a:endParaRPr kumimoji="1" lang="en-US" altLang="zh-CN" sz="2800" dirty="0"/>
+          </a:p>
+          <a:p>
+            <a:pPr marL="285750" indent="-285750">
+              <a:buFont typeface="Arial" panose="020B0604020202020204" pitchFamily="34" charset="0"/>
+              <a:buChar char="•"/>
+            </a:pPr>
+            <a:endParaRPr kumimoji="1" lang="en-US" altLang="zh-CN" sz="2800" dirty="0"/>
+          </a:p>
+          <a:p>
+            <a:pPr marL="285750" indent="-285750">
+              <a:buFont typeface="Arial" panose="020B0604020202020204" pitchFamily="34" charset="0"/>
+              <a:buChar char="•"/>
+            </a:pPr>
+            <a:r>
+              <a:rPr lang="zh-CN" altLang="en-US" sz="2800" i="0" u="none" strike="noStrike" dirty="0">
+                <a:solidFill>
+                  <a:srgbClr val="333333"/>
+                </a:solidFill>
+                <a:effectLst/>
+                <a:latin typeface="open sans" panose="020B0606030504020204" pitchFamily="34" charset="0"/>
+              </a:rPr>
+              <a:t>充分利用服务器资源</a:t>
+            </a:r>
+            <a:endParaRPr lang="en-US" altLang="zh-CN" sz="2800" i="0" u="none" strike="noStrike" dirty="0">
+              <a:solidFill>
+                <a:srgbClr val="333333"/>
+              </a:solidFill>
+              <a:effectLst/>
+              <a:latin typeface="open sans" panose="020B0606030504020204" pitchFamily="34" charset="0"/>
+            </a:endParaRPr>
+          </a:p>
+          <a:p>
+            <a:pPr marL="285750" indent="-285750">
+              <a:buFont typeface="Arial" panose="020B0604020202020204" pitchFamily="34" charset="0"/>
+              <a:buChar char="•"/>
+            </a:pPr>
+            <a:endParaRPr lang="zh-CN" altLang="en-US" sz="2800" i="0" u="none" strike="noStrike" dirty="0">
+              <a:solidFill>
+                <a:srgbClr val="333333"/>
+              </a:solidFill>
+              <a:effectLst/>
+              <a:latin typeface="open sans" panose="020B0606030504020204" pitchFamily="34" charset="0"/>
+            </a:endParaRPr>
+          </a:p>
+          <a:p>
+            <a:pPr marL="285750" indent="-285750">
+              <a:buFont typeface="Arial" panose="020B0604020202020204" pitchFamily="34" charset="0"/>
+              <a:buChar char="•"/>
+            </a:pPr>
+            <a:r>
+              <a:rPr lang="zh-CN" altLang="en-US" sz="2800" b="0" i="0" u="none" strike="noStrike" dirty="0">
+                <a:solidFill>
+                  <a:srgbClr val="333333"/>
+                </a:solidFill>
+                <a:effectLst/>
+                <a:latin typeface="open sans" panose="020B0606030504020204" pitchFamily="34" charset="0"/>
+              </a:rPr>
+              <a:t>云原生：容器化、微服务、</a:t>
+            </a:r>
+            <a:r>
+              <a:rPr lang="en-US" altLang="zh-CN" sz="2800" b="0" i="0" u="none" strike="noStrike" dirty="0">
+                <a:solidFill>
+                  <a:srgbClr val="333333"/>
+                </a:solidFill>
+                <a:effectLst/>
+                <a:latin typeface="open sans" panose="020B0606030504020204" pitchFamily="34" charset="0"/>
+              </a:rPr>
+              <a:t>CI/CD</a:t>
+            </a:r>
+            <a:r>
+              <a:rPr lang="zh-CN" altLang="en-US" sz="2800" b="0" i="0" u="none" strike="noStrike" dirty="0">
+                <a:solidFill>
+                  <a:srgbClr val="333333"/>
+                </a:solidFill>
+                <a:effectLst/>
+                <a:latin typeface="open sans" panose="020B0606030504020204" pitchFamily="34" charset="0"/>
+              </a:rPr>
+              <a:t>、</a:t>
+            </a:r>
+            <a:r>
+              <a:rPr lang="en-US" altLang="zh-CN" sz="2800" b="0" i="0" u="none" strike="noStrike" dirty="0">
+                <a:solidFill>
+                  <a:srgbClr val="333333"/>
+                </a:solidFill>
+                <a:effectLst/>
+                <a:latin typeface="open sans" panose="020B0606030504020204" pitchFamily="34" charset="0"/>
+              </a:rPr>
+              <a:t>DevOps</a:t>
+            </a:r>
+            <a:endParaRPr lang="zh-CN" altLang="en-US" sz="2800" b="0" i="0" u="none" strike="noStrike" dirty="0">
+              <a:solidFill>
+                <a:srgbClr val="333333"/>
+              </a:solidFill>
+              <a:effectLst/>
+              <a:latin typeface="open sans" panose="020B0606030504020204" pitchFamily="34" charset="0"/>
+            </a:endParaRPr>
+          </a:p>
+          <a:p>
+            <a:pPr marL="285750" indent="-285750">
+              <a:buFont typeface="Arial" panose="020B0604020202020204" pitchFamily="34" charset="0"/>
+              <a:buChar char="•"/>
+            </a:pPr>
+            <a:endParaRPr kumimoji="1" lang="zh-CN" altLang="en-US" sz="2800" dirty="0"/>
+          </a:p>
+        </p:txBody>
+      </p:sp>
+      <p:sp>
+        <p:nvSpPr>
+          <p:cNvPr id="17" name="文本框 16">
+            <a:extLst>
+              <a:ext uri="{FF2B5EF4-FFF2-40B4-BE49-F238E27FC236}">
+                <a16:creationId xmlns:a16="http://schemas.microsoft.com/office/drawing/2014/main" id="{09E203BD-74E5-554A-A9B5-0D00D92E0E72}"/>
+              </a:ext>
+            </a:extLst>
+          </p:cNvPr>
+          <p:cNvSpPr txBox="1"/>
+          <p:nvPr/>
+        </p:nvSpPr>
+        <p:spPr>
+          <a:xfrm>
+            <a:off x="4600101" y="654195"/>
+            <a:ext cx="3568606" cy="707886"/>
+          </a:xfrm>
+          <a:prstGeom prst="rect">
+            <a:avLst/>
+          </a:prstGeom>
+          <a:noFill/>
+        </p:spPr>
+        <p:txBody>
+          <a:bodyPr wrap="none" rtlCol="0">
+            <a:spAutoFit/>
+          </a:bodyPr>
+          <a:lstStyle/>
+          <a:p>
+            <a:r>
+              <a:rPr kumimoji="1" lang="en-US" altLang="zh-CN" sz="4000" b="1" dirty="0"/>
+              <a:t>K8s</a:t>
+            </a:r>
+            <a:r>
+              <a:rPr kumimoji="1" lang="zh-CN" altLang="en-US" sz="4000" b="1" dirty="0"/>
+              <a:t>的使用场景</a:t>
+            </a:r>
+          </a:p>
+        </p:txBody>
+      </p:sp>
+      <p:pic>
+        <p:nvPicPr>
+          <p:cNvPr id="4" name="图片 3">
+            <a:extLst>
+              <a:ext uri="{FF2B5EF4-FFF2-40B4-BE49-F238E27FC236}">
+                <a16:creationId xmlns:a16="http://schemas.microsoft.com/office/drawing/2014/main" id="{69C081B9-3E4A-8E45-B4D5-CE8E2D69B492}"/>
+              </a:ext>
+            </a:extLst>
+          </p:cNvPr>
+          <p:cNvPicPr>
+            <a:picLocks noChangeAspect="1"/>
+          </p:cNvPicPr>
+          <p:nvPr/>
+        </p:nvPicPr>
+        <p:blipFill>
+          <a:blip r:embed="rId3"/>
+          <a:stretch>
+            <a:fillRect/>
+          </a:stretch>
+        </p:blipFill>
+        <p:spPr>
+          <a:xfrm>
+            <a:off x="0" y="0"/>
+            <a:ext cx="1089771" cy="733010"/>
+          </a:xfrm>
+          <a:prstGeom prst="rect">
+            <a:avLst/>
+          </a:prstGeom>
+        </p:spPr>
+      </p:pic>
+    </p:spTree>
+    <p:extLst>
+      <p:ext uri="{BB962C8B-B14F-4D97-AF65-F5344CB8AC3E}">
+        <p14:creationId xmlns:p14="http://schemas.microsoft.com/office/powerpoint/2010/main" val="428503573"/>
+      </p:ext>
+    </p:extLst>
+  </p:cSld>
+  <p:clrMapOvr>
+    <a:masterClrMapping/>
+  </p:clrMapOvr>
+</p:sld>
+</file>
+
+<file path=ppt/slides/slide18.xml><?xml version="1.0" encoding="utf-8"?>
+<p:sld xmlns:a="http://schemas.openxmlformats.org/drawingml/2006/main" xmlns:r="http://schemas.openxmlformats.org/officeDocument/2006/relationships" xmlns:p="http://schemas.openxmlformats.org/presentationml/2006/main">
+  <p:cSld>
+    <p:spTree>
+      <p:nvGrpSpPr>
+        <p:cNvPr id="1" name=""/>
+        <p:cNvGrpSpPr/>
+        <p:nvPr/>
+      </p:nvGrpSpPr>
+      <p:grpSpPr>
+        <a:xfrm>
+          <a:off x="0" y="0"/>
+          <a:ext cx="0" cy="0"/>
+          <a:chOff x="0" y="0"/>
+          <a:chExt cx="0" cy="0"/>
+        </a:xfrm>
+      </p:grpSpPr>
+      <p:sp>
+        <p:nvSpPr>
+          <p:cNvPr id="5" name="文本框 4">
+            <a:extLst>
+              <a:ext uri="{FF2B5EF4-FFF2-40B4-BE49-F238E27FC236}">
+                <a16:creationId xmlns:a16="http://schemas.microsoft.com/office/drawing/2014/main" id="{5F212D17-16E0-1E4F-B4AA-8E93CDF54671}"/>
+              </a:ext>
+            </a:extLst>
+          </p:cNvPr>
+          <p:cNvSpPr txBox="1"/>
+          <p:nvPr/>
+        </p:nvSpPr>
+        <p:spPr>
+          <a:xfrm>
+            <a:off x="3048512" y="3107369"/>
+            <a:ext cx="6097022" cy="646331"/>
+          </a:xfrm>
+          <a:prstGeom prst="rect">
+            <a:avLst/>
+          </a:prstGeom>
+          <a:noFill/>
+        </p:spPr>
+        <p:txBody>
+          <a:bodyPr wrap="square">
+            <a:spAutoFit/>
+          </a:bodyPr>
+          <a:lstStyle/>
+          <a:p>
+            <a:r>
+              <a:rPr lang="zh-CN" altLang="en-US" dirty="0">
+                <a:solidFill>
+                  <a:srgbClr val="000000"/>
+                </a:solidFill>
+                <a:effectLst/>
+                <a:latin typeface="Helvetica Neue" panose="02000503000000020004" pitchFamily="2" charset="0"/>
+              </a:rPr>
+              <a:t>是提供一种直接的方法，将</a:t>
+            </a:r>
+            <a:r>
+              <a:rPr lang="en-US" altLang="zh-CN" dirty="0">
+                <a:solidFill>
+                  <a:srgbClr val="000000"/>
+                </a:solidFill>
+                <a:effectLst/>
+                <a:latin typeface="Helvetica Neue" panose="02000503000000020004" pitchFamily="2" charset="0"/>
+              </a:rPr>
+              <a:t>ML</a:t>
+            </a:r>
+            <a:r>
+              <a:rPr lang="zh-CN" altLang="en-US" dirty="0">
+                <a:solidFill>
+                  <a:srgbClr val="000000"/>
+                </a:solidFill>
+                <a:effectLst/>
+                <a:latin typeface="Helvetica Neue" panose="02000503000000020004" pitchFamily="2" charset="0"/>
+              </a:rPr>
+              <a:t>的最佳开源系统部署到不同的基础设施中。</a:t>
+            </a:r>
+          </a:p>
+        </p:txBody>
+      </p:sp>
+      <p:pic>
+        <p:nvPicPr>
+          <p:cNvPr id="6" name="图片 5">
+            <a:extLst>
+              <a:ext uri="{FF2B5EF4-FFF2-40B4-BE49-F238E27FC236}">
+                <a16:creationId xmlns:a16="http://schemas.microsoft.com/office/drawing/2014/main" id="{7D8A12F3-4316-0A41-9369-C7F20C8F360D}"/>
+              </a:ext>
+            </a:extLst>
+          </p:cNvPr>
+          <p:cNvPicPr>
+            <a:picLocks noChangeAspect="1"/>
+          </p:cNvPicPr>
+          <p:nvPr/>
+        </p:nvPicPr>
+        <p:blipFill>
+          <a:blip r:embed="rId2"/>
+          <a:stretch>
+            <a:fillRect/>
+          </a:stretch>
+        </p:blipFill>
+        <p:spPr>
+          <a:xfrm>
+            <a:off x="57150" y="0"/>
+            <a:ext cx="1104900" cy="1117600"/>
+          </a:xfrm>
+          <a:prstGeom prst="rect">
+            <a:avLst/>
+          </a:prstGeom>
+        </p:spPr>
+      </p:pic>
+    </p:spTree>
+    <p:extLst>
+      <p:ext uri="{BB962C8B-B14F-4D97-AF65-F5344CB8AC3E}">
+        <p14:creationId xmlns:p14="http://schemas.microsoft.com/office/powerpoint/2010/main" val="2809459860"/>
+      </p:ext>
+    </p:extLst>
+  </p:cSld>
+  <p:clrMapOvr>
+    <a:masterClrMapping/>
+  </p:clrMapOvr>
+</p:sld>
+</file>
+
 <file path=ppt/slides/slide2.xml><?xml version="1.0" encoding="utf-8"?>
 <p:sld xmlns:a="http://schemas.openxmlformats.org/drawingml/2006/main" xmlns:r="http://schemas.openxmlformats.org/officeDocument/2006/relationships" xmlns:p="http://schemas.openxmlformats.org/presentationml/2006/main">
   <p:cSld>
@@ -5327,6 +10373,36 @@
           </a:p>
         </p:txBody>
       </p:sp>
+      <p:pic>
+        <p:nvPicPr>
+          <p:cNvPr id="2" name="图片 1">
+            <a:extLst>
+              <a:ext uri="{FF2B5EF4-FFF2-40B4-BE49-F238E27FC236}">
+                <a16:creationId xmlns:a16="http://schemas.microsoft.com/office/drawing/2014/main" id="{725A3BF7-70D4-EB49-ABDB-5AE4640FFE50}"/>
+              </a:ext>
+            </a:extLst>
+          </p:cNvPr>
+          <p:cNvPicPr>
+            <a:picLocks noChangeAspect="1"/>
+          </p:cNvPicPr>
+          <p:nvPr/>
+        </p:nvPicPr>
+        <p:blipFill>
+          <a:blip r:embed="rId3"/>
+          <a:stretch>
+            <a:fillRect/>
+          </a:stretch>
+        </p:blipFill>
+        <p:spPr>
+          <a:xfrm>
+            <a:off x="0" y="0"/>
+            <a:ext cx="1089771" cy="733010"/>
+          </a:xfrm>
+          <a:prstGeom prst="rect">
+            <a:avLst/>
+          </a:prstGeom>
+        </p:spPr>
+      </p:pic>
     </p:spTree>
     <p:extLst>
       <p:ext uri="{BB962C8B-B14F-4D97-AF65-F5344CB8AC3E}">
@@ -5341,6 +10417,181 @@
 </file>
 
 <file path=ppt/slides/slide3.xml><?xml version="1.0" encoding="utf-8"?>
+<p:sld xmlns:a="http://schemas.openxmlformats.org/drawingml/2006/main" xmlns:r="http://schemas.openxmlformats.org/officeDocument/2006/relationships" xmlns:p="http://schemas.openxmlformats.org/presentationml/2006/main">
+  <p:cSld>
+    <p:spTree>
+      <p:nvGrpSpPr>
+        <p:cNvPr id="1" name=""/>
+        <p:cNvGrpSpPr/>
+        <p:nvPr/>
+      </p:nvGrpSpPr>
+      <p:grpSpPr>
+        <a:xfrm>
+          <a:off x="0" y="0"/>
+          <a:ext cx="0" cy="0"/>
+          <a:chOff x="0" y="0"/>
+          <a:chExt cx="0" cy="0"/>
+        </a:xfrm>
+      </p:grpSpPr>
+      <p:pic>
+        <p:nvPicPr>
+          <p:cNvPr id="4" name="图片 3">
+            <a:extLst>
+              <a:ext uri="{FF2B5EF4-FFF2-40B4-BE49-F238E27FC236}">
+                <a16:creationId xmlns:a16="http://schemas.microsoft.com/office/drawing/2014/main" id="{8C0FCEFD-99EB-9841-A351-380729FF44C1}"/>
+              </a:ext>
+            </a:extLst>
+          </p:cNvPr>
+          <p:cNvPicPr>
+            <a:picLocks noChangeAspect="1"/>
+          </p:cNvPicPr>
+          <p:nvPr/>
+        </p:nvPicPr>
+        <p:blipFill>
+          <a:blip r:embed="rId3"/>
+          <a:stretch>
+            <a:fillRect/>
+          </a:stretch>
+        </p:blipFill>
+        <p:spPr>
+          <a:xfrm>
+            <a:off x="0" y="0"/>
+            <a:ext cx="1089771" cy="733010"/>
+          </a:xfrm>
+          <a:prstGeom prst="rect">
+            <a:avLst/>
+          </a:prstGeom>
+        </p:spPr>
+      </p:pic>
+      <p:sp>
+        <p:nvSpPr>
+          <p:cNvPr id="5" name="文本框 4">
+            <a:extLst>
+              <a:ext uri="{FF2B5EF4-FFF2-40B4-BE49-F238E27FC236}">
+                <a16:creationId xmlns:a16="http://schemas.microsoft.com/office/drawing/2014/main" id="{6254795A-06DC-2947-A9B5-9124A00E55FC}"/>
+              </a:ext>
+            </a:extLst>
+          </p:cNvPr>
+          <p:cNvSpPr txBox="1"/>
+          <p:nvPr/>
+        </p:nvSpPr>
+        <p:spPr>
+          <a:xfrm>
+            <a:off x="5047635" y="493127"/>
+            <a:ext cx="3055645" cy="707886"/>
+          </a:xfrm>
+          <a:prstGeom prst="rect">
+            <a:avLst/>
+          </a:prstGeom>
+          <a:noFill/>
+        </p:spPr>
+        <p:txBody>
+          <a:bodyPr wrap="none" rtlCol="0">
+            <a:spAutoFit/>
+          </a:bodyPr>
+          <a:lstStyle/>
+          <a:p>
+            <a:r>
+              <a:rPr kumimoji="1" lang="en-US" altLang="zh-CN" sz="4000" b="1" dirty="0"/>
+              <a:t>K8s</a:t>
+            </a:r>
+            <a:r>
+              <a:rPr kumimoji="1" lang="zh-CN" altLang="en-US" sz="4000" b="1" dirty="0"/>
+              <a:t>核心能力</a:t>
+            </a:r>
+          </a:p>
+        </p:txBody>
+      </p:sp>
+      <p:sp>
+        <p:nvSpPr>
+          <p:cNvPr id="6" name="文本框 5">
+            <a:extLst>
+              <a:ext uri="{FF2B5EF4-FFF2-40B4-BE49-F238E27FC236}">
+                <a16:creationId xmlns:a16="http://schemas.microsoft.com/office/drawing/2014/main" id="{90CF2469-4F48-4D4A-9B37-6621B99E63C8}"/>
+              </a:ext>
+            </a:extLst>
+          </p:cNvPr>
+          <p:cNvSpPr txBox="1"/>
+          <p:nvPr/>
+        </p:nvSpPr>
+        <p:spPr>
+          <a:xfrm>
+            <a:off x="1361440" y="1869440"/>
+            <a:ext cx="4366901" cy="2554545"/>
+          </a:xfrm>
+          <a:prstGeom prst="rect">
+            <a:avLst/>
+          </a:prstGeom>
+          <a:noFill/>
+        </p:spPr>
+        <p:txBody>
+          <a:bodyPr wrap="none" rtlCol="0">
+            <a:spAutoFit/>
+          </a:bodyPr>
+          <a:lstStyle/>
+          <a:p>
+            <a:pPr marL="457200" indent="-457200">
+              <a:buFont typeface="Arial" panose="020B0604020202020204" pitchFamily="34" charset="0"/>
+              <a:buChar char="•"/>
+            </a:pPr>
+            <a:r>
+              <a:rPr kumimoji="1" lang="zh-CN" altLang="en-US" sz="3200" dirty="0"/>
+              <a:t>集群管理</a:t>
+            </a:r>
+            <a:endParaRPr kumimoji="1" lang="en-US" altLang="zh-CN" sz="3200" dirty="0"/>
+          </a:p>
+          <a:p>
+            <a:pPr marL="457200" indent="-457200">
+              <a:buFont typeface="Arial" panose="020B0604020202020204" pitchFamily="34" charset="0"/>
+              <a:buChar char="•"/>
+            </a:pPr>
+            <a:r>
+              <a:rPr kumimoji="1" lang="zh-CN" altLang="en-US" sz="3200" dirty="0"/>
+              <a:t>作业调度</a:t>
+            </a:r>
+            <a:endParaRPr kumimoji="1" lang="en-US" altLang="zh-CN" sz="3200" dirty="0"/>
+          </a:p>
+          <a:p>
+            <a:pPr marL="457200" indent="-457200">
+              <a:buFont typeface="Arial" panose="020B0604020202020204" pitchFamily="34" charset="0"/>
+              <a:buChar char="•"/>
+            </a:pPr>
+            <a:r>
+              <a:rPr kumimoji="1" lang="zh-CN" altLang="en-US" sz="3200" dirty="0"/>
+              <a:t>服务发现和服务治理</a:t>
+            </a:r>
+            <a:endParaRPr kumimoji="1" lang="en-US" altLang="zh-CN" sz="3200" dirty="0"/>
+          </a:p>
+          <a:p>
+            <a:pPr marL="457200" indent="-457200">
+              <a:buFont typeface="Arial" panose="020B0604020202020204" pitchFamily="34" charset="0"/>
+              <a:buChar char="•"/>
+            </a:pPr>
+            <a:endParaRPr kumimoji="1" lang="en-US" altLang="zh-CN" sz="3200" dirty="0"/>
+          </a:p>
+          <a:p>
+            <a:pPr marL="457200" indent="-457200">
+              <a:buFont typeface="Arial" panose="020B0604020202020204" pitchFamily="34" charset="0"/>
+              <a:buChar char="•"/>
+            </a:pPr>
+            <a:endParaRPr kumimoji="1" lang="zh-CN" altLang="en-US" sz="3200" dirty="0"/>
+          </a:p>
+        </p:txBody>
+      </p:sp>
+    </p:spTree>
+    <p:extLst>
+      <p:ext uri="{BB962C8B-B14F-4D97-AF65-F5344CB8AC3E}">
+        <p14:creationId xmlns:p14="http://schemas.microsoft.com/office/powerpoint/2010/main" val="383126955"/>
+      </p:ext>
+    </p:extLst>
+  </p:cSld>
+  <p:clrMapOvr>
+    <a:masterClrMapping/>
+  </p:clrMapOvr>
+</p:sld>
+</file>
+
+<file path=ppt/slides/slide4.xml><?xml version="1.0" encoding="utf-8"?>
 <p:sld xmlns:a="http://schemas.openxmlformats.org/drawingml/2006/main" xmlns:r="http://schemas.openxmlformats.org/officeDocument/2006/relationships" xmlns:p="http://schemas.openxmlformats.org/presentationml/2006/main">
   <p:cSld>
     <p:spTree>
@@ -5379,7 +10630,7 @@
         </p:blipFill>
         <p:spPr>
           <a:xfrm>
-            <a:off x="201704" y="85600"/>
+            <a:off x="3607691" y="110147"/>
             <a:ext cx="8194115" cy="4278343"/>
           </a:xfrm>
           <a:prstGeom prst="rect">
@@ -5482,6 +10733,36 @@
           </a:p>
         </p:txBody>
       </p:sp>
+      <p:pic>
+        <p:nvPicPr>
+          <p:cNvPr id="4" name="图片 3">
+            <a:extLst>
+              <a:ext uri="{FF2B5EF4-FFF2-40B4-BE49-F238E27FC236}">
+                <a16:creationId xmlns:a16="http://schemas.microsoft.com/office/drawing/2014/main" id="{44C607BF-352C-3A40-82AC-D646AA72DB27}"/>
+              </a:ext>
+            </a:extLst>
+          </p:cNvPr>
+          <p:cNvPicPr>
+            <a:picLocks noChangeAspect="1"/>
+          </p:cNvPicPr>
+          <p:nvPr/>
+        </p:nvPicPr>
+        <p:blipFill>
+          <a:blip r:embed="rId4"/>
+          <a:stretch>
+            <a:fillRect/>
+          </a:stretch>
+        </p:blipFill>
+        <p:spPr>
+          <a:xfrm>
+            <a:off x="0" y="0"/>
+            <a:ext cx="1089771" cy="733010"/>
+          </a:xfrm>
+          <a:prstGeom prst="rect">
+            <a:avLst/>
+          </a:prstGeom>
+        </p:spPr>
+      </p:pic>
     </p:spTree>
     <p:extLst>
       <p:ext uri="{BB962C8B-B14F-4D97-AF65-F5344CB8AC3E}">
@@ -5495,7 +10776,350 @@
 </p:sld>
 </file>
 
-<file path=ppt/slides/slide4.xml><?xml version="1.0" encoding="utf-8"?>
+<file path=ppt/slides/slide5.xml><?xml version="1.0" encoding="utf-8"?>
+<p:sld xmlns:a="http://schemas.openxmlformats.org/drawingml/2006/main" xmlns:r="http://schemas.openxmlformats.org/officeDocument/2006/relationships" xmlns:p="http://schemas.openxmlformats.org/presentationml/2006/main">
+  <p:cSld>
+    <p:spTree>
+      <p:nvGrpSpPr>
+        <p:cNvPr id="1" name=""/>
+        <p:cNvGrpSpPr/>
+        <p:nvPr/>
+      </p:nvGrpSpPr>
+      <p:grpSpPr>
+        <a:xfrm>
+          <a:off x="0" y="0"/>
+          <a:ext cx="0" cy="0"/>
+          <a:chOff x="0" y="0"/>
+          <a:chExt cx="0" cy="0"/>
+        </a:xfrm>
+      </p:grpSpPr>
+      <p:sp>
+        <p:nvSpPr>
+          <p:cNvPr id="4" name="文本框 3">
+            <a:extLst>
+              <a:ext uri="{FF2B5EF4-FFF2-40B4-BE49-F238E27FC236}">
+                <a16:creationId xmlns:a16="http://schemas.microsoft.com/office/drawing/2014/main" id="{713E271B-CDA9-4348-910D-30213603C0C4}"/>
+              </a:ext>
+            </a:extLst>
+          </p:cNvPr>
+          <p:cNvSpPr txBox="1"/>
+          <p:nvPr/>
+        </p:nvSpPr>
+        <p:spPr>
+          <a:xfrm>
+            <a:off x="4389694" y="355600"/>
+            <a:ext cx="3230373" cy="646331"/>
+          </a:xfrm>
+          <a:prstGeom prst="rect">
+            <a:avLst/>
+          </a:prstGeom>
+          <a:noFill/>
+        </p:spPr>
+        <p:txBody>
+          <a:bodyPr wrap="none" rtlCol="0">
+            <a:spAutoFit/>
+          </a:bodyPr>
+          <a:lstStyle/>
+          <a:p>
+            <a:pPr algn="ctr"/>
+            <a:r>
+              <a:rPr kumimoji="1" lang="en-US" altLang="zh-CN" sz="3600" b="1" dirty="0"/>
+              <a:t>K8s</a:t>
+            </a:r>
+            <a:r>
+              <a:rPr kumimoji="1" lang="zh-CN" altLang="en-US" sz="3600" b="1" dirty="0"/>
+              <a:t>的设计理念</a:t>
+            </a:r>
+          </a:p>
+        </p:txBody>
+      </p:sp>
+      <p:sp>
+        <p:nvSpPr>
+          <p:cNvPr id="5" name="文本框 4">
+            <a:extLst>
+              <a:ext uri="{FF2B5EF4-FFF2-40B4-BE49-F238E27FC236}">
+                <a16:creationId xmlns:a16="http://schemas.microsoft.com/office/drawing/2014/main" id="{CC8A6FD2-58F1-7B4C-8471-47B5B690CE68}"/>
+              </a:ext>
+            </a:extLst>
+          </p:cNvPr>
+          <p:cNvSpPr txBox="1"/>
+          <p:nvPr/>
+        </p:nvSpPr>
+        <p:spPr>
+          <a:xfrm>
+            <a:off x="762000" y="1290320"/>
+            <a:ext cx="8069838" cy="5262979"/>
+          </a:xfrm>
+          <a:prstGeom prst="rect">
+            <a:avLst/>
+          </a:prstGeom>
+          <a:noFill/>
+        </p:spPr>
+        <p:txBody>
+          <a:bodyPr wrap="none" rtlCol="0">
+            <a:spAutoFit/>
+          </a:bodyPr>
+          <a:lstStyle/>
+          <a:p>
+            <a:pPr marL="285750" indent="-285750">
+              <a:buFont typeface="Arial" panose="020B0604020202020204" pitchFamily="34" charset="0"/>
+              <a:buChar char="•"/>
+            </a:pPr>
+            <a:r>
+              <a:rPr kumimoji="1" lang="zh-CN" altLang="en-US" sz="2400" dirty="0"/>
+              <a:t>核心操作单元： </a:t>
+            </a:r>
+            <a:r>
+              <a:rPr kumimoji="1" lang="en-US" altLang="zh-CN" sz="2400" dirty="0"/>
+              <a:t>API</a:t>
+            </a:r>
+            <a:r>
+              <a:rPr kumimoji="1" lang="zh-CN" altLang="en-US" sz="2400" dirty="0"/>
+              <a:t> （操作的基本单元）</a:t>
+            </a:r>
+            <a:endParaRPr kumimoji="1" lang="en-US" altLang="zh-CN" sz="2400" dirty="0"/>
+          </a:p>
+          <a:p>
+            <a:pPr marL="285750" indent="-285750">
+              <a:buFont typeface="Arial" panose="020B0604020202020204" pitchFamily="34" charset="0"/>
+              <a:buChar char="•"/>
+            </a:pPr>
+            <a:r>
+              <a:rPr kumimoji="1" lang="en-US" altLang="zh-CN" sz="2400" dirty="0"/>
+              <a:t>K8s</a:t>
+            </a:r>
+            <a:r>
+              <a:rPr kumimoji="1" lang="zh-CN" altLang="en-US" sz="2400" dirty="0"/>
+              <a:t>对象的通用设计：</a:t>
+            </a:r>
+            <a:endParaRPr kumimoji="1" lang="en-US" altLang="zh-CN" sz="2400" dirty="0"/>
+          </a:p>
+          <a:p>
+            <a:pPr marL="742950" lvl="1" indent="-285750">
+              <a:buFont typeface="Arial" panose="020B0604020202020204" pitchFamily="34" charset="0"/>
+              <a:buChar char="•"/>
+            </a:pPr>
+            <a:r>
+              <a:rPr kumimoji="1" lang="en-US" altLang="zh-CN" sz="2400" dirty="0" err="1"/>
+              <a:t>TypeMeta</a:t>
+            </a:r>
+            <a:r>
+              <a:rPr kumimoji="1" lang="en-US" altLang="zh-CN" sz="2400" dirty="0"/>
+              <a:t>. </a:t>
+            </a:r>
+          </a:p>
+          <a:p>
+            <a:pPr marL="1200150" lvl="2" indent="-285750">
+              <a:buFont typeface="Arial" panose="020B0604020202020204" pitchFamily="34" charset="0"/>
+              <a:buChar char="•"/>
+            </a:pPr>
+            <a:r>
+              <a:rPr kumimoji="1" lang="en-US" altLang="zh-CN" sz="2400" dirty="0"/>
+              <a:t>Group,</a:t>
+            </a:r>
+            <a:r>
+              <a:rPr kumimoji="1" lang="zh-CN" altLang="en-US" sz="2400" dirty="0"/>
+              <a:t>  </a:t>
+            </a:r>
+            <a:r>
+              <a:rPr kumimoji="1" lang="en-US" altLang="zh-CN" sz="2400" dirty="0"/>
+              <a:t>e.g.  pod</a:t>
+            </a:r>
+            <a:r>
+              <a:rPr kumimoji="1" lang="zh-CN" altLang="en-US" sz="2400" dirty="0"/>
+              <a:t>、</a:t>
+            </a:r>
+            <a:r>
+              <a:rPr kumimoji="1" lang="en-US" altLang="zh-CN" sz="2400" dirty="0"/>
+              <a:t>node</a:t>
+            </a:r>
+            <a:r>
+              <a:rPr kumimoji="1" lang="zh-CN" altLang="en-US" sz="2400" dirty="0"/>
+              <a:t>、</a:t>
+            </a:r>
+            <a:r>
+              <a:rPr kumimoji="1" lang="en-US" altLang="zh-CN" sz="2400" dirty="0"/>
+              <a:t>service</a:t>
+            </a:r>
+            <a:r>
+              <a:rPr kumimoji="1" lang="zh-CN" altLang="en-US" sz="2400" dirty="0"/>
+              <a:t> </a:t>
+            </a:r>
+            <a:r>
+              <a:rPr kumimoji="1" lang="en-US" altLang="zh-CN" sz="2400" dirty="0"/>
+              <a:t>—&gt; core group</a:t>
+            </a:r>
+          </a:p>
+          <a:p>
+            <a:pPr marL="1200150" lvl="2" indent="-285750">
+              <a:buFont typeface="Arial" panose="020B0604020202020204" pitchFamily="34" charset="0"/>
+              <a:buChar char="•"/>
+            </a:pPr>
+            <a:r>
+              <a:rPr kumimoji="1" lang="en-US" altLang="zh-CN" sz="2400" dirty="0"/>
+              <a:t>Kind, e.g. pod</a:t>
+            </a:r>
+            <a:r>
+              <a:rPr kumimoji="1" lang="zh-CN" altLang="en-US" sz="2400" dirty="0"/>
+              <a:t>、</a:t>
+            </a:r>
+            <a:r>
+              <a:rPr kumimoji="1" lang="en-US" altLang="zh-CN" sz="2400" dirty="0"/>
+              <a:t>node</a:t>
+            </a:r>
+            <a:r>
+              <a:rPr kumimoji="1" lang="zh-CN" altLang="en-US" sz="2400" dirty="0"/>
+              <a:t>等都是一个</a:t>
+            </a:r>
+            <a:r>
+              <a:rPr kumimoji="1" lang="en-US" altLang="zh-CN" sz="2400" dirty="0"/>
+              <a:t>kind</a:t>
+            </a:r>
+          </a:p>
+          <a:p>
+            <a:pPr marL="1200150" lvl="2" indent="-285750">
+              <a:buFont typeface="Arial" panose="020B0604020202020204" pitchFamily="34" charset="0"/>
+              <a:buChar char="•"/>
+            </a:pPr>
+            <a:r>
+              <a:rPr kumimoji="1" lang="en-US" altLang="zh-CN" sz="2400" dirty="0"/>
+              <a:t>Version </a:t>
+            </a:r>
+          </a:p>
+          <a:p>
+            <a:pPr marL="742950" lvl="1" indent="-285750">
+              <a:buFont typeface="Arial" panose="020B0604020202020204" pitchFamily="34" charset="0"/>
+              <a:buChar char="•"/>
+            </a:pPr>
+            <a:r>
+              <a:rPr kumimoji="1" lang="en-US" altLang="zh-CN" sz="2400" dirty="0"/>
+              <a:t>Metadata</a:t>
+            </a:r>
+          </a:p>
+          <a:p>
+            <a:pPr marL="1200150" lvl="2" indent="-285750">
+              <a:buFont typeface="Arial" panose="020B0604020202020204" pitchFamily="34" charset="0"/>
+              <a:buChar char="•"/>
+            </a:pPr>
+            <a:r>
+              <a:rPr kumimoji="1" lang="en-US" altLang="zh-CN" sz="2400" dirty="0"/>
+              <a:t>Namespace</a:t>
+            </a:r>
+          </a:p>
+          <a:p>
+            <a:pPr marL="1200150" lvl="2" indent="-285750">
+              <a:buFont typeface="Arial" panose="020B0604020202020204" pitchFamily="34" charset="0"/>
+              <a:buChar char="•"/>
+            </a:pPr>
+            <a:r>
+              <a:rPr kumimoji="1" lang="en-US" altLang="zh-CN" sz="2400" dirty="0"/>
+              <a:t>Name </a:t>
+            </a:r>
+          </a:p>
+          <a:p>
+            <a:pPr marL="1200150" lvl="2" indent="-285750">
+              <a:buFont typeface="Arial" panose="020B0604020202020204" pitchFamily="34" charset="0"/>
+              <a:buChar char="•"/>
+            </a:pPr>
+            <a:r>
+              <a:rPr kumimoji="1" lang="en-US" altLang="zh-CN" sz="2400" dirty="0"/>
+              <a:t>Labels</a:t>
+            </a:r>
+            <a:r>
+              <a:rPr kumimoji="1" lang="zh-CN" altLang="en-US" sz="2400" dirty="0"/>
+              <a:t> </a:t>
+            </a:r>
+            <a:r>
+              <a:rPr kumimoji="1" lang="en-US" altLang="zh-CN" sz="2400" dirty="0"/>
+              <a:t>&amp;</a:t>
+            </a:r>
+            <a:r>
+              <a:rPr kumimoji="1" lang="zh-CN" altLang="en-US" sz="2400" dirty="0"/>
+              <a:t> </a:t>
+            </a:r>
+            <a:r>
+              <a:rPr kumimoji="1" lang="en-US" altLang="zh-CN" sz="2400" dirty="0"/>
+              <a:t>Annotation</a:t>
+            </a:r>
+          </a:p>
+          <a:p>
+            <a:pPr marL="1200150" lvl="2" indent="-285750">
+              <a:buFont typeface="Arial" panose="020B0604020202020204" pitchFamily="34" charset="0"/>
+              <a:buChar char="•"/>
+            </a:pPr>
+            <a:r>
+              <a:rPr kumimoji="1" lang="en-US" altLang="zh-CN" sz="2400" dirty="0"/>
+              <a:t>Finalizers </a:t>
+            </a:r>
+          </a:p>
+          <a:p>
+            <a:pPr marL="1200150" lvl="2" indent="-285750">
+              <a:buFont typeface="Arial" panose="020B0604020202020204" pitchFamily="34" charset="0"/>
+              <a:buChar char="•"/>
+            </a:pPr>
+            <a:r>
+              <a:rPr kumimoji="1" lang="en-US" altLang="zh-CN" sz="2400" dirty="0" err="1"/>
+              <a:t>ResourceVersion</a:t>
+            </a:r>
+            <a:endParaRPr kumimoji="1" lang="en-US" altLang="zh-CN" sz="2400" dirty="0"/>
+          </a:p>
+          <a:p>
+            <a:pPr lvl="1"/>
+            <a:endParaRPr kumimoji="1" lang="en-US" altLang="zh-CN" sz="2400" dirty="0"/>
+          </a:p>
+          <a:p>
+            <a:pPr marL="1200150" lvl="2" indent="-285750">
+              <a:buFont typeface="Arial" panose="020B0604020202020204" pitchFamily="34" charset="0"/>
+              <a:buChar char="•"/>
+            </a:pPr>
+            <a:endParaRPr kumimoji="1" lang="en-US" altLang="zh-CN" sz="2400" dirty="0"/>
+          </a:p>
+        </p:txBody>
+      </p:sp>
+      <p:pic>
+        <p:nvPicPr>
+          <p:cNvPr id="7" name="图片 6">
+            <a:extLst>
+              <a:ext uri="{FF2B5EF4-FFF2-40B4-BE49-F238E27FC236}">
+                <a16:creationId xmlns:a16="http://schemas.microsoft.com/office/drawing/2014/main" id="{6C3F20AA-E0E2-1B49-A2A9-45C0DEDDC2E3}"/>
+              </a:ext>
+            </a:extLst>
+          </p:cNvPr>
+          <p:cNvPicPr>
+            <a:picLocks noChangeAspect="1"/>
+          </p:cNvPicPr>
+          <p:nvPr/>
+        </p:nvPicPr>
+        <p:blipFill>
+          <a:blip r:embed="rId3"/>
+          <a:stretch>
+            <a:fillRect/>
+          </a:stretch>
+        </p:blipFill>
+        <p:spPr>
+          <a:xfrm>
+            <a:off x="0" y="0"/>
+            <a:ext cx="1089771" cy="733010"/>
+          </a:xfrm>
+          <a:prstGeom prst="rect">
+            <a:avLst/>
+          </a:prstGeom>
+        </p:spPr>
+      </p:pic>
+    </p:spTree>
+    <p:extLst>
+      <p:ext uri="{BB962C8B-B14F-4D97-AF65-F5344CB8AC3E}">
+        <p14:creationId xmlns:p14="http://schemas.microsoft.com/office/powerpoint/2010/main" val="2570728750"/>
+      </p:ext>
+    </p:extLst>
+  </p:cSld>
+  <p:clrMapOvr>
+    <a:masterClrMapping/>
+  </p:clrMapOvr>
+</p:sld>
+</file>
+
+<file path=ppt/slides/slide6.xml><?xml version="1.0" encoding="utf-8"?>
 <p:sld xmlns:a="http://schemas.openxmlformats.org/drawingml/2006/main" xmlns:r="http://schemas.openxmlformats.org/officeDocument/2006/relationships" xmlns:p="http://schemas.openxmlformats.org/presentationml/2006/main">
   <p:cSld>
     <p:spTree>
@@ -5614,6 +11238,66 @@
           </a:p>
         </p:txBody>
       </p:sp>
+      <p:pic>
+        <p:nvPicPr>
+          <p:cNvPr id="5" name="图片 4">
+            <a:extLst>
+              <a:ext uri="{FF2B5EF4-FFF2-40B4-BE49-F238E27FC236}">
+                <a16:creationId xmlns:a16="http://schemas.microsoft.com/office/drawing/2014/main" id="{07E52143-642F-3F45-AF56-8AB1B42B1090}"/>
+              </a:ext>
+            </a:extLst>
+          </p:cNvPr>
+          <p:cNvPicPr>
+            <a:picLocks noChangeAspect="1"/>
+          </p:cNvPicPr>
+          <p:nvPr/>
+        </p:nvPicPr>
+        <p:blipFill>
+          <a:blip r:embed="rId4"/>
+          <a:stretch>
+            <a:fillRect/>
+          </a:stretch>
+        </p:blipFill>
+        <p:spPr>
+          <a:xfrm>
+            <a:off x="0" y="0"/>
+            <a:ext cx="1089771" cy="733010"/>
+          </a:xfrm>
+          <a:prstGeom prst="rect">
+            <a:avLst/>
+          </a:prstGeom>
+        </p:spPr>
+      </p:pic>
+      <p:pic>
+        <p:nvPicPr>
+          <p:cNvPr id="2" name="图片 1">
+            <a:extLst>
+              <a:ext uri="{FF2B5EF4-FFF2-40B4-BE49-F238E27FC236}">
+                <a16:creationId xmlns:a16="http://schemas.microsoft.com/office/drawing/2014/main" id="{A4D9EB06-D51C-5342-8EB0-3BC8ED37D5AA}"/>
+              </a:ext>
+            </a:extLst>
+          </p:cNvPr>
+          <p:cNvPicPr>
+            <a:picLocks noChangeAspect="1"/>
+          </p:cNvPicPr>
+          <p:nvPr/>
+        </p:nvPicPr>
+        <p:blipFill>
+          <a:blip r:embed="rId5"/>
+          <a:stretch>
+            <a:fillRect/>
+          </a:stretch>
+        </p:blipFill>
+        <p:spPr>
+          <a:xfrm>
+            <a:off x="1186068" y="1093076"/>
+            <a:ext cx="9819862" cy="5590308"/>
+          </a:xfrm>
+          <a:prstGeom prst="rect">
+            <a:avLst/>
+          </a:prstGeom>
+        </p:spPr>
+      </p:pic>
     </p:spTree>
     <p:extLst>
       <p:ext uri="{BB962C8B-B14F-4D97-AF65-F5344CB8AC3E}">
@@ -5627,7 +11311,7 @@
 </p:sld>
 </file>
 
-<file path=ppt/slides/slide5.xml><?xml version="1.0" encoding="utf-8"?>
+<file path=ppt/slides/slide7.xml><?xml version="1.0" encoding="utf-8"?>
 <p:sld xmlns:a="http://schemas.openxmlformats.org/drawingml/2006/main" xmlns:r="http://schemas.openxmlformats.org/officeDocument/2006/relationships" xmlns:p="http://schemas.openxmlformats.org/presentationml/2006/main">
   <p:cSld>
     <p:spTree>
@@ -5644,192 +11328,70 @@
           <a:chExt cx="0" cy="0"/>
         </a:xfrm>
       </p:grpSpPr>
-      <p:sp>
-        <p:nvSpPr>
-          <p:cNvPr id="15" name="文本框 14">
+      <p:pic>
+        <p:nvPicPr>
+          <p:cNvPr id="4" name="图片 3">
             <a:extLst>
               <a:ext uri="{FF2B5EF4-FFF2-40B4-BE49-F238E27FC236}">
-                <a16:creationId xmlns:a16="http://schemas.microsoft.com/office/drawing/2014/main" id="{B7587662-A184-0F4E-9480-4B3E755658BF}"/>
+                <a16:creationId xmlns:a16="http://schemas.microsoft.com/office/drawing/2014/main" id="{434C9C58-F6C5-144C-B13B-839D28DD5714}"/>
               </a:ext>
             </a:extLst>
           </p:cNvPr>
-          <p:cNvSpPr txBox="1"/>
+          <p:cNvPicPr>
+            <a:picLocks noChangeAspect="1"/>
+          </p:cNvPicPr>
           <p:nvPr/>
-        </p:nvSpPr>
+        </p:nvPicPr>
+        <p:blipFill>
+          <a:blip r:embed="rId2"/>
+          <a:stretch>
+            <a:fillRect/>
+          </a:stretch>
+        </p:blipFill>
         <p:spPr>
           <a:xfrm>
-            <a:off x="596767" y="1837666"/>
-            <a:ext cx="7390998" cy="2677656"/>
+            <a:off x="568960" y="750204"/>
+            <a:ext cx="9906000" cy="5964286"/>
           </a:xfrm>
           <a:prstGeom prst="rect">
             <a:avLst/>
           </a:prstGeom>
-          <a:noFill/>
         </p:spPr>
-        <p:txBody>
-          <a:bodyPr wrap="none" rtlCol="0">
-            <a:spAutoFit/>
-          </a:bodyPr>
-          <a:lstStyle/>
-          <a:p>
-            <a:pPr marL="285750" indent="-285750">
-              <a:buFont typeface="Arial" panose="020B0604020202020204" pitchFamily="34" charset="0"/>
-              <a:buChar char="•"/>
-            </a:pPr>
-            <a:r>
-              <a:rPr kumimoji="1" lang="zh-CN" altLang="en-US" sz="2800" dirty="0"/>
-              <a:t>自动化运维</a:t>
-            </a:r>
-            <a:endParaRPr kumimoji="1" lang="en-US" altLang="zh-CN" sz="2800" dirty="0"/>
-          </a:p>
-          <a:p>
-            <a:pPr marL="285750" indent="-285750">
-              <a:buFont typeface="Arial" panose="020B0604020202020204" pitchFamily="34" charset="0"/>
-              <a:buChar char="•"/>
-            </a:pPr>
-            <a:endParaRPr kumimoji="1" lang="en-US" altLang="zh-CN" sz="2800" dirty="0"/>
-          </a:p>
-          <a:p>
-            <a:pPr marL="285750" indent="-285750">
-              <a:buFont typeface="Arial" panose="020B0604020202020204" pitchFamily="34" charset="0"/>
-              <a:buChar char="•"/>
-            </a:pPr>
-            <a:r>
-              <a:rPr lang="zh-CN" altLang="en-US" sz="2800" i="0" u="none" strike="noStrike" dirty="0">
-                <a:solidFill>
-                  <a:srgbClr val="333333"/>
-                </a:solidFill>
-                <a:effectLst/>
-                <a:latin typeface="open sans" panose="020B0606030504020204" pitchFamily="34" charset="0"/>
-              </a:rPr>
-              <a:t>充分利用服务器资源</a:t>
-            </a:r>
-            <a:endParaRPr lang="en-US" altLang="zh-CN" sz="2800" i="0" u="none" strike="noStrike" dirty="0">
-              <a:solidFill>
-                <a:srgbClr val="333333"/>
-              </a:solidFill>
-              <a:effectLst/>
-              <a:latin typeface="open sans" panose="020B0606030504020204" pitchFamily="34" charset="0"/>
-            </a:endParaRPr>
-          </a:p>
-          <a:p>
-            <a:pPr marL="285750" indent="-285750">
-              <a:buFont typeface="Arial" panose="020B0604020202020204" pitchFamily="34" charset="0"/>
-              <a:buChar char="•"/>
-            </a:pPr>
-            <a:endParaRPr lang="zh-CN" altLang="en-US" sz="2800" i="0" u="none" strike="noStrike" dirty="0">
-              <a:solidFill>
-                <a:srgbClr val="333333"/>
-              </a:solidFill>
-              <a:effectLst/>
-              <a:latin typeface="open sans" panose="020B0606030504020204" pitchFamily="34" charset="0"/>
-            </a:endParaRPr>
-          </a:p>
-          <a:p>
-            <a:pPr marL="285750" indent="-285750">
-              <a:buFont typeface="Arial" panose="020B0604020202020204" pitchFamily="34" charset="0"/>
-              <a:buChar char="•"/>
-            </a:pPr>
-            <a:r>
-              <a:rPr lang="zh-CN" altLang="en-US" sz="2800" b="0" i="0" u="none" strike="noStrike" dirty="0">
-                <a:solidFill>
-                  <a:srgbClr val="333333"/>
-                </a:solidFill>
-                <a:effectLst/>
-                <a:latin typeface="open sans" panose="020B0606030504020204" pitchFamily="34" charset="0"/>
-              </a:rPr>
-              <a:t>云原生：容器化、微服务、</a:t>
-            </a:r>
-            <a:r>
-              <a:rPr lang="en-US" altLang="zh-CN" sz="2800" b="0" i="0" u="none" strike="noStrike" dirty="0">
-                <a:solidFill>
-                  <a:srgbClr val="333333"/>
-                </a:solidFill>
-                <a:effectLst/>
-                <a:latin typeface="open sans" panose="020B0606030504020204" pitchFamily="34" charset="0"/>
-              </a:rPr>
-              <a:t>CI/CD</a:t>
-            </a:r>
-            <a:r>
-              <a:rPr lang="zh-CN" altLang="en-US" sz="2800" b="0" i="0" u="none" strike="noStrike" dirty="0">
-                <a:solidFill>
-                  <a:srgbClr val="333333"/>
-                </a:solidFill>
-                <a:effectLst/>
-                <a:latin typeface="open sans" panose="020B0606030504020204" pitchFamily="34" charset="0"/>
-              </a:rPr>
-              <a:t>、</a:t>
-            </a:r>
-            <a:r>
-              <a:rPr lang="en-US" altLang="zh-CN" sz="2800" b="0" i="0" u="none" strike="noStrike" dirty="0">
-                <a:solidFill>
-                  <a:srgbClr val="333333"/>
-                </a:solidFill>
-                <a:effectLst/>
-                <a:latin typeface="open sans" panose="020B0606030504020204" pitchFamily="34" charset="0"/>
-              </a:rPr>
-              <a:t>DevOps</a:t>
-            </a:r>
-            <a:endParaRPr lang="zh-CN" altLang="en-US" sz="2800" b="0" i="0" u="none" strike="noStrike" dirty="0">
-              <a:solidFill>
-                <a:srgbClr val="333333"/>
-              </a:solidFill>
-              <a:effectLst/>
-              <a:latin typeface="open sans" panose="020B0606030504020204" pitchFamily="34" charset="0"/>
-            </a:endParaRPr>
-          </a:p>
-          <a:p>
-            <a:pPr marL="285750" indent="-285750">
-              <a:buFont typeface="Arial" panose="020B0604020202020204" pitchFamily="34" charset="0"/>
-              <a:buChar char="•"/>
-            </a:pPr>
-            <a:endParaRPr kumimoji="1" lang="zh-CN" altLang="en-US" sz="2800" dirty="0"/>
-          </a:p>
-        </p:txBody>
-      </p:sp>
-      <p:sp>
-        <p:nvSpPr>
-          <p:cNvPr id="17" name="文本框 16">
+      </p:pic>
+      <p:pic>
+        <p:nvPicPr>
+          <p:cNvPr id="5" name="图片 4">
             <a:extLst>
               <a:ext uri="{FF2B5EF4-FFF2-40B4-BE49-F238E27FC236}">
-                <a16:creationId xmlns:a16="http://schemas.microsoft.com/office/drawing/2014/main" id="{09E203BD-74E5-554A-A9B5-0D00D92E0E72}"/>
+                <a16:creationId xmlns:a16="http://schemas.microsoft.com/office/drawing/2014/main" id="{E560F62F-5538-7A47-BEC5-DBC4ACEFDF2A}"/>
               </a:ext>
             </a:extLst>
           </p:cNvPr>
-          <p:cNvSpPr txBox="1"/>
+          <p:cNvPicPr>
+            <a:picLocks noChangeAspect="1"/>
+          </p:cNvPicPr>
           <p:nvPr/>
-        </p:nvSpPr>
+        </p:nvPicPr>
+        <p:blipFill>
+          <a:blip r:embed="rId3"/>
+          <a:stretch>
+            <a:fillRect/>
+          </a:stretch>
+        </p:blipFill>
         <p:spPr>
           <a:xfrm>
-            <a:off x="433137" y="365760"/>
-            <a:ext cx="3568606" cy="707886"/>
+            <a:off x="0" y="0"/>
+            <a:ext cx="1089771" cy="733010"/>
           </a:xfrm>
           <a:prstGeom prst="rect">
             <a:avLst/>
           </a:prstGeom>
-          <a:noFill/>
         </p:spPr>
-        <p:txBody>
-          <a:bodyPr wrap="none" rtlCol="0">
-            <a:spAutoFit/>
-          </a:bodyPr>
-          <a:lstStyle/>
-          <a:p>
-            <a:r>
-              <a:rPr kumimoji="1" lang="en-US" altLang="zh-CN" sz="4000" b="1" dirty="0"/>
-              <a:t>K8s</a:t>
-            </a:r>
-            <a:r>
-              <a:rPr kumimoji="1" lang="zh-CN" altLang="en-US" sz="4000" b="1" dirty="0"/>
-              <a:t>的使用场景</a:t>
-            </a:r>
-          </a:p>
-        </p:txBody>
-      </p:sp>
+      </p:pic>
     </p:spTree>
     <p:extLst>
       <p:ext uri="{BB962C8B-B14F-4D97-AF65-F5344CB8AC3E}">
-        <p14:creationId xmlns:p14="http://schemas.microsoft.com/office/powerpoint/2010/main" val="428503573"/>
+        <p14:creationId xmlns:p14="http://schemas.microsoft.com/office/powerpoint/2010/main" val="2525138304"/>
       </p:ext>
     </p:extLst>
   </p:cSld>
@@ -5839,7 +11401,7 @@
 </p:sld>
 </file>
 
-<file path=ppt/slides/slide6.xml><?xml version="1.0" encoding="utf-8"?>
+<file path=ppt/slides/slide8.xml><?xml version="1.0" encoding="utf-8"?>
 <p:sld xmlns:a="http://schemas.openxmlformats.org/drawingml/2006/main" xmlns:r="http://schemas.openxmlformats.org/officeDocument/2006/relationships" xmlns:p="http://schemas.openxmlformats.org/presentationml/2006/main">
   <p:cSld>
     <p:spTree>
@@ -5856,12 +11418,132 @@
           <a:chExt cx="0" cy="0"/>
         </a:xfrm>
       </p:grpSpPr>
-      <p:sp>
-        <p:nvSpPr>
-          <p:cNvPr id="4" name="文本框 3">
+      <p:pic>
+        <p:nvPicPr>
+          <p:cNvPr id="4" name="图片 3">
             <a:extLst>
               <a:ext uri="{FF2B5EF4-FFF2-40B4-BE49-F238E27FC236}">
-                <a16:creationId xmlns:a16="http://schemas.microsoft.com/office/drawing/2014/main" id="{6E3CA266-BBF6-4746-82E8-53676AC51C40}"/>
+                <a16:creationId xmlns:a16="http://schemas.microsoft.com/office/drawing/2014/main" id="{6AFBE999-634E-074E-B2C2-B137581A1584}"/>
+              </a:ext>
+            </a:extLst>
+          </p:cNvPr>
+          <p:cNvPicPr>
+            <a:picLocks noChangeAspect="1"/>
+          </p:cNvPicPr>
+          <p:nvPr/>
+        </p:nvPicPr>
+        <p:blipFill>
+          <a:blip r:embed="rId3"/>
+          <a:stretch>
+            <a:fillRect/>
+          </a:stretch>
+        </p:blipFill>
+        <p:spPr>
+          <a:xfrm>
+            <a:off x="1920240" y="790261"/>
+            <a:ext cx="8737115" cy="6067739"/>
+          </a:xfrm>
+          <a:prstGeom prst="rect">
+            <a:avLst/>
+          </a:prstGeom>
+        </p:spPr>
+      </p:pic>
+      <p:pic>
+        <p:nvPicPr>
+          <p:cNvPr id="5" name="图片 4">
+            <a:extLst>
+              <a:ext uri="{FF2B5EF4-FFF2-40B4-BE49-F238E27FC236}">
+                <a16:creationId xmlns:a16="http://schemas.microsoft.com/office/drawing/2014/main" id="{EC454562-BFA3-464F-BBA1-BE1FBF3A3470}"/>
+              </a:ext>
+            </a:extLst>
+          </p:cNvPr>
+          <p:cNvPicPr>
+            <a:picLocks noChangeAspect="1"/>
+          </p:cNvPicPr>
+          <p:nvPr/>
+        </p:nvPicPr>
+        <p:blipFill>
+          <a:blip r:embed="rId4"/>
+          <a:stretch>
+            <a:fillRect/>
+          </a:stretch>
+        </p:blipFill>
+        <p:spPr>
+          <a:xfrm>
+            <a:off x="0" y="0"/>
+            <a:ext cx="1089771" cy="733010"/>
+          </a:xfrm>
+          <a:prstGeom prst="rect">
+            <a:avLst/>
+          </a:prstGeom>
+        </p:spPr>
+      </p:pic>
+    </p:spTree>
+    <p:extLst>
+      <p:ext uri="{BB962C8B-B14F-4D97-AF65-F5344CB8AC3E}">
+        <p14:creationId xmlns:p14="http://schemas.microsoft.com/office/powerpoint/2010/main" val="2253060192"/>
+      </p:ext>
+    </p:extLst>
+  </p:cSld>
+  <p:clrMapOvr>
+    <a:masterClrMapping/>
+  </p:clrMapOvr>
+</p:sld>
+</file>
+
+<file path=ppt/slides/slide9.xml><?xml version="1.0" encoding="utf-8"?>
+<p:sld xmlns:a="http://schemas.openxmlformats.org/drawingml/2006/main" xmlns:r="http://schemas.openxmlformats.org/officeDocument/2006/relationships" xmlns:p="http://schemas.openxmlformats.org/presentationml/2006/main">
+  <p:cSld>
+    <p:spTree>
+      <p:nvGrpSpPr>
+        <p:cNvPr id="1" name=""/>
+        <p:cNvGrpSpPr/>
+        <p:nvPr/>
+      </p:nvGrpSpPr>
+      <p:grpSpPr>
+        <a:xfrm>
+          <a:off x="0" y="0"/>
+          <a:ext cx="0" cy="0"/>
+          <a:chOff x="0" y="0"/>
+          <a:chExt cx="0" cy="0"/>
+        </a:xfrm>
+      </p:grpSpPr>
+      <p:pic>
+        <p:nvPicPr>
+          <p:cNvPr id="4" name="图片 3">
+            <a:extLst>
+              <a:ext uri="{FF2B5EF4-FFF2-40B4-BE49-F238E27FC236}">
+                <a16:creationId xmlns:a16="http://schemas.microsoft.com/office/drawing/2014/main" id="{041542E6-97F6-CA4C-A73C-C425B1B51BB6}"/>
+              </a:ext>
+            </a:extLst>
+          </p:cNvPr>
+          <p:cNvPicPr>
+            <a:picLocks noChangeAspect="1"/>
+          </p:cNvPicPr>
+          <p:nvPr/>
+        </p:nvPicPr>
+        <p:blipFill>
+          <a:blip r:embed="rId3"/>
+          <a:stretch>
+            <a:fillRect/>
+          </a:stretch>
+        </p:blipFill>
+        <p:spPr>
+          <a:xfrm>
+            <a:off x="0" y="0"/>
+            <a:ext cx="1089771" cy="733010"/>
+          </a:xfrm>
+          <a:prstGeom prst="rect">
+            <a:avLst/>
+          </a:prstGeom>
+        </p:spPr>
+      </p:pic>
+      <p:sp>
+        <p:nvSpPr>
+          <p:cNvPr id="5" name="文本框 4">
+            <a:extLst>
+              <a:ext uri="{FF2B5EF4-FFF2-40B4-BE49-F238E27FC236}">
+                <a16:creationId xmlns:a16="http://schemas.microsoft.com/office/drawing/2014/main" id="{833AA68C-A0B7-5E46-B677-9D0D366EA116}"/>
               </a:ext>
             </a:extLst>
           </p:cNvPr>
@@ -5870,8 +11552,8 @@
         </p:nvSpPr>
         <p:spPr>
           <a:xfrm>
-            <a:off x="1618593" y="2138966"/>
-            <a:ext cx="9774621" cy="1754326"/>
+            <a:off x="5069840" y="348289"/>
+            <a:ext cx="1593706" cy="769441"/>
           </a:xfrm>
           <a:prstGeom prst="rect">
             <a:avLst/>
@@ -5879,113 +11561,175 @@
           <a:noFill/>
         </p:spPr>
         <p:txBody>
-          <a:bodyPr wrap="square">
+          <a:bodyPr wrap="none" rtlCol="0">
             <a:spAutoFit/>
           </a:bodyPr>
           <a:lstStyle/>
           <a:p>
-            <a:pPr algn="l"/>
-            <a:r>
-              <a:rPr lang="en-US" altLang="zh-CN" b="1" i="0" u="none" strike="noStrike" dirty="0" err="1">
-                <a:effectLst/>
-                <a:latin typeface="Roboto" panose="020F0502020204030204" pitchFamily="34" charset="0"/>
-              </a:rPr>
-              <a:t>KubeEdge</a:t>
-            </a:r>
-            <a:r>
-              <a:rPr lang="zh-CN" altLang="en-US" b="1" i="0" u="none" strike="noStrike" dirty="0">
-                <a:effectLst/>
-                <a:latin typeface="Roboto" panose="020F0502020204030204" pitchFamily="34" charset="0"/>
-              </a:rPr>
-              <a:t>是一个开源系统，用于将容器化应用程序编排功能扩展到</a:t>
-            </a:r>
-            <a:r>
-              <a:rPr lang="en-US" altLang="zh-CN" b="1" i="0" u="none" strike="noStrike" dirty="0">
-                <a:effectLst/>
-                <a:latin typeface="Roboto" panose="020F0502020204030204" pitchFamily="34" charset="0"/>
-              </a:rPr>
-              <a:t>Edge</a:t>
-            </a:r>
-            <a:r>
-              <a:rPr lang="zh-CN" altLang="en-US" b="1" i="0" u="none" strike="noStrike" dirty="0">
-                <a:effectLst/>
-                <a:latin typeface="Roboto" panose="020F0502020204030204" pitchFamily="34" charset="0"/>
-              </a:rPr>
-              <a:t>的主机。它基于</a:t>
-            </a:r>
-            <a:r>
-              <a:rPr lang="en-US" altLang="zh-CN" b="1" i="0" u="none" strike="noStrike" dirty="0" err="1">
-                <a:effectLst/>
-                <a:latin typeface="Roboto" panose="020F0502020204030204" pitchFamily="34" charset="0"/>
-              </a:rPr>
-              <a:t>kubernetes</a:t>
-            </a:r>
-            <a:r>
-              <a:rPr lang="zh-CN" altLang="en-US" b="1" i="0" u="none" strike="noStrike" dirty="0">
-                <a:effectLst/>
-                <a:latin typeface="Roboto" panose="020F0502020204030204" pitchFamily="34" charset="0"/>
-              </a:rPr>
-              <a:t>构建，并为网络应用程序提供基础架构支持。云和边缘之间的部署和元数据同步。 </a:t>
-            </a:r>
-            <a:r>
-              <a:rPr lang="en-US" altLang="zh-CN" b="1" i="0" u="none" strike="noStrike" dirty="0" err="1">
-                <a:effectLst/>
-                <a:latin typeface="Roboto" panose="020F0502020204030204" pitchFamily="34" charset="0"/>
-              </a:rPr>
-              <a:t>KubeEdge</a:t>
-            </a:r>
-            <a:r>
-              <a:rPr lang="zh-CN" altLang="en-US" b="1" i="0" u="none" strike="noStrike" dirty="0">
-                <a:effectLst/>
-                <a:latin typeface="Roboto" panose="020F0502020204030204" pitchFamily="34" charset="0"/>
-              </a:rPr>
-              <a:t>使用</a:t>
-            </a:r>
-            <a:r>
-              <a:rPr lang="en-US" altLang="zh-CN" b="1" i="0" u="none" strike="noStrike" dirty="0">
-                <a:effectLst/>
-                <a:latin typeface="Roboto" panose="020F0502020204030204" pitchFamily="34" charset="0"/>
-              </a:rPr>
-              <a:t>Apache 2.0</a:t>
-            </a:r>
-            <a:r>
-              <a:rPr lang="zh-CN" altLang="en-US" b="1" i="0" u="none" strike="noStrike" dirty="0">
-                <a:effectLst/>
-                <a:latin typeface="Roboto" panose="020F0502020204030204" pitchFamily="34" charset="0"/>
-              </a:rPr>
-              <a:t>许可。并且绝对可以免费用于个人或商业用途。我们欢迎贡献者！</a:t>
-            </a:r>
-          </a:p>
-          <a:p>
-            <a:pPr algn="l"/>
-            <a:r>
-              <a:rPr lang="zh-CN" altLang="en-US" b="1" i="0" u="none" strike="noStrike" dirty="0">
-                <a:effectLst/>
-                <a:latin typeface="Roboto" panose="02000000000000000000" pitchFamily="2" charset="0"/>
-              </a:rPr>
-              <a:t>我们的目标是创建一个开放平台，使能边缘计算，将容器化应用编排功能扩展到边缘的节点和设备，后者基于</a:t>
-            </a:r>
-            <a:r>
-              <a:rPr lang="en-US" altLang="zh-CN" b="1" i="0" u="none" strike="noStrike" dirty="0" err="1">
-                <a:effectLst/>
-                <a:latin typeface="Roboto" panose="02000000000000000000" pitchFamily="2" charset="0"/>
-              </a:rPr>
-              <a:t>kubernetes</a:t>
-            </a:r>
-            <a:r>
-              <a:rPr lang="zh-CN" altLang="en-US" b="1" i="0" u="none" strike="noStrike" dirty="0">
-                <a:effectLst/>
-                <a:latin typeface="Roboto" panose="02000000000000000000" pitchFamily="2" charset="0"/>
-              </a:rPr>
-              <a:t>构建，并为云和边缘之间的网络，应用部署和元数据同步提供基础架构支持。</a:t>
-            </a:r>
+            <a:r>
+              <a:rPr kumimoji="1" lang="en-US" altLang="zh-CN" sz="4400" b="1" dirty="0"/>
+              <a:t>Node</a:t>
+            </a:r>
+            <a:endParaRPr kumimoji="1" lang="zh-CN" altLang="en-US" sz="4400" b="1" dirty="0"/>
+          </a:p>
+        </p:txBody>
+      </p:sp>
+      <p:sp>
+        <p:nvSpPr>
+          <p:cNvPr id="6" name="文本框 5">
+            <a:extLst>
+              <a:ext uri="{FF2B5EF4-FFF2-40B4-BE49-F238E27FC236}">
+                <a16:creationId xmlns:a16="http://schemas.microsoft.com/office/drawing/2014/main" id="{BDEA0E71-A2FE-B34D-B610-A21D1804F031}"/>
+              </a:ext>
+            </a:extLst>
+          </p:cNvPr>
+          <p:cNvSpPr txBox="1"/>
+          <p:nvPr/>
+        </p:nvSpPr>
+        <p:spPr>
+          <a:xfrm>
+            <a:off x="243840" y="1818640"/>
+            <a:ext cx="11348720" cy="1477328"/>
+          </a:xfrm>
+          <a:prstGeom prst="rect">
+            <a:avLst/>
+          </a:prstGeom>
+          <a:noFill/>
+        </p:spPr>
+        <p:txBody>
+          <a:bodyPr wrap="square" rtlCol="0">
+            <a:spAutoFit/>
+          </a:bodyPr>
+          <a:lstStyle/>
+          <a:p>
+            <a:pPr marL="285750" indent="-285750">
+              <a:buFont typeface="Arial" panose="020B0604020202020204" pitchFamily="34" charset="0"/>
+              <a:buChar char="•"/>
+            </a:pPr>
+            <a:r>
+              <a:rPr kumimoji="1" lang="en-US" altLang="zh-CN" dirty="0"/>
+              <a:t>Node</a:t>
+            </a:r>
+            <a:r>
+              <a:rPr kumimoji="1" lang="zh-CN" altLang="en-US" dirty="0"/>
+              <a:t>是</a:t>
+            </a:r>
+            <a:r>
+              <a:rPr kumimoji="1" lang="en-US" altLang="zh-CN" dirty="0"/>
+              <a:t>Pod</a:t>
+            </a:r>
+            <a:r>
+              <a:rPr kumimoji="1" lang="zh-CN" altLang="en-US" dirty="0"/>
+              <a:t>真正运行的主机，可以是物理机，也可以是虚拟机。</a:t>
+            </a:r>
+            <a:endParaRPr kumimoji="1" lang="en-US" altLang="zh-CN" dirty="0"/>
+          </a:p>
+          <a:p>
+            <a:pPr marL="285750" indent="-285750">
+              <a:buFont typeface="Arial" panose="020B0604020202020204" pitchFamily="34" charset="0"/>
+              <a:buChar char="•"/>
+            </a:pPr>
+            <a:r>
+              <a:rPr kumimoji="1" lang="en-US" altLang="zh-CN" dirty="0"/>
+              <a:t>Node</a:t>
+            </a:r>
+            <a:r>
+              <a:rPr kumimoji="1" lang="zh-CN" altLang="en-US" dirty="0"/>
+              <a:t> 对象用来描述计算节点的计算资源</a:t>
+            </a:r>
+            <a:endParaRPr kumimoji="1" lang="en-US" altLang="zh-CN" dirty="0"/>
+          </a:p>
+          <a:p>
+            <a:pPr marL="742950" lvl="1" indent="-285750">
+              <a:buFont typeface="Arial" panose="020B0604020202020204" pitchFamily="34" charset="0"/>
+              <a:buChar char="•"/>
+            </a:pPr>
+            <a:r>
+              <a:rPr kumimoji="1" lang="en-US" altLang="zh-CN" dirty="0"/>
+              <a:t>Capacity</a:t>
+            </a:r>
+            <a:r>
+              <a:rPr kumimoji="1" lang="zh-CN" altLang="en-US" dirty="0"/>
+              <a:t>：计算能力，代表当前节点的所有资源</a:t>
+            </a:r>
+            <a:endParaRPr kumimoji="1" lang="en-US" altLang="zh-CN" dirty="0"/>
+          </a:p>
+          <a:p>
+            <a:pPr marL="742950" lvl="1" indent="-285750">
+              <a:buFont typeface="Arial" panose="020B0604020202020204" pitchFamily="34" charset="0"/>
+              <a:buChar char="•"/>
+            </a:pPr>
+            <a:r>
+              <a:rPr kumimoji="1" lang="en-US" altLang="zh-CN" dirty="0"/>
+              <a:t>Allocatable</a:t>
+            </a:r>
+            <a:r>
+              <a:rPr kumimoji="1" lang="zh-CN" altLang="en-US" dirty="0"/>
+              <a:t>：可分配资源，代表当前节点的可分配资源，通常是所有资源</a:t>
+            </a:r>
+            <a:r>
+              <a:rPr kumimoji="1" lang="en-US" altLang="zh-CN" dirty="0"/>
+              <a:t>-</a:t>
+            </a:r>
+            <a:r>
+              <a:rPr kumimoji="1" lang="zh-CN" altLang="en-US" dirty="0"/>
+              <a:t>预留资源</a:t>
+            </a:r>
+            <a:r>
+              <a:rPr kumimoji="1" lang="en-US" altLang="zh-CN" dirty="0"/>
+              <a:t>-</a:t>
+            </a:r>
+            <a:r>
+              <a:rPr kumimoji="1" lang="zh-CN" altLang="en-US" dirty="0"/>
+              <a:t>已分配资源</a:t>
+            </a:r>
+            <a:endParaRPr kumimoji="1" lang="en-US" altLang="zh-CN" dirty="0"/>
+          </a:p>
+          <a:p>
+            <a:pPr marL="285750" indent="-285750">
+              <a:buFont typeface="Arial" panose="020B0604020202020204" pitchFamily="34" charset="0"/>
+              <a:buChar char="•"/>
+            </a:pPr>
+            <a:r>
+              <a:rPr kumimoji="1" lang="en-US" altLang="zh-CN" dirty="0" err="1"/>
+              <a:t>Kubelet</a:t>
+            </a:r>
+            <a:r>
+              <a:rPr kumimoji="1" lang="zh-CN" altLang="en-US" dirty="0"/>
+              <a:t>会按照固定的评率检查节点的健康状态并上报给</a:t>
+            </a:r>
+            <a:r>
+              <a:rPr kumimoji="1" lang="en-US" altLang="zh-CN" dirty="0" err="1"/>
+              <a:t>APIServer</a:t>
+            </a:r>
+            <a:r>
+              <a:rPr kumimoji="1" lang="zh-CN" altLang="en-US" dirty="0"/>
+              <a:t>，该状态会记录在</a:t>
+            </a:r>
+            <a:r>
+              <a:rPr kumimoji="1" lang="en-US" altLang="zh-CN" dirty="0"/>
+              <a:t>Node</a:t>
+            </a:r>
+            <a:r>
+              <a:rPr kumimoji="1" lang="zh-CN" altLang="en-US" dirty="0"/>
+              <a:t>对象的</a:t>
+            </a:r>
+            <a:r>
+              <a:rPr kumimoji="1" lang="en-US" altLang="zh-CN" dirty="0"/>
+              <a:t>status</a:t>
+            </a:r>
+            <a:r>
+              <a:rPr kumimoji="1" lang="zh-CN" altLang="en-US" dirty="0"/>
+              <a:t>中</a:t>
+            </a:r>
+            <a:endParaRPr kumimoji="1" lang="en-US" altLang="zh-CN" dirty="0"/>
           </a:p>
         </p:txBody>
       </p:sp>
     </p:spTree>
     <p:extLst>
       <p:ext uri="{BB962C8B-B14F-4D97-AF65-F5344CB8AC3E}">
-        <p14:creationId xmlns:p14="http://schemas.microsoft.com/office/powerpoint/2010/main" val="1849510467"/>
+        <p14:creationId xmlns:p14="http://schemas.microsoft.com/office/powerpoint/2010/main" val="3387900141"/>
       </p:ext>
     </p:extLst>
   </p:cSld>
